--- a/Presentation1.pptx
+++ b/Presentation1.pptx
@@ -5,10 +5,11 @@
     <p:sldMasterId id="2147483648" r:id="rId1"/>
   </p:sldMasterIdLst>
   <p:notesMasterIdLst>
-    <p:notesMasterId r:id="rId3"/>
+    <p:notesMasterId r:id="rId4"/>
   </p:notesMasterIdLst>
   <p:sldIdLst>
     <p:sldId id="256" r:id="rId2"/>
+    <p:sldId id="257" r:id="rId3"/>
   </p:sldIdLst>
   <p:sldSz cx="12192000" cy="6858000"/>
   <p:notesSz cx="6858000" cy="9144000"/>
@@ -107,7 +108,6422 @@
       </a:defRPr>
     </a:lvl9pPr>
   </p:defaultTextStyle>
+  <p:extLst>
+    <p:ext uri="{EFAFB233-063F-42B5-8137-9DF3F51BA10A}">
+      <p15:sldGuideLst xmlns:p15="http://schemas.microsoft.com/office/powerpoint/2012/main"/>
+    </p:ext>
+  </p:extLst>
 </p:presentation>
+</file>
+
+<file path=ppt/diagrams/colors1.xml><?xml version="1.0" encoding="utf-8"?>
+<dgm:colorsDef xmlns:dgm="http://schemas.openxmlformats.org/drawingml/2006/diagram" xmlns:a="http://schemas.openxmlformats.org/drawingml/2006/main" uniqueId="urn:microsoft.com/office/officeart/2005/8/colors/colorful4">
+  <dgm:title val=""/>
+  <dgm:desc val=""/>
+  <dgm:catLst>
+    <dgm:cat type="colorful" pri="10400"/>
+  </dgm:catLst>
+  <dgm:styleLbl name="node0">
+    <dgm:fillClrLst meth="repeat">
+      <a:schemeClr val="accent3"/>
+    </dgm:fillClrLst>
+    <dgm:linClrLst meth="repeat">
+      <a:schemeClr val="lt1"/>
+    </dgm:linClrLst>
+    <dgm:effectClrLst/>
+    <dgm:txLinClrLst/>
+    <dgm:txFillClrLst/>
+    <dgm:txEffectClrLst/>
+  </dgm:styleLbl>
+  <dgm:styleLbl name="node1">
+    <dgm:fillClrLst>
+      <a:schemeClr val="accent4"/>
+      <a:schemeClr val="accent5"/>
+    </dgm:fillClrLst>
+    <dgm:linClrLst meth="repeat">
+      <a:schemeClr val="lt1"/>
+    </dgm:linClrLst>
+    <dgm:effectClrLst/>
+    <dgm:txLinClrLst/>
+    <dgm:txFillClrLst/>
+    <dgm:txEffectClrLst/>
+  </dgm:styleLbl>
+  <dgm:styleLbl name="alignNode1">
+    <dgm:fillClrLst>
+      <a:schemeClr val="accent4"/>
+      <a:schemeClr val="accent5"/>
+    </dgm:fillClrLst>
+    <dgm:linClrLst>
+      <a:schemeClr val="accent4"/>
+      <a:schemeClr val="accent5"/>
+    </dgm:linClrLst>
+    <dgm:effectClrLst/>
+    <dgm:txLinClrLst/>
+    <dgm:txFillClrLst/>
+    <dgm:txEffectClrLst/>
+  </dgm:styleLbl>
+  <dgm:styleLbl name="lnNode1">
+    <dgm:fillClrLst>
+      <a:schemeClr val="accent4"/>
+      <a:schemeClr val="accent5"/>
+    </dgm:fillClrLst>
+    <dgm:linClrLst meth="repeat">
+      <a:schemeClr val="lt1"/>
+    </dgm:linClrLst>
+    <dgm:effectClrLst/>
+    <dgm:txLinClrLst/>
+    <dgm:txFillClrLst/>
+    <dgm:txEffectClrLst/>
+  </dgm:styleLbl>
+  <dgm:styleLbl name="vennNode1">
+    <dgm:fillClrLst>
+      <a:schemeClr val="accent4">
+        <a:alpha val="50000"/>
+      </a:schemeClr>
+      <a:schemeClr val="accent5">
+        <a:alpha val="50000"/>
+      </a:schemeClr>
+    </dgm:fillClrLst>
+    <dgm:linClrLst meth="repeat">
+      <a:schemeClr val="lt1"/>
+    </dgm:linClrLst>
+    <dgm:effectClrLst/>
+    <dgm:txLinClrLst/>
+    <dgm:txFillClrLst/>
+    <dgm:txEffectClrLst/>
+  </dgm:styleLbl>
+  <dgm:styleLbl name="node2">
+    <dgm:fillClrLst>
+      <a:schemeClr val="accent5"/>
+    </dgm:fillClrLst>
+    <dgm:linClrLst meth="repeat">
+      <a:schemeClr val="lt1"/>
+    </dgm:linClrLst>
+    <dgm:effectClrLst/>
+    <dgm:txLinClrLst/>
+    <dgm:txFillClrLst/>
+    <dgm:txEffectClrLst/>
+  </dgm:styleLbl>
+  <dgm:styleLbl name="node3">
+    <dgm:fillClrLst>
+      <a:schemeClr val="accent6"/>
+    </dgm:fillClrLst>
+    <dgm:linClrLst meth="repeat">
+      <a:schemeClr val="lt1"/>
+    </dgm:linClrLst>
+    <dgm:effectClrLst/>
+    <dgm:txLinClrLst/>
+    <dgm:txFillClrLst/>
+    <dgm:txEffectClrLst/>
+  </dgm:styleLbl>
+  <dgm:styleLbl name="node4">
+    <dgm:fillClrLst>
+      <a:schemeClr val="accent1"/>
+    </dgm:fillClrLst>
+    <dgm:linClrLst meth="repeat">
+      <a:schemeClr val="lt1"/>
+    </dgm:linClrLst>
+    <dgm:effectClrLst/>
+    <dgm:txLinClrLst/>
+    <dgm:txFillClrLst/>
+    <dgm:txEffectClrLst/>
+  </dgm:styleLbl>
+  <dgm:styleLbl name="fgImgPlace1">
+    <dgm:fillClrLst>
+      <a:schemeClr val="accent4">
+        <a:tint val="50000"/>
+      </a:schemeClr>
+      <a:schemeClr val="accent5">
+        <a:tint val="50000"/>
+      </a:schemeClr>
+    </dgm:fillClrLst>
+    <dgm:linClrLst meth="repeat">
+      <a:schemeClr val="lt1"/>
+    </dgm:linClrLst>
+    <dgm:effectClrLst/>
+    <dgm:txLinClrLst/>
+    <dgm:txFillClrLst meth="repeat">
+      <a:schemeClr val="lt1"/>
+    </dgm:txFillClrLst>
+    <dgm:txEffectClrLst/>
+  </dgm:styleLbl>
+  <dgm:styleLbl name="alignImgPlace1">
+    <dgm:fillClrLst>
+      <a:schemeClr val="accent4">
+        <a:tint val="50000"/>
+      </a:schemeClr>
+      <a:schemeClr val="accent5">
+        <a:tint val="20000"/>
+      </a:schemeClr>
+    </dgm:fillClrLst>
+    <dgm:linClrLst meth="repeat">
+      <a:schemeClr val="lt1"/>
+    </dgm:linClrLst>
+    <dgm:effectClrLst/>
+    <dgm:txLinClrLst/>
+    <dgm:txFillClrLst meth="repeat">
+      <a:schemeClr val="lt1"/>
+    </dgm:txFillClrLst>
+    <dgm:txEffectClrLst/>
+  </dgm:styleLbl>
+  <dgm:styleLbl name="bgImgPlace1">
+    <dgm:fillClrLst>
+      <a:schemeClr val="accent4">
+        <a:tint val="50000"/>
+      </a:schemeClr>
+      <a:schemeClr val="accent5">
+        <a:tint val="20000"/>
+      </a:schemeClr>
+    </dgm:fillClrLst>
+    <dgm:linClrLst meth="repeat">
+      <a:schemeClr val="lt1"/>
+    </dgm:linClrLst>
+    <dgm:effectClrLst/>
+    <dgm:txLinClrLst/>
+    <dgm:txFillClrLst meth="repeat">
+      <a:schemeClr val="lt1"/>
+    </dgm:txFillClrLst>
+    <dgm:txEffectClrLst/>
+  </dgm:styleLbl>
+  <dgm:styleLbl name="sibTrans2D1">
+    <dgm:fillClrLst>
+      <a:schemeClr val="accent4"/>
+      <a:schemeClr val="accent5"/>
+    </dgm:fillClrLst>
+    <dgm:linClrLst meth="repeat">
+      <a:schemeClr val="lt1"/>
+    </dgm:linClrLst>
+    <dgm:effectClrLst/>
+    <dgm:txLinClrLst/>
+    <dgm:txFillClrLst/>
+    <dgm:txEffectClrLst/>
+  </dgm:styleLbl>
+  <dgm:styleLbl name="fgSibTrans2D1">
+    <dgm:fillClrLst>
+      <a:schemeClr val="accent4"/>
+      <a:schemeClr val="accent5"/>
+    </dgm:fillClrLst>
+    <dgm:linClrLst meth="repeat">
+      <a:schemeClr val="lt1"/>
+    </dgm:linClrLst>
+    <dgm:effectClrLst/>
+    <dgm:txLinClrLst/>
+    <dgm:txFillClrLst meth="repeat">
+      <a:schemeClr val="lt1"/>
+    </dgm:txFillClrLst>
+    <dgm:txEffectClrLst/>
+  </dgm:styleLbl>
+  <dgm:styleLbl name="bgSibTrans2D1">
+    <dgm:fillClrLst>
+      <a:schemeClr val="accent4"/>
+      <a:schemeClr val="accent5"/>
+    </dgm:fillClrLst>
+    <dgm:linClrLst meth="repeat">
+      <a:schemeClr val="lt1"/>
+    </dgm:linClrLst>
+    <dgm:effectClrLst/>
+    <dgm:txLinClrLst/>
+    <dgm:txFillClrLst meth="repeat">
+      <a:schemeClr val="lt1"/>
+    </dgm:txFillClrLst>
+    <dgm:txEffectClrLst/>
+  </dgm:styleLbl>
+  <dgm:styleLbl name="sibTrans1D1">
+    <dgm:fillClrLst/>
+    <dgm:linClrLst>
+      <a:schemeClr val="accent4"/>
+      <a:schemeClr val="accent5"/>
+    </dgm:linClrLst>
+    <dgm:effectClrLst/>
+    <dgm:txLinClrLst/>
+    <dgm:txFillClrLst meth="repeat">
+      <a:schemeClr val="tx1"/>
+    </dgm:txFillClrLst>
+    <dgm:txEffectClrLst/>
+  </dgm:styleLbl>
+  <dgm:styleLbl name="callout">
+    <dgm:fillClrLst meth="repeat">
+      <a:schemeClr val="accent4"/>
+    </dgm:fillClrLst>
+    <dgm:linClrLst meth="repeat">
+      <a:schemeClr val="accent4">
+        <a:tint val="50000"/>
+      </a:schemeClr>
+    </dgm:linClrLst>
+    <dgm:effectClrLst/>
+    <dgm:txLinClrLst/>
+    <dgm:txFillClrLst meth="repeat">
+      <a:schemeClr val="tx1"/>
+    </dgm:txFillClrLst>
+    <dgm:txEffectClrLst/>
+  </dgm:styleLbl>
+  <dgm:styleLbl name="asst0">
+    <dgm:fillClrLst meth="repeat">
+      <a:schemeClr val="accent4"/>
+    </dgm:fillClrLst>
+    <dgm:linClrLst meth="repeat">
+      <a:schemeClr val="lt1">
+        <a:shade val="80000"/>
+      </a:schemeClr>
+    </dgm:linClrLst>
+    <dgm:effectClrLst/>
+    <dgm:txLinClrLst/>
+    <dgm:txFillClrLst/>
+    <dgm:txEffectClrLst/>
+  </dgm:styleLbl>
+  <dgm:styleLbl name="asst1">
+    <dgm:fillClrLst meth="repeat">
+      <a:schemeClr val="accent5"/>
+    </dgm:fillClrLst>
+    <dgm:linClrLst meth="repeat">
+      <a:schemeClr val="lt1">
+        <a:shade val="80000"/>
+      </a:schemeClr>
+    </dgm:linClrLst>
+    <dgm:effectClrLst/>
+    <dgm:txLinClrLst/>
+    <dgm:txFillClrLst/>
+    <dgm:txEffectClrLst/>
+  </dgm:styleLbl>
+  <dgm:styleLbl name="asst2">
+    <dgm:fillClrLst>
+      <a:schemeClr val="accent6"/>
+    </dgm:fillClrLst>
+    <dgm:linClrLst meth="repeat">
+      <a:schemeClr val="lt1"/>
+    </dgm:linClrLst>
+    <dgm:effectClrLst/>
+    <dgm:txLinClrLst/>
+    <dgm:txFillClrLst/>
+    <dgm:txEffectClrLst/>
+  </dgm:styleLbl>
+  <dgm:styleLbl name="asst3">
+    <dgm:fillClrLst>
+      <a:schemeClr val="accent1"/>
+    </dgm:fillClrLst>
+    <dgm:linClrLst meth="repeat">
+      <a:schemeClr val="lt1"/>
+    </dgm:linClrLst>
+    <dgm:effectClrLst/>
+    <dgm:txLinClrLst/>
+    <dgm:txFillClrLst/>
+    <dgm:txEffectClrLst/>
+  </dgm:styleLbl>
+  <dgm:styleLbl name="asst4">
+    <dgm:fillClrLst>
+      <a:schemeClr val="accent2"/>
+    </dgm:fillClrLst>
+    <dgm:linClrLst meth="repeat">
+      <a:schemeClr val="lt1"/>
+    </dgm:linClrLst>
+    <dgm:effectClrLst/>
+    <dgm:txLinClrLst/>
+    <dgm:txFillClrLst/>
+    <dgm:txEffectClrLst/>
+  </dgm:styleLbl>
+  <dgm:styleLbl name="parChTrans2D1">
+    <dgm:fillClrLst meth="repeat">
+      <a:schemeClr val="accent4"/>
+    </dgm:fillClrLst>
+    <dgm:linClrLst meth="repeat">
+      <a:schemeClr val="lt1"/>
+    </dgm:linClrLst>
+    <dgm:effectClrLst/>
+    <dgm:txLinClrLst/>
+    <dgm:txFillClrLst meth="repeat">
+      <a:schemeClr val="lt1"/>
+    </dgm:txFillClrLst>
+    <dgm:txEffectClrLst/>
+  </dgm:styleLbl>
+  <dgm:styleLbl name="parChTrans2D2">
+    <dgm:fillClrLst meth="repeat">
+      <a:schemeClr val="accent5"/>
+    </dgm:fillClrLst>
+    <dgm:linClrLst meth="repeat">
+      <a:schemeClr val="lt1"/>
+    </dgm:linClrLst>
+    <dgm:effectClrLst/>
+    <dgm:txLinClrLst/>
+    <dgm:txFillClrLst/>
+    <dgm:txEffectClrLst/>
+  </dgm:styleLbl>
+  <dgm:styleLbl name="parChTrans2D3">
+    <dgm:fillClrLst meth="repeat">
+      <a:schemeClr val="accent5"/>
+    </dgm:fillClrLst>
+    <dgm:linClrLst meth="repeat">
+      <a:schemeClr val="lt1"/>
+    </dgm:linClrLst>
+    <dgm:effectClrLst/>
+    <dgm:txLinClrLst/>
+    <dgm:txFillClrLst/>
+    <dgm:txEffectClrLst/>
+  </dgm:styleLbl>
+  <dgm:styleLbl name="parChTrans2D4">
+    <dgm:fillClrLst meth="repeat">
+      <a:schemeClr val="accent6"/>
+    </dgm:fillClrLst>
+    <dgm:linClrLst meth="repeat">
+      <a:schemeClr val="lt1"/>
+    </dgm:linClrLst>
+    <dgm:effectClrLst/>
+    <dgm:txLinClrLst/>
+    <dgm:txFillClrLst meth="repeat">
+      <a:schemeClr val="lt1"/>
+    </dgm:txFillClrLst>
+    <dgm:txEffectClrLst/>
+  </dgm:styleLbl>
+  <dgm:styleLbl name="parChTrans1D1">
+    <dgm:fillClrLst meth="repeat">
+      <a:schemeClr val="accent4"/>
+    </dgm:fillClrLst>
+    <dgm:linClrLst meth="repeat">
+      <a:schemeClr val="accent4"/>
+    </dgm:linClrLst>
+    <dgm:effectClrLst/>
+    <dgm:txLinClrLst/>
+    <dgm:txFillClrLst meth="repeat">
+      <a:schemeClr val="tx1"/>
+    </dgm:txFillClrLst>
+    <dgm:txEffectClrLst/>
+  </dgm:styleLbl>
+  <dgm:styleLbl name="parChTrans1D2">
+    <dgm:fillClrLst meth="repeat">
+      <a:schemeClr val="accent4">
+        <a:tint val="90000"/>
+      </a:schemeClr>
+    </dgm:fillClrLst>
+    <dgm:linClrLst meth="repeat">
+      <a:schemeClr val="accent5"/>
+    </dgm:linClrLst>
+    <dgm:effectClrLst/>
+    <dgm:txLinClrLst/>
+    <dgm:txFillClrLst meth="repeat">
+      <a:schemeClr val="tx1"/>
+    </dgm:txFillClrLst>
+    <dgm:txEffectClrLst/>
+  </dgm:styleLbl>
+  <dgm:styleLbl name="parChTrans1D3">
+    <dgm:fillClrLst meth="repeat">
+      <a:schemeClr val="accent4">
+        <a:tint val="70000"/>
+      </a:schemeClr>
+    </dgm:fillClrLst>
+    <dgm:linClrLst meth="repeat">
+      <a:schemeClr val="accent6"/>
+    </dgm:linClrLst>
+    <dgm:effectClrLst/>
+    <dgm:txLinClrLst/>
+    <dgm:txFillClrLst meth="repeat">
+      <a:schemeClr val="tx1"/>
+    </dgm:txFillClrLst>
+    <dgm:txEffectClrLst/>
+  </dgm:styleLbl>
+  <dgm:styleLbl name="parChTrans1D4">
+    <dgm:fillClrLst meth="repeat">
+      <a:schemeClr val="accent4">
+        <a:tint val="50000"/>
+      </a:schemeClr>
+    </dgm:fillClrLst>
+    <dgm:linClrLst meth="repeat">
+      <a:schemeClr val="accent1"/>
+    </dgm:linClrLst>
+    <dgm:effectClrLst/>
+    <dgm:txLinClrLst/>
+    <dgm:txFillClrLst meth="repeat">
+      <a:schemeClr val="tx1"/>
+    </dgm:txFillClrLst>
+    <dgm:txEffectClrLst/>
+  </dgm:styleLbl>
+  <dgm:styleLbl name="fgAcc1">
+    <dgm:fillClrLst meth="repeat">
+      <a:schemeClr val="lt1">
+        <a:alpha val="90000"/>
+      </a:schemeClr>
+    </dgm:fillClrLst>
+    <dgm:linClrLst>
+      <a:schemeClr val="accent4"/>
+      <a:schemeClr val="accent5"/>
+    </dgm:linClrLst>
+    <dgm:effectClrLst/>
+    <dgm:txLinClrLst/>
+    <dgm:txFillClrLst meth="repeat">
+      <a:schemeClr val="dk1"/>
+    </dgm:txFillClrLst>
+    <dgm:txEffectClrLst/>
+  </dgm:styleLbl>
+  <dgm:styleLbl name="conFgAcc1">
+    <dgm:fillClrLst meth="repeat">
+      <a:schemeClr val="lt1">
+        <a:alpha val="90000"/>
+      </a:schemeClr>
+    </dgm:fillClrLst>
+    <dgm:linClrLst>
+      <a:schemeClr val="accent4"/>
+      <a:schemeClr val="accent5"/>
+    </dgm:linClrLst>
+    <dgm:effectClrLst/>
+    <dgm:txLinClrLst/>
+    <dgm:txFillClrLst meth="repeat">
+      <a:schemeClr val="dk1"/>
+    </dgm:txFillClrLst>
+    <dgm:txEffectClrLst/>
+  </dgm:styleLbl>
+  <dgm:styleLbl name="alignAcc1">
+    <dgm:fillClrLst meth="repeat">
+      <a:schemeClr val="lt1">
+        <a:alpha val="90000"/>
+      </a:schemeClr>
+    </dgm:fillClrLst>
+    <dgm:linClrLst>
+      <a:schemeClr val="accent4"/>
+      <a:schemeClr val="accent5"/>
+    </dgm:linClrLst>
+    <dgm:effectClrLst/>
+    <dgm:txLinClrLst/>
+    <dgm:txFillClrLst meth="repeat">
+      <a:schemeClr val="dk1"/>
+    </dgm:txFillClrLst>
+    <dgm:txEffectClrLst/>
+  </dgm:styleLbl>
+  <dgm:styleLbl name="trAlignAcc1">
+    <dgm:fillClrLst meth="repeat">
+      <a:schemeClr val="lt1">
+        <a:alpha val="40000"/>
+      </a:schemeClr>
+    </dgm:fillClrLst>
+    <dgm:linClrLst meth="repeat">
+      <a:schemeClr val="accent4"/>
+    </dgm:linClrLst>
+    <dgm:effectClrLst/>
+    <dgm:txLinClrLst/>
+    <dgm:txFillClrLst meth="repeat">
+      <a:schemeClr val="dk1"/>
+    </dgm:txFillClrLst>
+    <dgm:txEffectClrLst/>
+  </dgm:styleLbl>
+  <dgm:styleLbl name="bgAcc1">
+    <dgm:fillClrLst meth="repeat">
+      <a:schemeClr val="lt1">
+        <a:alpha val="90000"/>
+      </a:schemeClr>
+    </dgm:fillClrLst>
+    <dgm:linClrLst>
+      <a:schemeClr val="accent4"/>
+      <a:schemeClr val="accent5"/>
+    </dgm:linClrLst>
+    <dgm:effectClrLst/>
+    <dgm:txLinClrLst/>
+    <dgm:txFillClrLst meth="repeat">
+      <a:schemeClr val="dk1"/>
+    </dgm:txFillClrLst>
+    <dgm:txEffectClrLst/>
+  </dgm:styleLbl>
+  <dgm:styleLbl name="solidFgAcc1">
+    <dgm:fillClrLst meth="repeat">
+      <a:schemeClr val="lt1"/>
+    </dgm:fillClrLst>
+    <dgm:linClrLst>
+      <a:schemeClr val="accent4"/>
+      <a:schemeClr val="accent5"/>
+    </dgm:linClrLst>
+    <dgm:effectClrLst/>
+    <dgm:txLinClrLst/>
+    <dgm:txFillClrLst meth="repeat">
+      <a:schemeClr val="dk1"/>
+    </dgm:txFillClrLst>
+    <dgm:txEffectClrLst/>
+  </dgm:styleLbl>
+  <dgm:styleLbl name="solidAlignAcc1">
+    <dgm:fillClrLst meth="repeat">
+      <a:schemeClr val="lt1"/>
+    </dgm:fillClrLst>
+    <dgm:linClrLst>
+      <a:schemeClr val="accent4"/>
+      <a:schemeClr val="accent5"/>
+    </dgm:linClrLst>
+    <dgm:effectClrLst/>
+    <dgm:txLinClrLst/>
+    <dgm:txFillClrLst meth="repeat">
+      <a:schemeClr val="dk1"/>
+    </dgm:txFillClrLst>
+    <dgm:txEffectClrLst/>
+  </dgm:styleLbl>
+  <dgm:styleLbl name="solidBgAcc1">
+    <dgm:fillClrLst meth="repeat">
+      <a:schemeClr val="lt1"/>
+    </dgm:fillClrLst>
+    <dgm:linClrLst>
+      <a:schemeClr val="accent4"/>
+      <a:schemeClr val="accent5"/>
+    </dgm:linClrLst>
+    <dgm:effectClrLst/>
+    <dgm:txLinClrLst/>
+    <dgm:txFillClrLst meth="repeat">
+      <a:schemeClr val="dk1"/>
+    </dgm:txFillClrLst>
+    <dgm:txEffectClrLst/>
+  </dgm:styleLbl>
+  <dgm:styleLbl name="fgAccFollowNode1">
+    <dgm:fillClrLst>
+      <a:schemeClr val="accent4">
+        <a:tint val="40000"/>
+        <a:alpha val="90000"/>
+      </a:schemeClr>
+      <a:schemeClr val="accent5">
+        <a:tint val="40000"/>
+        <a:alpha val="90000"/>
+      </a:schemeClr>
+    </dgm:fillClrLst>
+    <dgm:linClrLst>
+      <a:schemeClr val="accent4">
+        <a:tint val="40000"/>
+        <a:alpha val="90000"/>
+      </a:schemeClr>
+      <a:schemeClr val="accent5">
+        <a:tint val="40000"/>
+        <a:alpha val="90000"/>
+      </a:schemeClr>
+    </dgm:linClrLst>
+    <dgm:effectClrLst/>
+    <dgm:txLinClrLst/>
+    <dgm:txFillClrLst meth="repeat">
+      <a:schemeClr val="dk1"/>
+    </dgm:txFillClrLst>
+    <dgm:txEffectClrLst/>
+  </dgm:styleLbl>
+  <dgm:styleLbl name="alignAccFollowNode1">
+    <dgm:fillClrLst>
+      <a:schemeClr val="accent4">
+        <a:tint val="40000"/>
+        <a:alpha val="90000"/>
+      </a:schemeClr>
+      <a:schemeClr val="accent5">
+        <a:tint val="40000"/>
+        <a:alpha val="90000"/>
+      </a:schemeClr>
+    </dgm:fillClrLst>
+    <dgm:linClrLst>
+      <a:schemeClr val="accent4">
+        <a:tint val="40000"/>
+        <a:alpha val="90000"/>
+      </a:schemeClr>
+      <a:schemeClr val="accent5">
+        <a:tint val="40000"/>
+        <a:alpha val="90000"/>
+      </a:schemeClr>
+    </dgm:linClrLst>
+    <dgm:effectClrLst/>
+    <dgm:txLinClrLst/>
+    <dgm:txFillClrLst meth="repeat">
+      <a:schemeClr val="dk1"/>
+    </dgm:txFillClrLst>
+    <dgm:txEffectClrLst/>
+  </dgm:styleLbl>
+  <dgm:styleLbl name="bgAccFollowNode1">
+    <dgm:fillClrLst>
+      <a:schemeClr val="accent4">
+        <a:tint val="40000"/>
+        <a:alpha val="90000"/>
+      </a:schemeClr>
+      <a:schemeClr val="accent5">
+        <a:tint val="40000"/>
+        <a:alpha val="90000"/>
+      </a:schemeClr>
+    </dgm:fillClrLst>
+    <dgm:linClrLst>
+      <a:schemeClr val="accent4">
+        <a:tint val="40000"/>
+        <a:alpha val="90000"/>
+      </a:schemeClr>
+      <a:schemeClr val="accent5">
+        <a:tint val="40000"/>
+        <a:alpha val="90000"/>
+      </a:schemeClr>
+    </dgm:linClrLst>
+    <dgm:effectClrLst/>
+    <dgm:txLinClrLst/>
+    <dgm:txFillClrLst meth="repeat">
+      <a:schemeClr val="dk1"/>
+    </dgm:txFillClrLst>
+    <dgm:txEffectClrLst/>
+  </dgm:styleLbl>
+  <dgm:styleLbl name="fgAcc0">
+    <dgm:fillClrLst meth="repeat">
+      <a:schemeClr val="lt1">
+        <a:alpha val="90000"/>
+      </a:schemeClr>
+    </dgm:fillClrLst>
+    <dgm:linClrLst>
+      <a:schemeClr val="accent3"/>
+    </dgm:linClrLst>
+    <dgm:effectClrLst/>
+    <dgm:txLinClrLst/>
+    <dgm:txFillClrLst meth="repeat">
+      <a:schemeClr val="dk1"/>
+    </dgm:txFillClrLst>
+    <dgm:txEffectClrLst/>
+  </dgm:styleLbl>
+  <dgm:styleLbl name="fgAcc2">
+    <dgm:fillClrLst meth="repeat">
+      <a:schemeClr val="lt1">
+        <a:alpha val="90000"/>
+      </a:schemeClr>
+    </dgm:fillClrLst>
+    <dgm:linClrLst>
+      <a:schemeClr val="accent5"/>
+    </dgm:linClrLst>
+    <dgm:effectClrLst/>
+    <dgm:txLinClrLst/>
+    <dgm:txFillClrLst meth="repeat">
+      <a:schemeClr val="dk1"/>
+    </dgm:txFillClrLst>
+    <dgm:txEffectClrLst/>
+  </dgm:styleLbl>
+  <dgm:styleLbl name="fgAcc3">
+    <dgm:fillClrLst meth="repeat">
+      <a:schemeClr val="lt1">
+        <a:alpha val="90000"/>
+      </a:schemeClr>
+    </dgm:fillClrLst>
+    <dgm:linClrLst>
+      <a:schemeClr val="accent6"/>
+    </dgm:linClrLst>
+    <dgm:effectClrLst/>
+    <dgm:txLinClrLst/>
+    <dgm:txFillClrLst meth="repeat">
+      <a:schemeClr val="dk1"/>
+    </dgm:txFillClrLst>
+    <dgm:txEffectClrLst/>
+  </dgm:styleLbl>
+  <dgm:styleLbl name="fgAcc4">
+    <dgm:fillClrLst meth="repeat">
+      <a:schemeClr val="lt1">
+        <a:alpha val="90000"/>
+      </a:schemeClr>
+    </dgm:fillClrLst>
+    <dgm:linClrLst>
+      <a:schemeClr val="accent1"/>
+    </dgm:linClrLst>
+    <dgm:effectClrLst/>
+    <dgm:txLinClrLst/>
+    <dgm:txFillClrLst meth="repeat">
+      <a:schemeClr val="dk1"/>
+    </dgm:txFillClrLst>
+    <dgm:txEffectClrLst/>
+  </dgm:styleLbl>
+  <dgm:styleLbl name="bgShp">
+    <dgm:fillClrLst meth="repeat">
+      <a:schemeClr val="accent4">
+        <a:tint val="40000"/>
+      </a:schemeClr>
+    </dgm:fillClrLst>
+    <dgm:linClrLst meth="repeat">
+      <a:schemeClr val="dk1"/>
+    </dgm:linClrLst>
+    <dgm:effectClrLst/>
+    <dgm:txLinClrLst/>
+    <dgm:txFillClrLst meth="repeat">
+      <a:schemeClr val="dk1"/>
+    </dgm:txFillClrLst>
+    <dgm:txEffectClrLst/>
+  </dgm:styleLbl>
+  <dgm:styleLbl name="dkBgShp">
+    <dgm:fillClrLst meth="repeat">
+      <a:schemeClr val="accent4">
+        <a:shade val="90000"/>
+      </a:schemeClr>
+    </dgm:fillClrLst>
+    <dgm:linClrLst meth="repeat">
+      <a:schemeClr val="dk1"/>
+    </dgm:linClrLst>
+    <dgm:effectClrLst/>
+    <dgm:txLinClrLst/>
+    <dgm:txFillClrLst meth="repeat">
+      <a:schemeClr val="lt1"/>
+    </dgm:txFillClrLst>
+    <dgm:txEffectClrLst/>
+  </dgm:styleLbl>
+  <dgm:styleLbl name="trBgShp">
+    <dgm:fillClrLst meth="repeat">
+      <a:schemeClr val="accent4">
+        <a:tint val="50000"/>
+        <a:alpha val="40000"/>
+      </a:schemeClr>
+    </dgm:fillClrLst>
+    <dgm:linClrLst meth="repeat">
+      <a:schemeClr val="accent4"/>
+    </dgm:linClrLst>
+    <dgm:effectClrLst/>
+    <dgm:txLinClrLst/>
+    <dgm:txFillClrLst meth="repeat">
+      <a:schemeClr val="lt1"/>
+    </dgm:txFillClrLst>
+    <dgm:txEffectClrLst/>
+  </dgm:styleLbl>
+  <dgm:styleLbl name="fgShp">
+    <dgm:fillClrLst meth="repeat">
+      <a:schemeClr val="accent4">
+        <a:tint val="40000"/>
+      </a:schemeClr>
+    </dgm:fillClrLst>
+    <dgm:linClrLst meth="repeat">
+      <a:schemeClr val="lt1"/>
+    </dgm:linClrLst>
+    <dgm:effectClrLst/>
+    <dgm:txLinClrLst/>
+    <dgm:txFillClrLst meth="repeat">
+      <a:schemeClr val="dk1"/>
+    </dgm:txFillClrLst>
+    <dgm:txEffectClrLst/>
+  </dgm:styleLbl>
+  <dgm:styleLbl name="revTx">
+    <dgm:fillClrLst meth="repeat">
+      <a:schemeClr val="lt1">
+        <a:alpha val="0"/>
+      </a:schemeClr>
+    </dgm:fillClrLst>
+    <dgm:linClrLst meth="repeat">
+      <a:schemeClr val="dk1">
+        <a:alpha val="0"/>
+      </a:schemeClr>
+    </dgm:linClrLst>
+    <dgm:effectClrLst/>
+    <dgm:txLinClrLst/>
+    <dgm:txFillClrLst meth="repeat">
+      <a:schemeClr val="tx1"/>
+    </dgm:txFillClrLst>
+    <dgm:txEffectClrLst/>
+  </dgm:styleLbl>
+</dgm:colorsDef>
+</file>
+
+<file path=ppt/diagrams/data1.xml><?xml version="1.0" encoding="utf-8"?>
+<dgm:dataModel xmlns:dgm="http://schemas.openxmlformats.org/drawingml/2006/diagram" xmlns:a="http://schemas.openxmlformats.org/drawingml/2006/main">
+  <dgm:ptLst>
+    <dgm:pt modelId="{F97859D6-52D2-6748-982F-78A4602A466B}" type="doc">
+      <dgm:prSet loTypeId="urn:microsoft.com/office/officeart/2009/3/layout/HorizontalOrganizationChart" loCatId="" qsTypeId="urn:microsoft.com/office/officeart/2005/8/quickstyle/simple1" qsCatId="simple" csTypeId="urn:microsoft.com/office/officeart/2005/8/colors/colorful4" csCatId="colorful" phldr="1"/>
+      <dgm:spPr/>
+      <dgm:t>
+        <a:bodyPr/>
+        <a:lstStyle/>
+        <a:p>
+          <a:endParaRPr lang="en-US"/>
+        </a:p>
+      </dgm:t>
+    </dgm:pt>
+    <dgm:pt modelId="{E4E4CE3E-1BF4-E041-93F5-74697565065C}">
+      <dgm:prSet phldrT="[Text]"/>
+      <dgm:spPr/>
+      <dgm:t>
+        <a:bodyPr/>
+        <a:lstStyle/>
+        <a:p>
+          <a:r>
+            <a:rPr lang="en-US" altLang="zh-CN" dirty="0"/>
+            <a:t>Game</a:t>
+          </a:r>
+          <a:r>
+            <a:rPr lang="zh-CN" altLang="en-US" dirty="0"/>
+            <a:t> </a:t>
+          </a:r>
+          <a:r>
+            <a:rPr lang="en-US" altLang="zh-CN" dirty="0"/>
+            <a:t>Object</a:t>
+          </a:r>
+          <a:endParaRPr lang="en-US" dirty="0"/>
+        </a:p>
+      </dgm:t>
+    </dgm:pt>
+    <dgm:pt modelId="{63F930DA-59EC-8849-9AA0-3BA925E42783}" type="parTrans" cxnId="{21F9A533-A57E-E248-B81E-5911FED96129}">
+      <dgm:prSet/>
+      <dgm:spPr/>
+      <dgm:t>
+        <a:bodyPr/>
+        <a:lstStyle/>
+        <a:p>
+          <a:endParaRPr lang="en-US"/>
+        </a:p>
+      </dgm:t>
+    </dgm:pt>
+    <dgm:pt modelId="{9CF46CC6-210B-234A-A702-CF54B00BF116}" type="sibTrans" cxnId="{21F9A533-A57E-E248-B81E-5911FED96129}">
+      <dgm:prSet/>
+      <dgm:spPr/>
+      <dgm:t>
+        <a:bodyPr/>
+        <a:lstStyle/>
+        <a:p>
+          <a:endParaRPr lang="en-US"/>
+        </a:p>
+      </dgm:t>
+    </dgm:pt>
+    <dgm:pt modelId="{A0667028-7798-1840-A025-A0670562F5BA}">
+      <dgm:prSet phldrT="[Text]"/>
+      <dgm:spPr/>
+      <dgm:t>
+        <a:bodyPr/>
+        <a:lstStyle/>
+        <a:p>
+          <a:r>
+            <a:rPr lang="en-US" altLang="zh-CN" dirty="0"/>
+            <a:t>Enemy</a:t>
+          </a:r>
+          <a:endParaRPr lang="en-US" dirty="0"/>
+        </a:p>
+      </dgm:t>
+    </dgm:pt>
+    <dgm:pt modelId="{ACD0C6CE-0832-0445-8974-61E39E3CE86D}" type="parTrans" cxnId="{75414C04-FAB5-1846-97BE-F311CBBCB521}">
+      <dgm:prSet/>
+      <dgm:spPr/>
+      <dgm:t>
+        <a:bodyPr/>
+        <a:lstStyle/>
+        <a:p>
+          <a:endParaRPr lang="en-US"/>
+        </a:p>
+      </dgm:t>
+    </dgm:pt>
+    <dgm:pt modelId="{C4CC9644-BB81-3D4E-8CCA-9EAC3C466F10}" type="sibTrans" cxnId="{75414C04-FAB5-1846-97BE-F311CBBCB521}">
+      <dgm:prSet/>
+      <dgm:spPr/>
+      <dgm:t>
+        <a:bodyPr/>
+        <a:lstStyle/>
+        <a:p>
+          <a:endParaRPr lang="en-US"/>
+        </a:p>
+      </dgm:t>
+    </dgm:pt>
+    <dgm:pt modelId="{29286D9D-DE9E-9040-9418-F0CEB887FC1E}">
+      <dgm:prSet phldrT="[Text]"/>
+      <dgm:spPr/>
+      <dgm:t>
+        <a:bodyPr/>
+        <a:lstStyle/>
+        <a:p>
+          <a:r>
+            <a:rPr lang="en-US" altLang="zh-CN" dirty="0"/>
+            <a:t>Enemy1</a:t>
+          </a:r>
+          <a:endParaRPr lang="en-US" dirty="0"/>
+        </a:p>
+      </dgm:t>
+    </dgm:pt>
+    <dgm:pt modelId="{5A14579F-E03E-1E49-B9A3-9D45D33961D7}" type="parTrans" cxnId="{DE6C671F-306E-C14F-B82C-2F278B2D525C}">
+      <dgm:prSet/>
+      <dgm:spPr/>
+      <dgm:t>
+        <a:bodyPr/>
+        <a:lstStyle/>
+        <a:p>
+          <a:endParaRPr lang="en-US"/>
+        </a:p>
+      </dgm:t>
+    </dgm:pt>
+    <dgm:pt modelId="{8933339E-0120-8149-A102-9BCA8767D4AD}" type="sibTrans" cxnId="{DE6C671F-306E-C14F-B82C-2F278B2D525C}">
+      <dgm:prSet/>
+      <dgm:spPr/>
+      <dgm:t>
+        <a:bodyPr/>
+        <a:lstStyle/>
+        <a:p>
+          <a:endParaRPr lang="en-US"/>
+        </a:p>
+      </dgm:t>
+    </dgm:pt>
+    <dgm:pt modelId="{7FCF8818-A46B-A943-B41C-6E083992B724}">
+      <dgm:prSet phldrT="[Text]"/>
+      <dgm:spPr/>
+      <dgm:t>
+        <a:bodyPr/>
+        <a:lstStyle/>
+        <a:p>
+          <a:r>
+            <a:rPr lang="en-US" altLang="zh-CN" dirty="0"/>
+            <a:t>Enemy2</a:t>
+          </a:r>
+          <a:endParaRPr lang="en-US" dirty="0"/>
+        </a:p>
+      </dgm:t>
+    </dgm:pt>
+    <dgm:pt modelId="{D10E69BB-9727-DD4A-BEFE-945480D8E6F7}" type="parTrans" cxnId="{F55C1DCF-667D-7346-8B21-3023B5E765C2}">
+      <dgm:prSet/>
+      <dgm:spPr/>
+      <dgm:t>
+        <a:bodyPr/>
+        <a:lstStyle/>
+        <a:p>
+          <a:endParaRPr lang="en-US"/>
+        </a:p>
+      </dgm:t>
+    </dgm:pt>
+    <dgm:pt modelId="{F17D9C95-121A-F94B-B960-BD280E39AF5A}" type="sibTrans" cxnId="{F55C1DCF-667D-7346-8B21-3023B5E765C2}">
+      <dgm:prSet/>
+      <dgm:spPr/>
+      <dgm:t>
+        <a:bodyPr/>
+        <a:lstStyle/>
+        <a:p>
+          <a:endParaRPr lang="en-US"/>
+        </a:p>
+      </dgm:t>
+    </dgm:pt>
+    <dgm:pt modelId="{BFC2DC40-6F04-7442-AA44-44C724B43BD1}">
+      <dgm:prSet phldrT="[Text]"/>
+      <dgm:spPr/>
+      <dgm:t>
+        <a:bodyPr/>
+        <a:lstStyle/>
+        <a:p>
+          <a:r>
+            <a:rPr lang="en-US" altLang="zh-CN" dirty="0"/>
+            <a:t>Projectile</a:t>
+          </a:r>
+          <a:endParaRPr lang="en-US" dirty="0"/>
+        </a:p>
+      </dgm:t>
+    </dgm:pt>
+    <dgm:pt modelId="{075C97F8-CF75-0942-89BC-FCB5C0E75B98}" type="parTrans" cxnId="{4B375250-E433-D248-AB2C-5A2A32A20328}">
+      <dgm:prSet/>
+      <dgm:spPr/>
+      <dgm:t>
+        <a:bodyPr/>
+        <a:lstStyle/>
+        <a:p>
+          <a:endParaRPr lang="en-US"/>
+        </a:p>
+      </dgm:t>
+    </dgm:pt>
+    <dgm:pt modelId="{8EDCD182-978D-AD4B-99EA-34B07A7ECC03}" type="sibTrans" cxnId="{4B375250-E433-D248-AB2C-5A2A32A20328}">
+      <dgm:prSet/>
+      <dgm:spPr/>
+      <dgm:t>
+        <a:bodyPr/>
+        <a:lstStyle/>
+        <a:p>
+          <a:endParaRPr lang="en-US"/>
+        </a:p>
+      </dgm:t>
+    </dgm:pt>
+    <dgm:pt modelId="{6F8E803A-91ED-0B40-9A40-E43C8863B926}">
+      <dgm:prSet phldrT="[Text]"/>
+      <dgm:spPr/>
+      <dgm:t>
+        <a:bodyPr/>
+        <a:lstStyle/>
+        <a:p>
+          <a:r>
+            <a:rPr lang="en-US" altLang="zh-CN" dirty="0"/>
+            <a:t>Bullet</a:t>
+          </a:r>
+        </a:p>
+      </dgm:t>
+    </dgm:pt>
+    <dgm:pt modelId="{990B2C38-170B-6449-BFCE-754866EFA82F}" type="parTrans" cxnId="{EFC47230-AFF2-A341-82A4-14A948302CD7}">
+      <dgm:prSet/>
+      <dgm:spPr/>
+      <dgm:t>
+        <a:bodyPr/>
+        <a:lstStyle/>
+        <a:p>
+          <a:endParaRPr lang="en-US"/>
+        </a:p>
+      </dgm:t>
+    </dgm:pt>
+    <dgm:pt modelId="{04A57148-57E9-7A4C-B105-94F28BC86AAE}" type="sibTrans" cxnId="{EFC47230-AFF2-A341-82A4-14A948302CD7}">
+      <dgm:prSet/>
+      <dgm:spPr/>
+      <dgm:t>
+        <a:bodyPr/>
+        <a:lstStyle/>
+        <a:p>
+          <a:endParaRPr lang="en-US"/>
+        </a:p>
+      </dgm:t>
+    </dgm:pt>
+    <dgm:pt modelId="{55324DE9-FA24-D24B-8A71-99B005C7121A}">
+      <dgm:prSet phldrT="[Text]"/>
+      <dgm:spPr/>
+      <dgm:t>
+        <a:bodyPr/>
+        <a:lstStyle/>
+        <a:p>
+          <a:r>
+            <a:rPr lang="en-US" altLang="zh-CN" dirty="0"/>
+            <a:t>Enemy</a:t>
+          </a:r>
+          <a:r>
+            <a:rPr lang="zh-CN" altLang="en-US" dirty="0"/>
+            <a:t> </a:t>
+          </a:r>
+          <a:r>
+            <a:rPr lang="en-US" altLang="zh-CN" dirty="0"/>
+            <a:t>Bullet</a:t>
+          </a:r>
+        </a:p>
+      </dgm:t>
+    </dgm:pt>
+    <dgm:pt modelId="{3AA43AA0-31E0-264A-A668-7A93506F6ED1}" type="parTrans" cxnId="{4E3AE2AF-847C-934C-B19A-3551A1E39416}">
+      <dgm:prSet/>
+      <dgm:spPr/>
+      <dgm:t>
+        <a:bodyPr/>
+        <a:lstStyle/>
+        <a:p>
+          <a:endParaRPr lang="en-US"/>
+        </a:p>
+      </dgm:t>
+    </dgm:pt>
+    <dgm:pt modelId="{94805AE6-8B85-0942-9407-676FB088B8D0}" type="sibTrans" cxnId="{4E3AE2AF-847C-934C-B19A-3551A1E39416}">
+      <dgm:prSet/>
+      <dgm:spPr/>
+      <dgm:t>
+        <a:bodyPr/>
+        <a:lstStyle/>
+        <a:p>
+          <a:endParaRPr lang="en-US"/>
+        </a:p>
+      </dgm:t>
+    </dgm:pt>
+    <dgm:pt modelId="{864CE08D-CBC9-D442-B96F-9D2484720F18}">
+      <dgm:prSet phldrT="[Text]"/>
+      <dgm:spPr/>
+      <dgm:t>
+        <a:bodyPr/>
+        <a:lstStyle/>
+        <a:p>
+          <a:r>
+            <a:rPr lang="en-US" altLang="zh-CN" dirty="0"/>
+            <a:t>Enemy</a:t>
+          </a:r>
+          <a:r>
+            <a:rPr lang="zh-CN" altLang="en-US" dirty="0"/>
+            <a:t> </a:t>
+          </a:r>
+          <a:r>
+            <a:rPr lang="en-US" altLang="zh-CN" dirty="0"/>
+            <a:t>Missile</a:t>
+          </a:r>
+        </a:p>
+      </dgm:t>
+    </dgm:pt>
+    <dgm:pt modelId="{95EAE92E-301C-EC45-818D-927F25B2CE11}" type="sibTrans" cxnId="{64F0CF51-D81A-DC47-AE56-3D90F8168DE2}">
+      <dgm:prSet/>
+      <dgm:spPr/>
+      <dgm:t>
+        <a:bodyPr/>
+        <a:lstStyle/>
+        <a:p>
+          <a:endParaRPr lang="en-US"/>
+        </a:p>
+      </dgm:t>
+    </dgm:pt>
+    <dgm:pt modelId="{8BB96E2C-071E-924A-AE40-D030C5F34032}" type="parTrans" cxnId="{64F0CF51-D81A-DC47-AE56-3D90F8168DE2}">
+      <dgm:prSet/>
+      <dgm:spPr/>
+      <dgm:t>
+        <a:bodyPr/>
+        <a:lstStyle/>
+        <a:p>
+          <a:endParaRPr lang="en-US"/>
+        </a:p>
+      </dgm:t>
+    </dgm:pt>
+    <dgm:pt modelId="{6414325B-78F9-9940-9FF6-D040E30FFF3F}">
+      <dgm:prSet phldrT="[Text]"/>
+      <dgm:spPr/>
+      <dgm:t>
+        <a:bodyPr/>
+        <a:lstStyle/>
+        <a:p>
+          <a:r>
+            <a:rPr lang="en-US" altLang="zh-CN" dirty="0"/>
+            <a:t>Forward</a:t>
+          </a:r>
+          <a:r>
+            <a:rPr lang="zh-CN" altLang="en-US" dirty="0"/>
+            <a:t> </a:t>
+          </a:r>
+          <a:r>
+            <a:rPr lang="en-US" altLang="zh-CN" dirty="0"/>
+            <a:t>Fire</a:t>
+          </a:r>
+        </a:p>
+      </dgm:t>
+    </dgm:pt>
+    <dgm:pt modelId="{F022329F-E2AC-5F44-9637-229A9AB900EF}" type="parTrans" cxnId="{9656F3AF-620D-7D4B-BDC8-4DB44AE26D3D}">
+      <dgm:prSet/>
+      <dgm:spPr/>
+      <dgm:t>
+        <a:bodyPr/>
+        <a:lstStyle/>
+        <a:p>
+          <a:endParaRPr lang="en-US"/>
+        </a:p>
+      </dgm:t>
+    </dgm:pt>
+    <dgm:pt modelId="{0D555BDC-32FA-3F46-847F-45971A647458}" type="sibTrans" cxnId="{9656F3AF-620D-7D4B-BDC8-4DB44AE26D3D}">
+      <dgm:prSet/>
+      <dgm:spPr/>
+      <dgm:t>
+        <a:bodyPr/>
+        <a:lstStyle/>
+        <a:p>
+          <a:endParaRPr lang="en-US"/>
+        </a:p>
+      </dgm:t>
+    </dgm:pt>
+    <dgm:pt modelId="{D07257A2-5C77-AA49-A0D6-A4DA9420B0F0}">
+      <dgm:prSet phldrT="[Text]"/>
+      <dgm:spPr/>
+      <dgm:t>
+        <a:bodyPr/>
+        <a:lstStyle/>
+        <a:p>
+          <a:r>
+            <a:rPr lang="en-US" altLang="zh-CN" dirty="0"/>
+            <a:t>Enemy3</a:t>
+          </a:r>
+          <a:endParaRPr lang="en-US" dirty="0"/>
+        </a:p>
+      </dgm:t>
+    </dgm:pt>
+    <dgm:pt modelId="{6F5EB8AB-29A3-4F41-8FD8-CFD1677CCED6}" type="parTrans" cxnId="{0161ABC9-F2EC-E146-B9DA-69167C6EF36B}">
+      <dgm:prSet/>
+      <dgm:spPr/>
+      <dgm:t>
+        <a:bodyPr/>
+        <a:lstStyle/>
+        <a:p>
+          <a:endParaRPr lang="en-US"/>
+        </a:p>
+      </dgm:t>
+    </dgm:pt>
+    <dgm:pt modelId="{B6DB6E62-9B2B-E045-9B5E-932FFDEEDE35}" type="sibTrans" cxnId="{0161ABC9-F2EC-E146-B9DA-69167C6EF36B}">
+      <dgm:prSet/>
+      <dgm:spPr/>
+      <dgm:t>
+        <a:bodyPr/>
+        <a:lstStyle/>
+        <a:p>
+          <a:endParaRPr lang="en-US"/>
+        </a:p>
+      </dgm:t>
+    </dgm:pt>
+    <dgm:pt modelId="{2B5ACCF7-568C-F041-A83B-48A7A94B3F40}">
+      <dgm:prSet phldrT="[Text]"/>
+      <dgm:spPr/>
+      <dgm:t>
+        <a:bodyPr/>
+        <a:lstStyle/>
+        <a:p>
+          <a:r>
+            <a:rPr lang="en-US" altLang="zh-CN" dirty="0"/>
+            <a:t>Boss</a:t>
+          </a:r>
+          <a:endParaRPr lang="en-US" dirty="0"/>
+        </a:p>
+      </dgm:t>
+    </dgm:pt>
+    <dgm:pt modelId="{D3C31B1A-E508-7C4A-8154-A5056ACFBCF1}" type="parTrans" cxnId="{0A82A1CB-23F4-264A-9052-CEB543C5B57A}">
+      <dgm:prSet/>
+      <dgm:spPr/>
+      <dgm:t>
+        <a:bodyPr/>
+        <a:lstStyle/>
+        <a:p>
+          <a:endParaRPr lang="en-US"/>
+        </a:p>
+      </dgm:t>
+    </dgm:pt>
+    <dgm:pt modelId="{3398DB88-D264-0541-ACA3-AB78B6D1E8F8}" type="sibTrans" cxnId="{0A82A1CB-23F4-264A-9052-CEB543C5B57A}">
+      <dgm:prSet/>
+      <dgm:spPr/>
+      <dgm:t>
+        <a:bodyPr/>
+        <a:lstStyle/>
+        <a:p>
+          <a:endParaRPr lang="en-US"/>
+        </a:p>
+      </dgm:t>
+    </dgm:pt>
+    <dgm:pt modelId="{A304E9D5-E768-DB4C-B247-3829268222BF}">
+      <dgm:prSet phldrT="[Text]"/>
+      <dgm:spPr/>
+      <dgm:t>
+        <a:bodyPr/>
+        <a:lstStyle/>
+        <a:p>
+          <a:r>
+            <a:rPr lang="en-US" altLang="zh-CN" dirty="0"/>
+            <a:t>Explosion</a:t>
+          </a:r>
+        </a:p>
+      </dgm:t>
+    </dgm:pt>
+    <dgm:pt modelId="{D2AEC2D3-95D1-8F46-A410-F01D58517854}" type="parTrans" cxnId="{AF8CE8CD-F936-4E4E-A960-C980AA356A4F}">
+      <dgm:prSet/>
+      <dgm:spPr/>
+      <dgm:t>
+        <a:bodyPr/>
+        <a:lstStyle/>
+        <a:p>
+          <a:endParaRPr lang="en-US"/>
+        </a:p>
+      </dgm:t>
+    </dgm:pt>
+    <dgm:pt modelId="{B0ECB1BD-9711-534D-8015-844F1CB50EDF}" type="sibTrans" cxnId="{AF8CE8CD-F936-4E4E-A960-C980AA356A4F}">
+      <dgm:prSet/>
+      <dgm:spPr/>
+      <dgm:t>
+        <a:bodyPr/>
+        <a:lstStyle/>
+        <a:p>
+          <a:endParaRPr lang="en-US"/>
+        </a:p>
+      </dgm:t>
+    </dgm:pt>
+    <dgm:pt modelId="{2047591F-B7DD-144F-8C3C-592025B9DCCF}">
+      <dgm:prSet phldrT="[Text]"/>
+      <dgm:spPr/>
+      <dgm:t>
+        <a:bodyPr/>
+        <a:lstStyle/>
+        <a:p>
+          <a:r>
+            <a:rPr lang="en-US" altLang="zh-CN" dirty="0"/>
+            <a:t>Large</a:t>
+          </a:r>
+          <a:r>
+            <a:rPr lang="zh-CN" altLang="en-US" dirty="0"/>
+            <a:t> </a:t>
+          </a:r>
+          <a:r>
+            <a:rPr lang="en-US" altLang="zh-CN" dirty="0"/>
+            <a:t>Explosion</a:t>
+          </a:r>
+        </a:p>
+      </dgm:t>
+    </dgm:pt>
+    <dgm:pt modelId="{78C5BD93-3EC1-9148-8EA8-2B5B74840150}" type="parTrans" cxnId="{E5942076-EEF8-9D4A-8A6F-296D4909E42E}">
+      <dgm:prSet/>
+      <dgm:spPr/>
+      <dgm:t>
+        <a:bodyPr/>
+        <a:lstStyle/>
+        <a:p>
+          <a:endParaRPr lang="en-US"/>
+        </a:p>
+      </dgm:t>
+    </dgm:pt>
+    <dgm:pt modelId="{3BCF655B-DD24-3A4E-A9A9-43189283954E}" type="sibTrans" cxnId="{E5942076-EEF8-9D4A-8A6F-296D4909E42E}">
+      <dgm:prSet/>
+      <dgm:spPr/>
+      <dgm:t>
+        <a:bodyPr/>
+        <a:lstStyle/>
+        <a:p>
+          <a:endParaRPr lang="en-US"/>
+        </a:p>
+      </dgm:t>
+    </dgm:pt>
+    <dgm:pt modelId="{B1743E1A-31A5-E146-BA1D-D62D705DCC06}">
+      <dgm:prSet phldrT="[Text]"/>
+      <dgm:spPr/>
+      <dgm:t>
+        <a:bodyPr/>
+        <a:lstStyle/>
+        <a:p>
+          <a:r>
+            <a:rPr lang="en-US" altLang="zh-CN" dirty="0"/>
+            <a:t>Player</a:t>
+          </a:r>
+        </a:p>
+      </dgm:t>
+    </dgm:pt>
+    <dgm:pt modelId="{0E454608-A3AC-084D-872D-F0713E31589B}" type="parTrans" cxnId="{E2F28640-6C64-884A-B465-05EBF8EE7FBC}">
+      <dgm:prSet/>
+      <dgm:spPr/>
+      <dgm:t>
+        <a:bodyPr/>
+        <a:lstStyle/>
+        <a:p>
+          <a:endParaRPr lang="en-US"/>
+        </a:p>
+      </dgm:t>
+    </dgm:pt>
+    <dgm:pt modelId="{D6535884-E3C5-2042-AF8A-294D99D8E0EA}" type="sibTrans" cxnId="{E2F28640-6C64-884A-B465-05EBF8EE7FBC}">
+      <dgm:prSet/>
+      <dgm:spPr/>
+      <dgm:t>
+        <a:bodyPr/>
+        <a:lstStyle/>
+        <a:p>
+          <a:endParaRPr lang="en-US"/>
+        </a:p>
+      </dgm:t>
+    </dgm:pt>
+    <dgm:pt modelId="{55F4CC22-541B-2F49-9FD3-735905F03FFB}">
+      <dgm:prSet phldrT="[Text]"/>
+      <dgm:spPr/>
+      <dgm:t>
+        <a:bodyPr/>
+        <a:lstStyle/>
+        <a:p>
+          <a:r>
+            <a:rPr lang="en-US" altLang="zh-CN" dirty="0"/>
+            <a:t>Background</a:t>
+          </a:r>
+        </a:p>
+      </dgm:t>
+    </dgm:pt>
+    <dgm:pt modelId="{C88C3A13-B996-7944-8CBC-48EA26040344}" type="parTrans" cxnId="{B848C541-2347-5E47-A5C3-8A0087F7ACF1}">
+      <dgm:prSet/>
+      <dgm:spPr/>
+      <dgm:t>
+        <a:bodyPr/>
+        <a:lstStyle/>
+        <a:p>
+          <a:endParaRPr lang="en-US"/>
+        </a:p>
+      </dgm:t>
+    </dgm:pt>
+    <dgm:pt modelId="{8A815A23-EFF3-E842-8450-8F9CB480C0EA}" type="sibTrans" cxnId="{B848C541-2347-5E47-A5C3-8A0087F7ACF1}">
+      <dgm:prSet/>
+      <dgm:spPr/>
+      <dgm:t>
+        <a:bodyPr/>
+        <a:lstStyle/>
+        <a:p>
+          <a:endParaRPr lang="en-US"/>
+        </a:p>
+      </dgm:t>
+    </dgm:pt>
+    <dgm:pt modelId="{7CC4544C-1B3F-C24A-A2FE-292DB3E1A173}" type="pres">
+      <dgm:prSet presAssocID="{F97859D6-52D2-6748-982F-78A4602A466B}" presName="hierChild1" presStyleCnt="0">
+        <dgm:presLayoutVars>
+          <dgm:orgChart val="1"/>
+          <dgm:chPref val="1"/>
+          <dgm:dir/>
+          <dgm:animOne val="branch"/>
+          <dgm:animLvl val="lvl"/>
+          <dgm:resizeHandles/>
+        </dgm:presLayoutVars>
+      </dgm:prSet>
+      <dgm:spPr/>
+    </dgm:pt>
+    <dgm:pt modelId="{72472755-2C07-DF46-BA87-244CAB76E099}" type="pres">
+      <dgm:prSet presAssocID="{E4E4CE3E-1BF4-E041-93F5-74697565065C}" presName="hierRoot1" presStyleCnt="0">
+        <dgm:presLayoutVars>
+          <dgm:hierBranch val="init"/>
+        </dgm:presLayoutVars>
+      </dgm:prSet>
+      <dgm:spPr/>
+    </dgm:pt>
+    <dgm:pt modelId="{2BE00BE8-3EA5-F148-B80A-A56AFC260B1C}" type="pres">
+      <dgm:prSet presAssocID="{E4E4CE3E-1BF4-E041-93F5-74697565065C}" presName="rootComposite1" presStyleCnt="0"/>
+      <dgm:spPr/>
+    </dgm:pt>
+    <dgm:pt modelId="{356C095C-FB72-D943-9048-3448CE31D414}" type="pres">
+      <dgm:prSet presAssocID="{E4E4CE3E-1BF4-E041-93F5-74697565065C}" presName="rootText1" presStyleLbl="node0" presStyleIdx="0" presStyleCnt="1">
+        <dgm:presLayoutVars>
+          <dgm:chPref val="3"/>
+        </dgm:presLayoutVars>
+      </dgm:prSet>
+      <dgm:spPr/>
+    </dgm:pt>
+    <dgm:pt modelId="{BF5F73B4-7093-FD4D-95B4-E4B2147A73B7}" type="pres">
+      <dgm:prSet presAssocID="{E4E4CE3E-1BF4-E041-93F5-74697565065C}" presName="rootConnector1" presStyleLbl="node1" presStyleIdx="0" presStyleCnt="0"/>
+      <dgm:spPr/>
+    </dgm:pt>
+    <dgm:pt modelId="{7F1A73A7-EDA1-E049-AA13-B0377539EE2E}" type="pres">
+      <dgm:prSet presAssocID="{E4E4CE3E-1BF4-E041-93F5-74697565065C}" presName="hierChild2" presStyleCnt="0"/>
+      <dgm:spPr/>
+    </dgm:pt>
+    <dgm:pt modelId="{09DCBE88-1C1B-EE4B-BCAA-279AAC3AE7CA}" type="pres">
+      <dgm:prSet presAssocID="{ACD0C6CE-0832-0445-8974-61E39E3CE86D}" presName="Name64" presStyleLbl="parChTrans1D2" presStyleIdx="0" presStyleCnt="4"/>
+      <dgm:spPr/>
+    </dgm:pt>
+    <dgm:pt modelId="{2AFACA9B-0B5A-344E-8A78-E9623FECCA1F}" type="pres">
+      <dgm:prSet presAssocID="{A0667028-7798-1840-A025-A0670562F5BA}" presName="hierRoot2" presStyleCnt="0">
+        <dgm:presLayoutVars>
+          <dgm:hierBranch val="init"/>
+        </dgm:presLayoutVars>
+      </dgm:prSet>
+      <dgm:spPr/>
+    </dgm:pt>
+    <dgm:pt modelId="{A3A77AF6-A922-0048-8291-04F506E3CA85}" type="pres">
+      <dgm:prSet presAssocID="{A0667028-7798-1840-A025-A0670562F5BA}" presName="rootComposite" presStyleCnt="0"/>
+      <dgm:spPr/>
+    </dgm:pt>
+    <dgm:pt modelId="{BE4E37C2-ABE7-7544-9276-5CF7C3F028A3}" type="pres">
+      <dgm:prSet presAssocID="{A0667028-7798-1840-A025-A0670562F5BA}" presName="rootText" presStyleLbl="node2" presStyleIdx="0" presStyleCnt="4">
+        <dgm:presLayoutVars>
+          <dgm:chPref val="3"/>
+        </dgm:presLayoutVars>
+      </dgm:prSet>
+      <dgm:spPr/>
+    </dgm:pt>
+    <dgm:pt modelId="{A1979585-608E-274E-9D0D-EB539AF6BDE5}" type="pres">
+      <dgm:prSet presAssocID="{A0667028-7798-1840-A025-A0670562F5BA}" presName="rootConnector" presStyleLbl="node2" presStyleIdx="0" presStyleCnt="4"/>
+      <dgm:spPr/>
+    </dgm:pt>
+    <dgm:pt modelId="{F400E7CC-C93E-DB4A-8100-CA377BAB5332}" type="pres">
+      <dgm:prSet presAssocID="{A0667028-7798-1840-A025-A0670562F5BA}" presName="hierChild4" presStyleCnt="0"/>
+      <dgm:spPr/>
+    </dgm:pt>
+    <dgm:pt modelId="{9F0EE1FF-44EE-C641-A347-0A7DDBF5A3EF}" type="pres">
+      <dgm:prSet presAssocID="{5A14579F-E03E-1E49-B9A3-9D45D33961D7}" presName="Name64" presStyleLbl="parChTrans1D3" presStyleIdx="0" presStyleCnt="10"/>
+      <dgm:spPr/>
+    </dgm:pt>
+    <dgm:pt modelId="{F69FD5FC-7B85-8C4E-8BAE-3DC07C59AD19}" type="pres">
+      <dgm:prSet presAssocID="{29286D9D-DE9E-9040-9418-F0CEB887FC1E}" presName="hierRoot2" presStyleCnt="0">
+        <dgm:presLayoutVars>
+          <dgm:hierBranch val="init"/>
+        </dgm:presLayoutVars>
+      </dgm:prSet>
+      <dgm:spPr/>
+    </dgm:pt>
+    <dgm:pt modelId="{2C8E10B6-FB09-2149-BF31-F9742C6A7D0B}" type="pres">
+      <dgm:prSet presAssocID="{29286D9D-DE9E-9040-9418-F0CEB887FC1E}" presName="rootComposite" presStyleCnt="0"/>
+      <dgm:spPr/>
+    </dgm:pt>
+    <dgm:pt modelId="{AAA048E5-75EA-104B-96EE-D44EE60D7629}" type="pres">
+      <dgm:prSet presAssocID="{29286D9D-DE9E-9040-9418-F0CEB887FC1E}" presName="rootText" presStyleLbl="node3" presStyleIdx="0" presStyleCnt="10">
+        <dgm:presLayoutVars>
+          <dgm:chPref val="3"/>
+        </dgm:presLayoutVars>
+      </dgm:prSet>
+      <dgm:spPr/>
+    </dgm:pt>
+    <dgm:pt modelId="{AB18AF1E-1CE6-294A-A107-21857B838078}" type="pres">
+      <dgm:prSet presAssocID="{29286D9D-DE9E-9040-9418-F0CEB887FC1E}" presName="rootConnector" presStyleLbl="node3" presStyleIdx="0" presStyleCnt="10"/>
+      <dgm:spPr/>
+    </dgm:pt>
+    <dgm:pt modelId="{72F2C24E-52D3-2844-A935-E6FDEC1BD896}" type="pres">
+      <dgm:prSet presAssocID="{29286D9D-DE9E-9040-9418-F0CEB887FC1E}" presName="hierChild4" presStyleCnt="0"/>
+      <dgm:spPr/>
+    </dgm:pt>
+    <dgm:pt modelId="{0C5A8575-E94B-334A-BD5E-3EBDB215349D}" type="pres">
+      <dgm:prSet presAssocID="{29286D9D-DE9E-9040-9418-F0CEB887FC1E}" presName="hierChild5" presStyleCnt="0"/>
+      <dgm:spPr/>
+    </dgm:pt>
+    <dgm:pt modelId="{8612346A-544F-E94D-9252-BC9BBDF167FE}" type="pres">
+      <dgm:prSet presAssocID="{D10E69BB-9727-DD4A-BEFE-945480D8E6F7}" presName="Name64" presStyleLbl="parChTrans1D3" presStyleIdx="1" presStyleCnt="10"/>
+      <dgm:spPr/>
+    </dgm:pt>
+    <dgm:pt modelId="{EEC1108A-6DD0-1B4B-A3D4-64B87B9AFEEE}" type="pres">
+      <dgm:prSet presAssocID="{7FCF8818-A46B-A943-B41C-6E083992B724}" presName="hierRoot2" presStyleCnt="0">
+        <dgm:presLayoutVars>
+          <dgm:hierBranch val="init"/>
+        </dgm:presLayoutVars>
+      </dgm:prSet>
+      <dgm:spPr/>
+    </dgm:pt>
+    <dgm:pt modelId="{6F783758-04C2-9346-95CD-B95B1713EB6E}" type="pres">
+      <dgm:prSet presAssocID="{7FCF8818-A46B-A943-B41C-6E083992B724}" presName="rootComposite" presStyleCnt="0"/>
+      <dgm:spPr/>
+    </dgm:pt>
+    <dgm:pt modelId="{A28ADB43-EE16-624E-84A9-42D9BDB8D3C1}" type="pres">
+      <dgm:prSet presAssocID="{7FCF8818-A46B-A943-B41C-6E083992B724}" presName="rootText" presStyleLbl="node3" presStyleIdx="1" presStyleCnt="10">
+        <dgm:presLayoutVars>
+          <dgm:chPref val="3"/>
+        </dgm:presLayoutVars>
+      </dgm:prSet>
+      <dgm:spPr/>
+    </dgm:pt>
+    <dgm:pt modelId="{BBEEB4ED-1E40-1B40-A16E-A13F171397AA}" type="pres">
+      <dgm:prSet presAssocID="{7FCF8818-A46B-A943-B41C-6E083992B724}" presName="rootConnector" presStyleLbl="node3" presStyleIdx="1" presStyleCnt="10"/>
+      <dgm:spPr/>
+    </dgm:pt>
+    <dgm:pt modelId="{B8256CA5-8613-1A4C-81A2-84F135F908BC}" type="pres">
+      <dgm:prSet presAssocID="{7FCF8818-A46B-A943-B41C-6E083992B724}" presName="hierChild4" presStyleCnt="0"/>
+      <dgm:spPr/>
+    </dgm:pt>
+    <dgm:pt modelId="{69D77B89-79FA-1D4A-942A-57776AAA72F6}" type="pres">
+      <dgm:prSet presAssocID="{7FCF8818-A46B-A943-B41C-6E083992B724}" presName="hierChild5" presStyleCnt="0"/>
+      <dgm:spPr/>
+    </dgm:pt>
+    <dgm:pt modelId="{5B5FEC90-E5F9-684A-8A5D-48396CE67D92}" type="pres">
+      <dgm:prSet presAssocID="{6F5EB8AB-29A3-4F41-8FD8-CFD1677CCED6}" presName="Name64" presStyleLbl="parChTrans1D3" presStyleIdx="2" presStyleCnt="10"/>
+      <dgm:spPr/>
+    </dgm:pt>
+    <dgm:pt modelId="{EFCE4688-FCE0-984A-A448-0025ED759E42}" type="pres">
+      <dgm:prSet presAssocID="{D07257A2-5C77-AA49-A0D6-A4DA9420B0F0}" presName="hierRoot2" presStyleCnt="0">
+        <dgm:presLayoutVars>
+          <dgm:hierBranch val="init"/>
+        </dgm:presLayoutVars>
+      </dgm:prSet>
+      <dgm:spPr/>
+    </dgm:pt>
+    <dgm:pt modelId="{C8EBD719-88D3-E848-B42A-35AE5822157B}" type="pres">
+      <dgm:prSet presAssocID="{D07257A2-5C77-AA49-A0D6-A4DA9420B0F0}" presName="rootComposite" presStyleCnt="0"/>
+      <dgm:spPr/>
+    </dgm:pt>
+    <dgm:pt modelId="{E173E6AC-8DAE-B24A-BCFA-9988D8B8065B}" type="pres">
+      <dgm:prSet presAssocID="{D07257A2-5C77-AA49-A0D6-A4DA9420B0F0}" presName="rootText" presStyleLbl="node3" presStyleIdx="2" presStyleCnt="10">
+        <dgm:presLayoutVars>
+          <dgm:chPref val="3"/>
+        </dgm:presLayoutVars>
+      </dgm:prSet>
+      <dgm:spPr/>
+    </dgm:pt>
+    <dgm:pt modelId="{86A5E7B7-38EE-334A-9163-05D395DF9C70}" type="pres">
+      <dgm:prSet presAssocID="{D07257A2-5C77-AA49-A0D6-A4DA9420B0F0}" presName="rootConnector" presStyleLbl="node3" presStyleIdx="2" presStyleCnt="10"/>
+      <dgm:spPr/>
+    </dgm:pt>
+    <dgm:pt modelId="{D6D42341-D9BB-1E4B-B0C1-19CBA1CAF023}" type="pres">
+      <dgm:prSet presAssocID="{D07257A2-5C77-AA49-A0D6-A4DA9420B0F0}" presName="hierChild4" presStyleCnt="0"/>
+      <dgm:spPr/>
+    </dgm:pt>
+    <dgm:pt modelId="{6872850A-0377-F94A-9141-7F596FF999FB}" type="pres">
+      <dgm:prSet presAssocID="{D07257A2-5C77-AA49-A0D6-A4DA9420B0F0}" presName="hierChild5" presStyleCnt="0"/>
+      <dgm:spPr/>
+    </dgm:pt>
+    <dgm:pt modelId="{E79A2066-ACED-9947-9A85-AAEFCE6CFF30}" type="pres">
+      <dgm:prSet presAssocID="{D3C31B1A-E508-7C4A-8154-A5056ACFBCF1}" presName="Name64" presStyleLbl="parChTrans1D3" presStyleIdx="3" presStyleCnt="10"/>
+      <dgm:spPr/>
+    </dgm:pt>
+    <dgm:pt modelId="{35786CBE-00F6-B845-9C5F-89D9EB7439D5}" type="pres">
+      <dgm:prSet presAssocID="{2B5ACCF7-568C-F041-A83B-48A7A94B3F40}" presName="hierRoot2" presStyleCnt="0">
+        <dgm:presLayoutVars>
+          <dgm:hierBranch val="init"/>
+        </dgm:presLayoutVars>
+      </dgm:prSet>
+      <dgm:spPr/>
+    </dgm:pt>
+    <dgm:pt modelId="{FDC54FD7-6A4C-3E4E-8F57-C89ED4A4EFB9}" type="pres">
+      <dgm:prSet presAssocID="{2B5ACCF7-568C-F041-A83B-48A7A94B3F40}" presName="rootComposite" presStyleCnt="0"/>
+      <dgm:spPr/>
+    </dgm:pt>
+    <dgm:pt modelId="{B19D8845-4DEE-9F4D-9EEF-B64013E9C90E}" type="pres">
+      <dgm:prSet presAssocID="{2B5ACCF7-568C-F041-A83B-48A7A94B3F40}" presName="rootText" presStyleLbl="node3" presStyleIdx="3" presStyleCnt="10">
+        <dgm:presLayoutVars>
+          <dgm:chPref val="3"/>
+        </dgm:presLayoutVars>
+      </dgm:prSet>
+      <dgm:spPr/>
+    </dgm:pt>
+    <dgm:pt modelId="{A7B15456-6DB6-2B4D-AFCA-E9A89CECE19E}" type="pres">
+      <dgm:prSet presAssocID="{2B5ACCF7-568C-F041-A83B-48A7A94B3F40}" presName="rootConnector" presStyleLbl="node3" presStyleIdx="3" presStyleCnt="10"/>
+      <dgm:spPr/>
+    </dgm:pt>
+    <dgm:pt modelId="{F19D01E6-4C9E-B54B-8056-28E00F4CAA44}" type="pres">
+      <dgm:prSet presAssocID="{2B5ACCF7-568C-F041-A83B-48A7A94B3F40}" presName="hierChild4" presStyleCnt="0"/>
+      <dgm:spPr/>
+    </dgm:pt>
+    <dgm:pt modelId="{20931497-B225-A24B-B047-104A97FE4DD5}" type="pres">
+      <dgm:prSet presAssocID="{2B5ACCF7-568C-F041-A83B-48A7A94B3F40}" presName="hierChild5" presStyleCnt="0"/>
+      <dgm:spPr/>
+    </dgm:pt>
+    <dgm:pt modelId="{94C2B265-0184-D348-B000-0AD24CEB5E90}" type="pres">
+      <dgm:prSet presAssocID="{A0667028-7798-1840-A025-A0670562F5BA}" presName="hierChild5" presStyleCnt="0"/>
+      <dgm:spPr/>
+    </dgm:pt>
+    <dgm:pt modelId="{C08CB173-731F-5945-A93B-DF374035527C}" type="pres">
+      <dgm:prSet presAssocID="{075C97F8-CF75-0942-89BC-FCB5C0E75B98}" presName="Name64" presStyleLbl="parChTrans1D2" presStyleIdx="1" presStyleCnt="4"/>
+      <dgm:spPr/>
+    </dgm:pt>
+    <dgm:pt modelId="{E98860E8-4015-4A49-ACD8-1520C159D7FD}" type="pres">
+      <dgm:prSet presAssocID="{BFC2DC40-6F04-7442-AA44-44C724B43BD1}" presName="hierRoot2" presStyleCnt="0">
+        <dgm:presLayoutVars>
+          <dgm:hierBranch val="init"/>
+        </dgm:presLayoutVars>
+      </dgm:prSet>
+      <dgm:spPr/>
+    </dgm:pt>
+    <dgm:pt modelId="{1EA7F654-C6A6-384B-A1A6-D4ED2790B14C}" type="pres">
+      <dgm:prSet presAssocID="{BFC2DC40-6F04-7442-AA44-44C724B43BD1}" presName="rootComposite" presStyleCnt="0"/>
+      <dgm:spPr/>
+    </dgm:pt>
+    <dgm:pt modelId="{AED4A1C1-4D3A-9C45-A389-2367CCAC043E}" type="pres">
+      <dgm:prSet presAssocID="{BFC2DC40-6F04-7442-AA44-44C724B43BD1}" presName="rootText" presStyleLbl="node2" presStyleIdx="1" presStyleCnt="4">
+        <dgm:presLayoutVars>
+          <dgm:chPref val="3"/>
+        </dgm:presLayoutVars>
+      </dgm:prSet>
+      <dgm:spPr/>
+    </dgm:pt>
+    <dgm:pt modelId="{FE0AB39C-0A35-914F-B7B8-10C08EC04F37}" type="pres">
+      <dgm:prSet presAssocID="{BFC2DC40-6F04-7442-AA44-44C724B43BD1}" presName="rootConnector" presStyleLbl="node2" presStyleIdx="1" presStyleCnt="4"/>
+      <dgm:spPr/>
+    </dgm:pt>
+    <dgm:pt modelId="{374FC986-280D-8A4A-9DAD-28578F9AF02E}" type="pres">
+      <dgm:prSet presAssocID="{BFC2DC40-6F04-7442-AA44-44C724B43BD1}" presName="hierChild4" presStyleCnt="0"/>
+      <dgm:spPr/>
+    </dgm:pt>
+    <dgm:pt modelId="{82B51B66-2AFF-D245-A345-2B13B68E5D29}" type="pres">
+      <dgm:prSet presAssocID="{990B2C38-170B-6449-BFCE-754866EFA82F}" presName="Name64" presStyleLbl="parChTrans1D3" presStyleIdx="4" presStyleCnt="10"/>
+      <dgm:spPr/>
+    </dgm:pt>
+    <dgm:pt modelId="{E7082BA8-6B7D-CE4F-852E-19413358837A}" type="pres">
+      <dgm:prSet presAssocID="{6F8E803A-91ED-0B40-9A40-E43C8863B926}" presName="hierRoot2" presStyleCnt="0">
+        <dgm:presLayoutVars>
+          <dgm:hierBranch val="init"/>
+        </dgm:presLayoutVars>
+      </dgm:prSet>
+      <dgm:spPr/>
+    </dgm:pt>
+    <dgm:pt modelId="{22894AE1-EB1E-784D-AC7C-87A0719251AC}" type="pres">
+      <dgm:prSet presAssocID="{6F8E803A-91ED-0B40-9A40-E43C8863B926}" presName="rootComposite" presStyleCnt="0"/>
+      <dgm:spPr/>
+    </dgm:pt>
+    <dgm:pt modelId="{243813A8-44F6-E044-BD31-1D99321E8A23}" type="pres">
+      <dgm:prSet presAssocID="{6F8E803A-91ED-0B40-9A40-E43C8863B926}" presName="rootText" presStyleLbl="node3" presStyleIdx="4" presStyleCnt="10">
+        <dgm:presLayoutVars>
+          <dgm:chPref val="3"/>
+        </dgm:presLayoutVars>
+      </dgm:prSet>
+      <dgm:spPr/>
+    </dgm:pt>
+    <dgm:pt modelId="{8B413848-66D2-C84C-9BF5-0C8B75714F2D}" type="pres">
+      <dgm:prSet presAssocID="{6F8E803A-91ED-0B40-9A40-E43C8863B926}" presName="rootConnector" presStyleLbl="node3" presStyleIdx="4" presStyleCnt="10"/>
+      <dgm:spPr/>
+    </dgm:pt>
+    <dgm:pt modelId="{7ECF6CC1-2A90-274C-99E6-C46548D62922}" type="pres">
+      <dgm:prSet presAssocID="{6F8E803A-91ED-0B40-9A40-E43C8863B926}" presName="hierChild4" presStyleCnt="0"/>
+      <dgm:spPr/>
+    </dgm:pt>
+    <dgm:pt modelId="{8A8A1FC5-EB3D-334C-A130-1C52571F2307}" type="pres">
+      <dgm:prSet presAssocID="{6F8E803A-91ED-0B40-9A40-E43C8863B926}" presName="hierChild5" presStyleCnt="0"/>
+      <dgm:spPr/>
+    </dgm:pt>
+    <dgm:pt modelId="{0F73A7CE-3C80-A94F-B4D9-BAC04101DC8E}" type="pres">
+      <dgm:prSet presAssocID="{F022329F-E2AC-5F44-9637-229A9AB900EF}" presName="Name64" presStyleLbl="parChTrans1D3" presStyleIdx="5" presStyleCnt="10"/>
+      <dgm:spPr/>
+    </dgm:pt>
+    <dgm:pt modelId="{986542A5-B372-044C-B04B-23A9DF616A93}" type="pres">
+      <dgm:prSet presAssocID="{6414325B-78F9-9940-9FF6-D040E30FFF3F}" presName="hierRoot2" presStyleCnt="0">
+        <dgm:presLayoutVars>
+          <dgm:hierBranch val="init"/>
+        </dgm:presLayoutVars>
+      </dgm:prSet>
+      <dgm:spPr/>
+    </dgm:pt>
+    <dgm:pt modelId="{9983E1A0-68B3-F841-85ED-B7B8AB0E2BBB}" type="pres">
+      <dgm:prSet presAssocID="{6414325B-78F9-9940-9FF6-D040E30FFF3F}" presName="rootComposite" presStyleCnt="0"/>
+      <dgm:spPr/>
+    </dgm:pt>
+    <dgm:pt modelId="{20309D1D-2751-7B41-B140-95B9107E74DB}" type="pres">
+      <dgm:prSet presAssocID="{6414325B-78F9-9940-9FF6-D040E30FFF3F}" presName="rootText" presStyleLbl="node3" presStyleIdx="5" presStyleCnt="10">
+        <dgm:presLayoutVars>
+          <dgm:chPref val="3"/>
+        </dgm:presLayoutVars>
+      </dgm:prSet>
+      <dgm:spPr/>
+    </dgm:pt>
+    <dgm:pt modelId="{52B10697-3178-1E48-9DB4-B2D739316648}" type="pres">
+      <dgm:prSet presAssocID="{6414325B-78F9-9940-9FF6-D040E30FFF3F}" presName="rootConnector" presStyleLbl="node3" presStyleIdx="5" presStyleCnt="10"/>
+      <dgm:spPr/>
+    </dgm:pt>
+    <dgm:pt modelId="{B539A4C6-8E59-5D43-8D67-EB03D59A8AA1}" type="pres">
+      <dgm:prSet presAssocID="{6414325B-78F9-9940-9FF6-D040E30FFF3F}" presName="hierChild4" presStyleCnt="0"/>
+      <dgm:spPr/>
+    </dgm:pt>
+    <dgm:pt modelId="{D80A51C8-4265-D344-A88B-1D8149B393B0}" type="pres">
+      <dgm:prSet presAssocID="{6414325B-78F9-9940-9FF6-D040E30FFF3F}" presName="hierChild5" presStyleCnt="0"/>
+      <dgm:spPr/>
+    </dgm:pt>
+    <dgm:pt modelId="{54FF68C5-0CB6-AA40-B018-830BD03C8C01}" type="pres">
+      <dgm:prSet presAssocID="{3AA43AA0-31E0-264A-A668-7A93506F6ED1}" presName="Name64" presStyleLbl="parChTrans1D3" presStyleIdx="6" presStyleCnt="10"/>
+      <dgm:spPr/>
+    </dgm:pt>
+    <dgm:pt modelId="{B4223979-98C5-4E48-AD60-30373655C981}" type="pres">
+      <dgm:prSet presAssocID="{55324DE9-FA24-D24B-8A71-99B005C7121A}" presName="hierRoot2" presStyleCnt="0">
+        <dgm:presLayoutVars>
+          <dgm:hierBranch val="init"/>
+        </dgm:presLayoutVars>
+      </dgm:prSet>
+      <dgm:spPr/>
+    </dgm:pt>
+    <dgm:pt modelId="{DCD1D4A5-60F4-4F46-B7F8-B41BC62962C6}" type="pres">
+      <dgm:prSet presAssocID="{55324DE9-FA24-D24B-8A71-99B005C7121A}" presName="rootComposite" presStyleCnt="0"/>
+      <dgm:spPr/>
+    </dgm:pt>
+    <dgm:pt modelId="{184E981D-CD91-DD46-B0DD-150C675FCD0D}" type="pres">
+      <dgm:prSet presAssocID="{55324DE9-FA24-D24B-8A71-99B005C7121A}" presName="rootText" presStyleLbl="node3" presStyleIdx="6" presStyleCnt="10">
+        <dgm:presLayoutVars>
+          <dgm:chPref val="3"/>
+        </dgm:presLayoutVars>
+      </dgm:prSet>
+      <dgm:spPr/>
+    </dgm:pt>
+    <dgm:pt modelId="{5477B956-E319-A846-8CFF-3B8AC49958AA}" type="pres">
+      <dgm:prSet presAssocID="{55324DE9-FA24-D24B-8A71-99B005C7121A}" presName="rootConnector" presStyleLbl="node3" presStyleIdx="6" presStyleCnt="10"/>
+      <dgm:spPr/>
+    </dgm:pt>
+    <dgm:pt modelId="{61FB79D7-E78C-724C-AD96-8EBDFFA23A1D}" type="pres">
+      <dgm:prSet presAssocID="{55324DE9-FA24-D24B-8A71-99B005C7121A}" presName="hierChild4" presStyleCnt="0"/>
+      <dgm:spPr/>
+    </dgm:pt>
+    <dgm:pt modelId="{EA0E0555-4037-8446-921A-037349837913}" type="pres">
+      <dgm:prSet presAssocID="{55324DE9-FA24-D24B-8A71-99B005C7121A}" presName="hierChild5" presStyleCnt="0"/>
+      <dgm:spPr/>
+    </dgm:pt>
+    <dgm:pt modelId="{53781B23-6990-AB4D-AA38-23CAAB46D608}" type="pres">
+      <dgm:prSet presAssocID="{8BB96E2C-071E-924A-AE40-D030C5F34032}" presName="Name64" presStyleLbl="parChTrans1D3" presStyleIdx="7" presStyleCnt="10"/>
+      <dgm:spPr/>
+    </dgm:pt>
+    <dgm:pt modelId="{77E37087-390E-F643-99E8-AAB450BBDF41}" type="pres">
+      <dgm:prSet presAssocID="{864CE08D-CBC9-D442-B96F-9D2484720F18}" presName="hierRoot2" presStyleCnt="0">
+        <dgm:presLayoutVars>
+          <dgm:hierBranch val="init"/>
+        </dgm:presLayoutVars>
+      </dgm:prSet>
+      <dgm:spPr/>
+    </dgm:pt>
+    <dgm:pt modelId="{04C87E22-1814-A547-A622-EF8404192FF1}" type="pres">
+      <dgm:prSet presAssocID="{864CE08D-CBC9-D442-B96F-9D2484720F18}" presName="rootComposite" presStyleCnt="0"/>
+      <dgm:spPr/>
+    </dgm:pt>
+    <dgm:pt modelId="{C6CC3A7B-C7F3-1343-A7B2-7537E9DA0ECA}" type="pres">
+      <dgm:prSet presAssocID="{864CE08D-CBC9-D442-B96F-9D2484720F18}" presName="rootText" presStyleLbl="node3" presStyleIdx="7" presStyleCnt="10">
+        <dgm:presLayoutVars>
+          <dgm:chPref val="3"/>
+        </dgm:presLayoutVars>
+      </dgm:prSet>
+      <dgm:spPr/>
+    </dgm:pt>
+    <dgm:pt modelId="{10A44D25-82BC-DE47-AC60-4993CDA2B97B}" type="pres">
+      <dgm:prSet presAssocID="{864CE08D-CBC9-D442-B96F-9D2484720F18}" presName="rootConnector" presStyleLbl="node3" presStyleIdx="7" presStyleCnt="10"/>
+      <dgm:spPr/>
+    </dgm:pt>
+    <dgm:pt modelId="{AA87878E-5136-634D-81E2-390C6C862454}" type="pres">
+      <dgm:prSet presAssocID="{864CE08D-CBC9-D442-B96F-9D2484720F18}" presName="hierChild4" presStyleCnt="0"/>
+      <dgm:spPr/>
+    </dgm:pt>
+    <dgm:pt modelId="{E216336F-178F-5841-B690-8F912F729019}" type="pres">
+      <dgm:prSet presAssocID="{864CE08D-CBC9-D442-B96F-9D2484720F18}" presName="hierChild5" presStyleCnt="0"/>
+      <dgm:spPr/>
+    </dgm:pt>
+    <dgm:pt modelId="{49EB833D-D25C-C045-85E1-A9A9D96C2DFF}" type="pres">
+      <dgm:prSet presAssocID="{D2AEC2D3-95D1-8F46-A410-F01D58517854}" presName="Name64" presStyleLbl="parChTrans1D3" presStyleIdx="8" presStyleCnt="10"/>
+      <dgm:spPr/>
+    </dgm:pt>
+    <dgm:pt modelId="{F2981F1E-4129-6B46-A42A-6D1A190FFB2F}" type="pres">
+      <dgm:prSet presAssocID="{A304E9D5-E768-DB4C-B247-3829268222BF}" presName="hierRoot2" presStyleCnt="0">
+        <dgm:presLayoutVars>
+          <dgm:hierBranch val="init"/>
+        </dgm:presLayoutVars>
+      </dgm:prSet>
+      <dgm:spPr/>
+    </dgm:pt>
+    <dgm:pt modelId="{C56BBCC9-91F1-A64C-8729-EA1B17E260A9}" type="pres">
+      <dgm:prSet presAssocID="{A304E9D5-E768-DB4C-B247-3829268222BF}" presName="rootComposite" presStyleCnt="0"/>
+      <dgm:spPr/>
+    </dgm:pt>
+    <dgm:pt modelId="{1A0716CE-4F26-914A-A915-67EC1562A1CD}" type="pres">
+      <dgm:prSet presAssocID="{A304E9D5-E768-DB4C-B247-3829268222BF}" presName="rootText" presStyleLbl="node3" presStyleIdx="8" presStyleCnt="10">
+        <dgm:presLayoutVars>
+          <dgm:chPref val="3"/>
+        </dgm:presLayoutVars>
+      </dgm:prSet>
+      <dgm:spPr/>
+    </dgm:pt>
+    <dgm:pt modelId="{B3887A28-D2E5-354D-BFE0-EFC0657F3D2D}" type="pres">
+      <dgm:prSet presAssocID="{A304E9D5-E768-DB4C-B247-3829268222BF}" presName="rootConnector" presStyleLbl="node3" presStyleIdx="8" presStyleCnt="10"/>
+      <dgm:spPr/>
+    </dgm:pt>
+    <dgm:pt modelId="{61C05B76-F9CD-B14C-8325-BBE3A4C64F6F}" type="pres">
+      <dgm:prSet presAssocID="{A304E9D5-E768-DB4C-B247-3829268222BF}" presName="hierChild4" presStyleCnt="0"/>
+      <dgm:spPr/>
+    </dgm:pt>
+    <dgm:pt modelId="{D33FA783-0B95-4244-A433-D005BA38743A}" type="pres">
+      <dgm:prSet presAssocID="{A304E9D5-E768-DB4C-B247-3829268222BF}" presName="hierChild5" presStyleCnt="0"/>
+      <dgm:spPr/>
+    </dgm:pt>
+    <dgm:pt modelId="{D039B08B-3D56-DC4F-9481-6B9548374446}" type="pres">
+      <dgm:prSet presAssocID="{78C5BD93-3EC1-9148-8EA8-2B5B74840150}" presName="Name64" presStyleLbl="parChTrans1D3" presStyleIdx="9" presStyleCnt="10"/>
+      <dgm:spPr/>
+    </dgm:pt>
+    <dgm:pt modelId="{187A49AB-FF06-4045-BD4B-C8D845D3FDD0}" type="pres">
+      <dgm:prSet presAssocID="{2047591F-B7DD-144F-8C3C-592025B9DCCF}" presName="hierRoot2" presStyleCnt="0">
+        <dgm:presLayoutVars>
+          <dgm:hierBranch val="init"/>
+        </dgm:presLayoutVars>
+      </dgm:prSet>
+      <dgm:spPr/>
+    </dgm:pt>
+    <dgm:pt modelId="{84553501-4E0A-574E-B4A1-DBF2AAE990CD}" type="pres">
+      <dgm:prSet presAssocID="{2047591F-B7DD-144F-8C3C-592025B9DCCF}" presName="rootComposite" presStyleCnt="0"/>
+      <dgm:spPr/>
+    </dgm:pt>
+    <dgm:pt modelId="{A6FC2F16-AE72-644E-9D61-E951F315940C}" type="pres">
+      <dgm:prSet presAssocID="{2047591F-B7DD-144F-8C3C-592025B9DCCF}" presName="rootText" presStyleLbl="node3" presStyleIdx="9" presStyleCnt="10">
+        <dgm:presLayoutVars>
+          <dgm:chPref val="3"/>
+        </dgm:presLayoutVars>
+      </dgm:prSet>
+      <dgm:spPr/>
+    </dgm:pt>
+    <dgm:pt modelId="{E9133B4A-77B5-2E47-A077-1F60387401E5}" type="pres">
+      <dgm:prSet presAssocID="{2047591F-B7DD-144F-8C3C-592025B9DCCF}" presName="rootConnector" presStyleLbl="node3" presStyleIdx="9" presStyleCnt="10"/>
+      <dgm:spPr/>
+    </dgm:pt>
+    <dgm:pt modelId="{ED23C65A-A185-784F-8267-F3A35AB92D5C}" type="pres">
+      <dgm:prSet presAssocID="{2047591F-B7DD-144F-8C3C-592025B9DCCF}" presName="hierChild4" presStyleCnt="0"/>
+      <dgm:spPr/>
+    </dgm:pt>
+    <dgm:pt modelId="{57287778-1589-164A-A021-516DBDF94356}" type="pres">
+      <dgm:prSet presAssocID="{2047591F-B7DD-144F-8C3C-592025B9DCCF}" presName="hierChild5" presStyleCnt="0"/>
+      <dgm:spPr/>
+    </dgm:pt>
+    <dgm:pt modelId="{4447549E-1142-CD46-805A-409539EF3B85}" type="pres">
+      <dgm:prSet presAssocID="{BFC2DC40-6F04-7442-AA44-44C724B43BD1}" presName="hierChild5" presStyleCnt="0"/>
+      <dgm:spPr/>
+    </dgm:pt>
+    <dgm:pt modelId="{9A90EB9D-A0C7-6A45-9A24-921AE20C0A5F}" type="pres">
+      <dgm:prSet presAssocID="{0E454608-A3AC-084D-872D-F0713E31589B}" presName="Name64" presStyleLbl="parChTrans1D2" presStyleIdx="2" presStyleCnt="4"/>
+      <dgm:spPr/>
+    </dgm:pt>
+    <dgm:pt modelId="{726080E9-A302-F047-9A9B-381A2FC3646B}" type="pres">
+      <dgm:prSet presAssocID="{B1743E1A-31A5-E146-BA1D-D62D705DCC06}" presName="hierRoot2" presStyleCnt="0">
+        <dgm:presLayoutVars>
+          <dgm:hierBranch val="init"/>
+        </dgm:presLayoutVars>
+      </dgm:prSet>
+      <dgm:spPr/>
+    </dgm:pt>
+    <dgm:pt modelId="{9678FE97-6CE7-5F4A-9623-A7741DD5EDE2}" type="pres">
+      <dgm:prSet presAssocID="{B1743E1A-31A5-E146-BA1D-D62D705DCC06}" presName="rootComposite" presStyleCnt="0"/>
+      <dgm:spPr/>
+    </dgm:pt>
+    <dgm:pt modelId="{E17E2194-AFF0-264A-9261-056FDCBF5F19}" type="pres">
+      <dgm:prSet presAssocID="{B1743E1A-31A5-E146-BA1D-D62D705DCC06}" presName="rootText" presStyleLbl="node2" presStyleIdx="2" presStyleCnt="4">
+        <dgm:presLayoutVars>
+          <dgm:chPref val="3"/>
+        </dgm:presLayoutVars>
+      </dgm:prSet>
+      <dgm:spPr/>
+    </dgm:pt>
+    <dgm:pt modelId="{C1119331-32A6-9944-8902-597A0BDAE918}" type="pres">
+      <dgm:prSet presAssocID="{B1743E1A-31A5-E146-BA1D-D62D705DCC06}" presName="rootConnector" presStyleLbl="node2" presStyleIdx="2" presStyleCnt="4"/>
+      <dgm:spPr/>
+    </dgm:pt>
+    <dgm:pt modelId="{7BA0DE9D-00F8-F143-A094-353C4F6EAF6C}" type="pres">
+      <dgm:prSet presAssocID="{B1743E1A-31A5-E146-BA1D-D62D705DCC06}" presName="hierChild4" presStyleCnt="0"/>
+      <dgm:spPr/>
+    </dgm:pt>
+    <dgm:pt modelId="{A9482185-E15E-4743-BC38-4B66E77D604A}" type="pres">
+      <dgm:prSet presAssocID="{B1743E1A-31A5-E146-BA1D-D62D705DCC06}" presName="hierChild5" presStyleCnt="0"/>
+      <dgm:spPr/>
+    </dgm:pt>
+    <dgm:pt modelId="{A830BCD0-4B23-6842-88B5-1CE995879896}" type="pres">
+      <dgm:prSet presAssocID="{C88C3A13-B996-7944-8CBC-48EA26040344}" presName="Name64" presStyleLbl="parChTrans1D2" presStyleIdx="3" presStyleCnt="4"/>
+      <dgm:spPr/>
+    </dgm:pt>
+    <dgm:pt modelId="{81E1F4FD-541B-B84E-9664-6B927000EFCB}" type="pres">
+      <dgm:prSet presAssocID="{55F4CC22-541B-2F49-9FD3-735905F03FFB}" presName="hierRoot2" presStyleCnt="0">
+        <dgm:presLayoutVars>
+          <dgm:hierBranch val="init"/>
+        </dgm:presLayoutVars>
+      </dgm:prSet>
+      <dgm:spPr/>
+    </dgm:pt>
+    <dgm:pt modelId="{1A69C8ED-D924-0445-BE37-D6849302529A}" type="pres">
+      <dgm:prSet presAssocID="{55F4CC22-541B-2F49-9FD3-735905F03FFB}" presName="rootComposite" presStyleCnt="0"/>
+      <dgm:spPr/>
+    </dgm:pt>
+    <dgm:pt modelId="{6EDE4353-1F91-E24B-967E-57852F44FE46}" type="pres">
+      <dgm:prSet presAssocID="{55F4CC22-541B-2F49-9FD3-735905F03FFB}" presName="rootText" presStyleLbl="node2" presStyleIdx="3" presStyleCnt="4">
+        <dgm:presLayoutVars>
+          <dgm:chPref val="3"/>
+        </dgm:presLayoutVars>
+      </dgm:prSet>
+      <dgm:spPr/>
+    </dgm:pt>
+    <dgm:pt modelId="{46A905AA-3035-B544-A88B-DD6E6B4E04B4}" type="pres">
+      <dgm:prSet presAssocID="{55F4CC22-541B-2F49-9FD3-735905F03FFB}" presName="rootConnector" presStyleLbl="node2" presStyleIdx="3" presStyleCnt="4"/>
+      <dgm:spPr/>
+    </dgm:pt>
+    <dgm:pt modelId="{047C3A14-E0CD-BF4E-A8A2-6BCDD88F20CE}" type="pres">
+      <dgm:prSet presAssocID="{55F4CC22-541B-2F49-9FD3-735905F03FFB}" presName="hierChild4" presStyleCnt="0"/>
+      <dgm:spPr/>
+    </dgm:pt>
+    <dgm:pt modelId="{BBAF439A-A4CF-9B4B-9410-867A0AE8B22B}" type="pres">
+      <dgm:prSet presAssocID="{55F4CC22-541B-2F49-9FD3-735905F03FFB}" presName="hierChild5" presStyleCnt="0"/>
+      <dgm:spPr/>
+    </dgm:pt>
+    <dgm:pt modelId="{28E534D7-6CDF-CF4B-9632-453B2A12A67F}" type="pres">
+      <dgm:prSet presAssocID="{E4E4CE3E-1BF4-E041-93F5-74697565065C}" presName="hierChild3" presStyleCnt="0"/>
+      <dgm:spPr/>
+    </dgm:pt>
+  </dgm:ptLst>
+  <dgm:cxnLst>
+    <dgm:cxn modelId="{75414C04-FAB5-1846-97BE-F311CBBCB521}" srcId="{E4E4CE3E-1BF4-E041-93F5-74697565065C}" destId="{A0667028-7798-1840-A025-A0670562F5BA}" srcOrd="0" destOrd="0" parTransId="{ACD0C6CE-0832-0445-8974-61E39E3CE86D}" sibTransId="{C4CC9644-BB81-3D4E-8CCA-9EAC3C466F10}"/>
+    <dgm:cxn modelId="{F212CB06-8282-E044-BFEE-A26FE4BEC699}" type="presOf" srcId="{B1743E1A-31A5-E146-BA1D-D62D705DCC06}" destId="{E17E2194-AFF0-264A-9261-056FDCBF5F19}" srcOrd="0" destOrd="0" presId="urn:microsoft.com/office/officeart/2009/3/layout/HorizontalOrganizationChart"/>
+    <dgm:cxn modelId="{0936030B-552D-254C-AD51-9ECAFC1D8277}" type="presOf" srcId="{C88C3A13-B996-7944-8CBC-48EA26040344}" destId="{A830BCD0-4B23-6842-88B5-1CE995879896}" srcOrd="0" destOrd="0" presId="urn:microsoft.com/office/officeart/2009/3/layout/HorizontalOrganizationChart"/>
+    <dgm:cxn modelId="{2C4C210D-A657-0548-85D2-5C21C369A900}" type="presOf" srcId="{6414325B-78F9-9940-9FF6-D040E30FFF3F}" destId="{52B10697-3178-1E48-9DB4-B2D739316648}" srcOrd="1" destOrd="0" presId="urn:microsoft.com/office/officeart/2009/3/layout/HorizontalOrganizationChart"/>
+    <dgm:cxn modelId="{C71E4B15-7A27-C448-B13A-A3D141709090}" type="presOf" srcId="{6F8E803A-91ED-0B40-9A40-E43C8863B926}" destId="{8B413848-66D2-C84C-9BF5-0C8B75714F2D}" srcOrd="1" destOrd="0" presId="urn:microsoft.com/office/officeart/2009/3/layout/HorizontalOrganizationChart"/>
+    <dgm:cxn modelId="{38C3A918-5DE5-8E48-9040-AF638A0F4096}" type="presOf" srcId="{5A14579F-E03E-1E49-B9A3-9D45D33961D7}" destId="{9F0EE1FF-44EE-C641-A347-0A7DDBF5A3EF}" srcOrd="0" destOrd="0" presId="urn:microsoft.com/office/officeart/2009/3/layout/HorizontalOrganizationChart"/>
+    <dgm:cxn modelId="{02ACD71A-794D-A54B-8C19-984DFA2135EA}" type="presOf" srcId="{864CE08D-CBC9-D442-B96F-9D2484720F18}" destId="{10A44D25-82BC-DE47-AC60-4993CDA2B97B}" srcOrd="1" destOrd="0" presId="urn:microsoft.com/office/officeart/2009/3/layout/HorizontalOrganizationChart"/>
+    <dgm:cxn modelId="{3E02491F-2636-8942-BA1C-EEB8330FE658}" type="presOf" srcId="{A304E9D5-E768-DB4C-B247-3829268222BF}" destId="{B3887A28-D2E5-354D-BFE0-EFC0657F3D2D}" srcOrd="1" destOrd="0" presId="urn:microsoft.com/office/officeart/2009/3/layout/HorizontalOrganizationChart"/>
+    <dgm:cxn modelId="{DE6C671F-306E-C14F-B82C-2F278B2D525C}" srcId="{A0667028-7798-1840-A025-A0670562F5BA}" destId="{29286D9D-DE9E-9040-9418-F0CEB887FC1E}" srcOrd="0" destOrd="0" parTransId="{5A14579F-E03E-1E49-B9A3-9D45D33961D7}" sibTransId="{8933339E-0120-8149-A102-9BCA8767D4AD}"/>
+    <dgm:cxn modelId="{C4F00925-43C8-9745-B166-66668A329796}" type="presOf" srcId="{2047591F-B7DD-144F-8C3C-592025B9DCCF}" destId="{E9133B4A-77B5-2E47-A077-1F60387401E5}" srcOrd="1" destOrd="0" presId="urn:microsoft.com/office/officeart/2009/3/layout/HorizontalOrganizationChart"/>
+    <dgm:cxn modelId="{FBD07525-F94D-F943-90A1-4CC1F4F364EE}" type="presOf" srcId="{D10E69BB-9727-DD4A-BEFE-945480D8E6F7}" destId="{8612346A-544F-E94D-9252-BC9BBDF167FE}" srcOrd="0" destOrd="0" presId="urn:microsoft.com/office/officeart/2009/3/layout/HorizontalOrganizationChart"/>
+    <dgm:cxn modelId="{94D3A726-968D-864A-BC92-DB46FCFF5552}" type="presOf" srcId="{ACD0C6CE-0832-0445-8974-61E39E3CE86D}" destId="{09DCBE88-1C1B-EE4B-BCAA-279AAC3AE7CA}" srcOrd="0" destOrd="0" presId="urn:microsoft.com/office/officeart/2009/3/layout/HorizontalOrganizationChart"/>
+    <dgm:cxn modelId="{5667BF2B-5C7A-624C-BD64-9DACD5884711}" type="presOf" srcId="{BFC2DC40-6F04-7442-AA44-44C724B43BD1}" destId="{AED4A1C1-4D3A-9C45-A389-2367CCAC043E}" srcOrd="0" destOrd="0" presId="urn:microsoft.com/office/officeart/2009/3/layout/HorizontalOrganizationChart"/>
+    <dgm:cxn modelId="{EFC47230-AFF2-A341-82A4-14A948302CD7}" srcId="{BFC2DC40-6F04-7442-AA44-44C724B43BD1}" destId="{6F8E803A-91ED-0B40-9A40-E43C8863B926}" srcOrd="0" destOrd="0" parTransId="{990B2C38-170B-6449-BFCE-754866EFA82F}" sibTransId="{04A57148-57E9-7A4C-B105-94F28BC86AAE}"/>
+    <dgm:cxn modelId="{21F9A533-A57E-E248-B81E-5911FED96129}" srcId="{F97859D6-52D2-6748-982F-78A4602A466B}" destId="{E4E4CE3E-1BF4-E041-93F5-74697565065C}" srcOrd="0" destOrd="0" parTransId="{63F930DA-59EC-8849-9AA0-3BA925E42783}" sibTransId="{9CF46CC6-210B-234A-A702-CF54B00BF116}"/>
+    <dgm:cxn modelId="{59E81036-2981-2E42-84EB-83F9FA603D34}" type="presOf" srcId="{7FCF8818-A46B-A943-B41C-6E083992B724}" destId="{A28ADB43-EE16-624E-84A9-42D9BDB8D3C1}" srcOrd="0" destOrd="0" presId="urn:microsoft.com/office/officeart/2009/3/layout/HorizontalOrganizationChart"/>
+    <dgm:cxn modelId="{5C0DC13D-BE29-7B40-93A4-14F4229D4FEE}" type="presOf" srcId="{F97859D6-52D2-6748-982F-78A4602A466B}" destId="{7CC4544C-1B3F-C24A-A2FE-292DB3E1A173}" srcOrd="0" destOrd="0" presId="urn:microsoft.com/office/officeart/2009/3/layout/HorizontalOrganizationChart"/>
+    <dgm:cxn modelId="{E2F28640-6C64-884A-B465-05EBF8EE7FBC}" srcId="{E4E4CE3E-1BF4-E041-93F5-74697565065C}" destId="{B1743E1A-31A5-E146-BA1D-D62D705DCC06}" srcOrd="2" destOrd="0" parTransId="{0E454608-A3AC-084D-872D-F0713E31589B}" sibTransId="{D6535884-E3C5-2042-AF8A-294D99D8E0EA}"/>
+    <dgm:cxn modelId="{B848C541-2347-5E47-A5C3-8A0087F7ACF1}" srcId="{E4E4CE3E-1BF4-E041-93F5-74697565065C}" destId="{55F4CC22-541B-2F49-9FD3-735905F03FFB}" srcOrd="3" destOrd="0" parTransId="{C88C3A13-B996-7944-8CBC-48EA26040344}" sibTransId="{8A815A23-EFF3-E842-8450-8F9CB480C0EA}"/>
+    <dgm:cxn modelId="{3132C943-26D0-134E-9DB4-84AEEB7F8254}" type="presOf" srcId="{990B2C38-170B-6449-BFCE-754866EFA82F}" destId="{82B51B66-2AFF-D245-A345-2B13B68E5D29}" srcOrd="0" destOrd="0" presId="urn:microsoft.com/office/officeart/2009/3/layout/HorizontalOrganizationChart"/>
+    <dgm:cxn modelId="{4E103E47-8BF5-8E4A-B6DB-2A33BE4CBB6A}" type="presOf" srcId="{E4E4CE3E-1BF4-E041-93F5-74697565065C}" destId="{356C095C-FB72-D943-9048-3448CE31D414}" srcOrd="0" destOrd="0" presId="urn:microsoft.com/office/officeart/2009/3/layout/HorizontalOrganizationChart"/>
+    <dgm:cxn modelId="{4B375250-E433-D248-AB2C-5A2A32A20328}" srcId="{E4E4CE3E-1BF4-E041-93F5-74697565065C}" destId="{BFC2DC40-6F04-7442-AA44-44C724B43BD1}" srcOrd="1" destOrd="0" parTransId="{075C97F8-CF75-0942-89BC-FCB5C0E75B98}" sibTransId="{8EDCD182-978D-AD4B-99EA-34B07A7ECC03}"/>
+    <dgm:cxn modelId="{64F0CF51-D81A-DC47-AE56-3D90F8168DE2}" srcId="{BFC2DC40-6F04-7442-AA44-44C724B43BD1}" destId="{864CE08D-CBC9-D442-B96F-9D2484720F18}" srcOrd="3" destOrd="0" parTransId="{8BB96E2C-071E-924A-AE40-D030C5F34032}" sibTransId="{95EAE92E-301C-EC45-818D-927F25B2CE11}"/>
+    <dgm:cxn modelId="{8B24835A-011D-204B-B6DC-CD631CD99303}" type="presOf" srcId="{2047591F-B7DD-144F-8C3C-592025B9DCCF}" destId="{A6FC2F16-AE72-644E-9D61-E951F315940C}" srcOrd="0" destOrd="0" presId="urn:microsoft.com/office/officeart/2009/3/layout/HorizontalOrganizationChart"/>
+    <dgm:cxn modelId="{603B1E5F-34ED-A64D-94D1-3BE9764C2E29}" type="presOf" srcId="{6F5EB8AB-29A3-4F41-8FD8-CFD1677CCED6}" destId="{5B5FEC90-E5F9-684A-8A5D-48396CE67D92}" srcOrd="0" destOrd="0" presId="urn:microsoft.com/office/officeart/2009/3/layout/HorizontalOrganizationChart"/>
+    <dgm:cxn modelId="{82FF326C-BB67-4B4A-812D-3F8658B6BCC5}" type="presOf" srcId="{F022329F-E2AC-5F44-9637-229A9AB900EF}" destId="{0F73A7CE-3C80-A94F-B4D9-BAC04101DC8E}" srcOrd="0" destOrd="0" presId="urn:microsoft.com/office/officeart/2009/3/layout/HorizontalOrganizationChart"/>
+    <dgm:cxn modelId="{F6DB246E-7D68-774E-871E-54250D146AFD}" type="presOf" srcId="{E4E4CE3E-1BF4-E041-93F5-74697565065C}" destId="{BF5F73B4-7093-FD4D-95B4-E4B2147A73B7}" srcOrd="1" destOrd="0" presId="urn:microsoft.com/office/officeart/2009/3/layout/HorizontalOrganizationChart"/>
+    <dgm:cxn modelId="{E5942076-EEF8-9D4A-8A6F-296D4909E42E}" srcId="{BFC2DC40-6F04-7442-AA44-44C724B43BD1}" destId="{2047591F-B7DD-144F-8C3C-592025B9DCCF}" srcOrd="5" destOrd="0" parTransId="{78C5BD93-3EC1-9148-8EA8-2B5B74840150}" sibTransId="{3BCF655B-DD24-3A4E-A9A9-43189283954E}"/>
+    <dgm:cxn modelId="{C2C8977B-E37C-494C-8866-F1B3C8FA69E9}" type="presOf" srcId="{A0667028-7798-1840-A025-A0670562F5BA}" destId="{BE4E37C2-ABE7-7544-9276-5CF7C3F028A3}" srcOrd="0" destOrd="0" presId="urn:microsoft.com/office/officeart/2009/3/layout/HorizontalOrganizationChart"/>
+    <dgm:cxn modelId="{016EDA82-5962-D041-8E3A-8D0406BEFB66}" type="presOf" srcId="{7FCF8818-A46B-A943-B41C-6E083992B724}" destId="{BBEEB4ED-1E40-1B40-A16E-A13F171397AA}" srcOrd="1" destOrd="0" presId="urn:microsoft.com/office/officeart/2009/3/layout/HorizontalOrganizationChart"/>
+    <dgm:cxn modelId="{E518B585-9528-8542-BD3F-9E883A269ECE}" type="presOf" srcId="{D3C31B1A-E508-7C4A-8154-A5056ACFBCF1}" destId="{E79A2066-ACED-9947-9A85-AAEFCE6CFF30}" srcOrd="0" destOrd="0" presId="urn:microsoft.com/office/officeart/2009/3/layout/HorizontalOrganizationChart"/>
+    <dgm:cxn modelId="{5294E48D-480E-9D44-A7AA-8344B719A61A}" type="presOf" srcId="{55F4CC22-541B-2F49-9FD3-735905F03FFB}" destId="{46A905AA-3035-B544-A88B-DD6E6B4E04B4}" srcOrd="1" destOrd="0" presId="urn:microsoft.com/office/officeart/2009/3/layout/HorizontalOrganizationChart"/>
+    <dgm:cxn modelId="{0E52CA8E-3154-EC42-B5A5-DF6CE01CD733}" type="presOf" srcId="{D07257A2-5C77-AA49-A0D6-A4DA9420B0F0}" destId="{86A5E7B7-38EE-334A-9163-05D395DF9C70}" srcOrd="1" destOrd="0" presId="urn:microsoft.com/office/officeart/2009/3/layout/HorizontalOrganizationChart"/>
+    <dgm:cxn modelId="{61302990-F069-1346-AC15-72D7D0E21146}" type="presOf" srcId="{8BB96E2C-071E-924A-AE40-D030C5F34032}" destId="{53781B23-6990-AB4D-AA38-23CAAB46D608}" srcOrd="0" destOrd="0" presId="urn:microsoft.com/office/officeart/2009/3/layout/HorizontalOrganizationChart"/>
+    <dgm:cxn modelId="{D9A41AA4-208D-B44A-BF69-EA8287A6D37D}" type="presOf" srcId="{3AA43AA0-31E0-264A-A668-7A93506F6ED1}" destId="{54FF68C5-0CB6-AA40-B018-830BD03C8C01}" srcOrd="0" destOrd="0" presId="urn:microsoft.com/office/officeart/2009/3/layout/HorizontalOrganizationChart"/>
+    <dgm:cxn modelId="{13297AA5-5072-194B-B965-0B9290F7509E}" type="presOf" srcId="{BFC2DC40-6F04-7442-AA44-44C724B43BD1}" destId="{FE0AB39C-0A35-914F-B7B8-10C08EC04F37}" srcOrd="1" destOrd="0" presId="urn:microsoft.com/office/officeart/2009/3/layout/HorizontalOrganizationChart"/>
+    <dgm:cxn modelId="{4D1807A9-B371-584A-B4C9-C6688C788505}" type="presOf" srcId="{55324DE9-FA24-D24B-8A71-99B005C7121A}" destId="{5477B956-E319-A846-8CFF-3B8AC49958AA}" srcOrd="1" destOrd="0" presId="urn:microsoft.com/office/officeart/2009/3/layout/HorizontalOrganizationChart"/>
+    <dgm:cxn modelId="{3F77C8AB-53B0-8642-9411-C15E75EBFA9C}" type="presOf" srcId="{55F4CC22-541B-2F49-9FD3-735905F03FFB}" destId="{6EDE4353-1F91-E24B-967E-57852F44FE46}" srcOrd="0" destOrd="0" presId="urn:microsoft.com/office/officeart/2009/3/layout/HorizontalOrganizationChart"/>
+    <dgm:cxn modelId="{4E3AE2AF-847C-934C-B19A-3551A1E39416}" srcId="{BFC2DC40-6F04-7442-AA44-44C724B43BD1}" destId="{55324DE9-FA24-D24B-8A71-99B005C7121A}" srcOrd="2" destOrd="0" parTransId="{3AA43AA0-31E0-264A-A668-7A93506F6ED1}" sibTransId="{94805AE6-8B85-0942-9407-676FB088B8D0}"/>
+    <dgm:cxn modelId="{9656F3AF-620D-7D4B-BDC8-4DB44AE26D3D}" srcId="{BFC2DC40-6F04-7442-AA44-44C724B43BD1}" destId="{6414325B-78F9-9940-9FF6-D040E30FFF3F}" srcOrd="1" destOrd="0" parTransId="{F022329F-E2AC-5F44-9637-229A9AB900EF}" sibTransId="{0D555BDC-32FA-3F46-847F-45971A647458}"/>
+    <dgm:cxn modelId="{331294B6-EEB8-1B48-87AA-24AB2CC7EB80}" type="presOf" srcId="{6414325B-78F9-9940-9FF6-D040E30FFF3F}" destId="{20309D1D-2751-7B41-B140-95B9107E74DB}" srcOrd="0" destOrd="0" presId="urn:microsoft.com/office/officeart/2009/3/layout/HorizontalOrganizationChart"/>
+    <dgm:cxn modelId="{C6FE2AC4-F8D0-4E4C-BF18-6CC36CEA3DC6}" type="presOf" srcId="{D2AEC2D3-95D1-8F46-A410-F01D58517854}" destId="{49EB833D-D25C-C045-85E1-A9A9D96C2DFF}" srcOrd="0" destOrd="0" presId="urn:microsoft.com/office/officeart/2009/3/layout/HorizontalOrganizationChart"/>
+    <dgm:cxn modelId="{3CAFC5C7-7500-A043-BB04-9E6024EA82BB}" type="presOf" srcId="{A0667028-7798-1840-A025-A0670562F5BA}" destId="{A1979585-608E-274E-9D0D-EB539AF6BDE5}" srcOrd="1" destOrd="0" presId="urn:microsoft.com/office/officeart/2009/3/layout/HorizontalOrganizationChart"/>
+    <dgm:cxn modelId="{DBDB14C9-2E6C-D145-8670-7D32D78E94E3}" type="presOf" srcId="{D07257A2-5C77-AA49-A0D6-A4DA9420B0F0}" destId="{E173E6AC-8DAE-B24A-BCFA-9988D8B8065B}" srcOrd="0" destOrd="0" presId="urn:microsoft.com/office/officeart/2009/3/layout/HorizontalOrganizationChart"/>
+    <dgm:cxn modelId="{0161ABC9-F2EC-E146-B9DA-69167C6EF36B}" srcId="{A0667028-7798-1840-A025-A0670562F5BA}" destId="{D07257A2-5C77-AA49-A0D6-A4DA9420B0F0}" srcOrd="2" destOrd="0" parTransId="{6F5EB8AB-29A3-4F41-8FD8-CFD1677CCED6}" sibTransId="{B6DB6E62-9B2B-E045-9B5E-932FFDEEDE35}"/>
+    <dgm:cxn modelId="{53E8FBC9-8BD5-3144-8087-58A6DB9CE24E}" type="presOf" srcId="{0E454608-A3AC-084D-872D-F0713E31589B}" destId="{9A90EB9D-A0C7-6A45-9A24-921AE20C0A5F}" srcOrd="0" destOrd="0" presId="urn:microsoft.com/office/officeart/2009/3/layout/HorizontalOrganizationChart"/>
+    <dgm:cxn modelId="{6AC609CB-9F1E-884F-8881-F6D337EB71DA}" type="presOf" srcId="{2B5ACCF7-568C-F041-A83B-48A7A94B3F40}" destId="{A7B15456-6DB6-2B4D-AFCA-E9A89CECE19E}" srcOrd="1" destOrd="0" presId="urn:microsoft.com/office/officeart/2009/3/layout/HorizontalOrganizationChart"/>
+    <dgm:cxn modelId="{0A82A1CB-23F4-264A-9052-CEB543C5B57A}" srcId="{A0667028-7798-1840-A025-A0670562F5BA}" destId="{2B5ACCF7-568C-F041-A83B-48A7A94B3F40}" srcOrd="3" destOrd="0" parTransId="{D3C31B1A-E508-7C4A-8154-A5056ACFBCF1}" sibTransId="{3398DB88-D264-0541-ACA3-AB78B6D1E8F8}"/>
+    <dgm:cxn modelId="{AF8CE8CD-F936-4E4E-A960-C980AA356A4F}" srcId="{BFC2DC40-6F04-7442-AA44-44C724B43BD1}" destId="{A304E9D5-E768-DB4C-B247-3829268222BF}" srcOrd="4" destOrd="0" parTransId="{D2AEC2D3-95D1-8F46-A410-F01D58517854}" sibTransId="{B0ECB1BD-9711-534D-8015-844F1CB50EDF}"/>
+    <dgm:cxn modelId="{F55C1DCF-667D-7346-8B21-3023B5E765C2}" srcId="{A0667028-7798-1840-A025-A0670562F5BA}" destId="{7FCF8818-A46B-A943-B41C-6E083992B724}" srcOrd="1" destOrd="0" parTransId="{D10E69BB-9727-DD4A-BEFE-945480D8E6F7}" sibTransId="{F17D9C95-121A-F94B-B960-BD280E39AF5A}"/>
+    <dgm:cxn modelId="{F38B78D0-95CB-7B49-AF64-C2C1A6EE37F6}" type="presOf" srcId="{29286D9D-DE9E-9040-9418-F0CEB887FC1E}" destId="{AAA048E5-75EA-104B-96EE-D44EE60D7629}" srcOrd="0" destOrd="0" presId="urn:microsoft.com/office/officeart/2009/3/layout/HorizontalOrganizationChart"/>
+    <dgm:cxn modelId="{0E2F3ED3-CADC-CC42-BB89-D663D804AA77}" type="presOf" srcId="{864CE08D-CBC9-D442-B96F-9D2484720F18}" destId="{C6CC3A7B-C7F3-1343-A7B2-7537E9DA0ECA}" srcOrd="0" destOrd="0" presId="urn:microsoft.com/office/officeart/2009/3/layout/HorizontalOrganizationChart"/>
+    <dgm:cxn modelId="{183359D6-D8EF-CD4A-B1A2-D1B7AE41D1F1}" type="presOf" srcId="{55324DE9-FA24-D24B-8A71-99B005C7121A}" destId="{184E981D-CD91-DD46-B0DD-150C675FCD0D}" srcOrd="0" destOrd="0" presId="urn:microsoft.com/office/officeart/2009/3/layout/HorizontalOrganizationChart"/>
+    <dgm:cxn modelId="{A5F869DB-4800-8543-8A80-5C50AA17ED00}" type="presOf" srcId="{29286D9D-DE9E-9040-9418-F0CEB887FC1E}" destId="{AB18AF1E-1CE6-294A-A107-21857B838078}" srcOrd="1" destOrd="0" presId="urn:microsoft.com/office/officeart/2009/3/layout/HorizontalOrganizationChart"/>
+    <dgm:cxn modelId="{939799DF-B1E8-7144-B42D-0E7B91017753}" type="presOf" srcId="{78C5BD93-3EC1-9148-8EA8-2B5B74840150}" destId="{D039B08B-3D56-DC4F-9481-6B9548374446}" srcOrd="0" destOrd="0" presId="urn:microsoft.com/office/officeart/2009/3/layout/HorizontalOrganizationChart"/>
+    <dgm:cxn modelId="{7486DEE1-E39D-D547-BE60-642C8AD82390}" type="presOf" srcId="{B1743E1A-31A5-E146-BA1D-D62D705DCC06}" destId="{C1119331-32A6-9944-8902-597A0BDAE918}" srcOrd="1" destOrd="0" presId="urn:microsoft.com/office/officeart/2009/3/layout/HorizontalOrganizationChart"/>
+    <dgm:cxn modelId="{A029EBE5-F9AE-0C48-8D62-C16D2A1222CD}" type="presOf" srcId="{A304E9D5-E768-DB4C-B247-3829268222BF}" destId="{1A0716CE-4F26-914A-A915-67EC1562A1CD}" srcOrd="0" destOrd="0" presId="urn:microsoft.com/office/officeart/2009/3/layout/HorizontalOrganizationChart"/>
+    <dgm:cxn modelId="{53DBB0E7-F9D6-3542-837B-4C0464953500}" type="presOf" srcId="{075C97F8-CF75-0942-89BC-FCB5C0E75B98}" destId="{C08CB173-731F-5945-A93B-DF374035527C}" srcOrd="0" destOrd="0" presId="urn:microsoft.com/office/officeart/2009/3/layout/HorizontalOrganizationChart"/>
+    <dgm:cxn modelId="{2C43C7EC-0821-E848-ABC4-B84448704CC6}" type="presOf" srcId="{2B5ACCF7-568C-F041-A83B-48A7A94B3F40}" destId="{B19D8845-4DEE-9F4D-9EEF-B64013E9C90E}" srcOrd="0" destOrd="0" presId="urn:microsoft.com/office/officeart/2009/3/layout/HorizontalOrganizationChart"/>
+    <dgm:cxn modelId="{7169A7F8-E66B-6546-BB5F-A2229BA2F413}" type="presOf" srcId="{6F8E803A-91ED-0B40-9A40-E43C8863B926}" destId="{243813A8-44F6-E044-BD31-1D99321E8A23}" srcOrd="0" destOrd="0" presId="urn:microsoft.com/office/officeart/2009/3/layout/HorizontalOrganizationChart"/>
+    <dgm:cxn modelId="{E93BCEC0-877E-E343-B965-573259D12995}" type="presParOf" srcId="{7CC4544C-1B3F-C24A-A2FE-292DB3E1A173}" destId="{72472755-2C07-DF46-BA87-244CAB76E099}" srcOrd="0" destOrd="0" presId="urn:microsoft.com/office/officeart/2009/3/layout/HorizontalOrganizationChart"/>
+    <dgm:cxn modelId="{DC388CB1-F70F-884F-B8EF-BBE5EAFEEE3B}" type="presParOf" srcId="{72472755-2C07-DF46-BA87-244CAB76E099}" destId="{2BE00BE8-3EA5-F148-B80A-A56AFC260B1C}" srcOrd="0" destOrd="0" presId="urn:microsoft.com/office/officeart/2009/3/layout/HorizontalOrganizationChart"/>
+    <dgm:cxn modelId="{337580F7-86B9-8D41-8654-57F532C2BD80}" type="presParOf" srcId="{2BE00BE8-3EA5-F148-B80A-A56AFC260B1C}" destId="{356C095C-FB72-D943-9048-3448CE31D414}" srcOrd="0" destOrd="0" presId="urn:microsoft.com/office/officeart/2009/3/layout/HorizontalOrganizationChart"/>
+    <dgm:cxn modelId="{C3F4357D-D7C3-4941-B911-1B3CB69217E0}" type="presParOf" srcId="{2BE00BE8-3EA5-F148-B80A-A56AFC260B1C}" destId="{BF5F73B4-7093-FD4D-95B4-E4B2147A73B7}" srcOrd="1" destOrd="0" presId="urn:microsoft.com/office/officeart/2009/3/layout/HorizontalOrganizationChart"/>
+    <dgm:cxn modelId="{78CA9BBD-009E-2B46-898C-C4EE6F67BA52}" type="presParOf" srcId="{72472755-2C07-DF46-BA87-244CAB76E099}" destId="{7F1A73A7-EDA1-E049-AA13-B0377539EE2E}" srcOrd="1" destOrd="0" presId="urn:microsoft.com/office/officeart/2009/3/layout/HorizontalOrganizationChart"/>
+    <dgm:cxn modelId="{C5047D60-69E5-5D49-BCD4-63910115C1F3}" type="presParOf" srcId="{7F1A73A7-EDA1-E049-AA13-B0377539EE2E}" destId="{09DCBE88-1C1B-EE4B-BCAA-279AAC3AE7CA}" srcOrd="0" destOrd="0" presId="urn:microsoft.com/office/officeart/2009/3/layout/HorizontalOrganizationChart"/>
+    <dgm:cxn modelId="{3C039863-E497-B441-BDF6-DDAAB8CAD280}" type="presParOf" srcId="{7F1A73A7-EDA1-E049-AA13-B0377539EE2E}" destId="{2AFACA9B-0B5A-344E-8A78-E9623FECCA1F}" srcOrd="1" destOrd="0" presId="urn:microsoft.com/office/officeart/2009/3/layout/HorizontalOrganizationChart"/>
+    <dgm:cxn modelId="{5DBB6E23-74AC-8F48-8786-031D96DDE54A}" type="presParOf" srcId="{2AFACA9B-0B5A-344E-8A78-E9623FECCA1F}" destId="{A3A77AF6-A922-0048-8291-04F506E3CA85}" srcOrd="0" destOrd="0" presId="urn:microsoft.com/office/officeart/2009/3/layout/HorizontalOrganizationChart"/>
+    <dgm:cxn modelId="{E8E54AE0-0571-6D4B-ABDE-C5C5BBC19CE5}" type="presParOf" srcId="{A3A77AF6-A922-0048-8291-04F506E3CA85}" destId="{BE4E37C2-ABE7-7544-9276-5CF7C3F028A3}" srcOrd="0" destOrd="0" presId="urn:microsoft.com/office/officeart/2009/3/layout/HorizontalOrganizationChart"/>
+    <dgm:cxn modelId="{CCF9AF56-2D6B-574C-8D07-808E0A4A91AD}" type="presParOf" srcId="{A3A77AF6-A922-0048-8291-04F506E3CA85}" destId="{A1979585-608E-274E-9D0D-EB539AF6BDE5}" srcOrd="1" destOrd="0" presId="urn:microsoft.com/office/officeart/2009/3/layout/HorizontalOrganizationChart"/>
+    <dgm:cxn modelId="{F6140C0D-BD55-0247-B015-EFF4D17205DB}" type="presParOf" srcId="{2AFACA9B-0B5A-344E-8A78-E9623FECCA1F}" destId="{F400E7CC-C93E-DB4A-8100-CA377BAB5332}" srcOrd="1" destOrd="0" presId="urn:microsoft.com/office/officeart/2009/3/layout/HorizontalOrganizationChart"/>
+    <dgm:cxn modelId="{6BFB043E-8629-3047-9857-149F1617BFA8}" type="presParOf" srcId="{F400E7CC-C93E-DB4A-8100-CA377BAB5332}" destId="{9F0EE1FF-44EE-C641-A347-0A7DDBF5A3EF}" srcOrd="0" destOrd="0" presId="urn:microsoft.com/office/officeart/2009/3/layout/HorizontalOrganizationChart"/>
+    <dgm:cxn modelId="{A13A47C1-442C-9A46-A2BB-2FF940E48860}" type="presParOf" srcId="{F400E7CC-C93E-DB4A-8100-CA377BAB5332}" destId="{F69FD5FC-7B85-8C4E-8BAE-3DC07C59AD19}" srcOrd="1" destOrd="0" presId="urn:microsoft.com/office/officeart/2009/3/layout/HorizontalOrganizationChart"/>
+    <dgm:cxn modelId="{7825C0BE-B200-6347-994D-6FCED8536720}" type="presParOf" srcId="{F69FD5FC-7B85-8C4E-8BAE-3DC07C59AD19}" destId="{2C8E10B6-FB09-2149-BF31-F9742C6A7D0B}" srcOrd="0" destOrd="0" presId="urn:microsoft.com/office/officeart/2009/3/layout/HorizontalOrganizationChart"/>
+    <dgm:cxn modelId="{D6C1240C-15D4-1F45-8D59-61565EACCA7D}" type="presParOf" srcId="{2C8E10B6-FB09-2149-BF31-F9742C6A7D0B}" destId="{AAA048E5-75EA-104B-96EE-D44EE60D7629}" srcOrd="0" destOrd="0" presId="urn:microsoft.com/office/officeart/2009/3/layout/HorizontalOrganizationChart"/>
+    <dgm:cxn modelId="{80FCE1BB-8084-E647-8457-1F6CDFB446BE}" type="presParOf" srcId="{2C8E10B6-FB09-2149-BF31-F9742C6A7D0B}" destId="{AB18AF1E-1CE6-294A-A107-21857B838078}" srcOrd="1" destOrd="0" presId="urn:microsoft.com/office/officeart/2009/3/layout/HorizontalOrganizationChart"/>
+    <dgm:cxn modelId="{E6A4F000-25B7-1D45-B937-22CD06ED4673}" type="presParOf" srcId="{F69FD5FC-7B85-8C4E-8BAE-3DC07C59AD19}" destId="{72F2C24E-52D3-2844-A935-E6FDEC1BD896}" srcOrd="1" destOrd="0" presId="urn:microsoft.com/office/officeart/2009/3/layout/HorizontalOrganizationChart"/>
+    <dgm:cxn modelId="{B139AB19-56BC-024D-AE0D-8245ACD6FAD0}" type="presParOf" srcId="{F69FD5FC-7B85-8C4E-8BAE-3DC07C59AD19}" destId="{0C5A8575-E94B-334A-BD5E-3EBDB215349D}" srcOrd="2" destOrd="0" presId="urn:microsoft.com/office/officeart/2009/3/layout/HorizontalOrganizationChart"/>
+    <dgm:cxn modelId="{7020BF4B-5066-AA48-A44E-BF1C4E6AC28C}" type="presParOf" srcId="{F400E7CC-C93E-DB4A-8100-CA377BAB5332}" destId="{8612346A-544F-E94D-9252-BC9BBDF167FE}" srcOrd="2" destOrd="0" presId="urn:microsoft.com/office/officeart/2009/3/layout/HorizontalOrganizationChart"/>
+    <dgm:cxn modelId="{50898485-F8E5-2241-ACC8-04146E90554D}" type="presParOf" srcId="{F400E7CC-C93E-DB4A-8100-CA377BAB5332}" destId="{EEC1108A-6DD0-1B4B-A3D4-64B87B9AFEEE}" srcOrd="3" destOrd="0" presId="urn:microsoft.com/office/officeart/2009/3/layout/HorizontalOrganizationChart"/>
+    <dgm:cxn modelId="{4C812759-0F30-224C-9510-8A26A4B3EE1D}" type="presParOf" srcId="{EEC1108A-6DD0-1B4B-A3D4-64B87B9AFEEE}" destId="{6F783758-04C2-9346-95CD-B95B1713EB6E}" srcOrd="0" destOrd="0" presId="urn:microsoft.com/office/officeart/2009/3/layout/HorizontalOrganizationChart"/>
+    <dgm:cxn modelId="{FBA2D838-8145-9B4B-A228-B9FDCF6BDE52}" type="presParOf" srcId="{6F783758-04C2-9346-95CD-B95B1713EB6E}" destId="{A28ADB43-EE16-624E-84A9-42D9BDB8D3C1}" srcOrd="0" destOrd="0" presId="urn:microsoft.com/office/officeart/2009/3/layout/HorizontalOrganizationChart"/>
+    <dgm:cxn modelId="{21A7A4EA-5661-E64D-B17F-82F0F3ECD225}" type="presParOf" srcId="{6F783758-04C2-9346-95CD-B95B1713EB6E}" destId="{BBEEB4ED-1E40-1B40-A16E-A13F171397AA}" srcOrd="1" destOrd="0" presId="urn:microsoft.com/office/officeart/2009/3/layout/HorizontalOrganizationChart"/>
+    <dgm:cxn modelId="{C655BE48-CF2C-7F4A-AE41-B4400F10E635}" type="presParOf" srcId="{EEC1108A-6DD0-1B4B-A3D4-64B87B9AFEEE}" destId="{B8256CA5-8613-1A4C-81A2-84F135F908BC}" srcOrd="1" destOrd="0" presId="urn:microsoft.com/office/officeart/2009/3/layout/HorizontalOrganizationChart"/>
+    <dgm:cxn modelId="{116D5955-3A23-CF40-B939-13AC5C325C8A}" type="presParOf" srcId="{EEC1108A-6DD0-1B4B-A3D4-64B87B9AFEEE}" destId="{69D77B89-79FA-1D4A-942A-57776AAA72F6}" srcOrd="2" destOrd="0" presId="urn:microsoft.com/office/officeart/2009/3/layout/HorizontalOrganizationChart"/>
+    <dgm:cxn modelId="{1762E9E6-B30D-EF43-9532-2087E743024C}" type="presParOf" srcId="{F400E7CC-C93E-DB4A-8100-CA377BAB5332}" destId="{5B5FEC90-E5F9-684A-8A5D-48396CE67D92}" srcOrd="4" destOrd="0" presId="urn:microsoft.com/office/officeart/2009/3/layout/HorizontalOrganizationChart"/>
+    <dgm:cxn modelId="{7CFAF58D-2D90-6D4B-92BD-0E04BD81C004}" type="presParOf" srcId="{F400E7CC-C93E-DB4A-8100-CA377BAB5332}" destId="{EFCE4688-FCE0-984A-A448-0025ED759E42}" srcOrd="5" destOrd="0" presId="urn:microsoft.com/office/officeart/2009/3/layout/HorizontalOrganizationChart"/>
+    <dgm:cxn modelId="{E1F07A22-6773-3545-9AB9-583C8F819E3B}" type="presParOf" srcId="{EFCE4688-FCE0-984A-A448-0025ED759E42}" destId="{C8EBD719-88D3-E848-B42A-35AE5822157B}" srcOrd="0" destOrd="0" presId="urn:microsoft.com/office/officeart/2009/3/layout/HorizontalOrganizationChart"/>
+    <dgm:cxn modelId="{B65E8F0B-AACD-7449-BC95-9721010B64E4}" type="presParOf" srcId="{C8EBD719-88D3-E848-B42A-35AE5822157B}" destId="{E173E6AC-8DAE-B24A-BCFA-9988D8B8065B}" srcOrd="0" destOrd="0" presId="urn:microsoft.com/office/officeart/2009/3/layout/HorizontalOrganizationChart"/>
+    <dgm:cxn modelId="{C5713A5F-2A39-3C41-AAD8-40AAA60DE797}" type="presParOf" srcId="{C8EBD719-88D3-E848-B42A-35AE5822157B}" destId="{86A5E7B7-38EE-334A-9163-05D395DF9C70}" srcOrd="1" destOrd="0" presId="urn:microsoft.com/office/officeart/2009/3/layout/HorizontalOrganizationChart"/>
+    <dgm:cxn modelId="{2432F803-BC3F-CE4A-8581-4E8CF74F84F9}" type="presParOf" srcId="{EFCE4688-FCE0-984A-A448-0025ED759E42}" destId="{D6D42341-D9BB-1E4B-B0C1-19CBA1CAF023}" srcOrd="1" destOrd="0" presId="urn:microsoft.com/office/officeart/2009/3/layout/HorizontalOrganizationChart"/>
+    <dgm:cxn modelId="{627F1DD0-AAFF-1245-8199-8029D766CF92}" type="presParOf" srcId="{EFCE4688-FCE0-984A-A448-0025ED759E42}" destId="{6872850A-0377-F94A-9141-7F596FF999FB}" srcOrd="2" destOrd="0" presId="urn:microsoft.com/office/officeart/2009/3/layout/HorizontalOrganizationChart"/>
+    <dgm:cxn modelId="{CFB24414-7454-E24D-B56B-33B5D016ED5C}" type="presParOf" srcId="{F400E7CC-C93E-DB4A-8100-CA377BAB5332}" destId="{E79A2066-ACED-9947-9A85-AAEFCE6CFF30}" srcOrd="6" destOrd="0" presId="urn:microsoft.com/office/officeart/2009/3/layout/HorizontalOrganizationChart"/>
+    <dgm:cxn modelId="{03D88F50-13C7-3544-BA88-3F4A899E7587}" type="presParOf" srcId="{F400E7CC-C93E-DB4A-8100-CA377BAB5332}" destId="{35786CBE-00F6-B845-9C5F-89D9EB7439D5}" srcOrd="7" destOrd="0" presId="urn:microsoft.com/office/officeart/2009/3/layout/HorizontalOrganizationChart"/>
+    <dgm:cxn modelId="{77E0F056-F8E0-5147-9E15-675501B10F39}" type="presParOf" srcId="{35786CBE-00F6-B845-9C5F-89D9EB7439D5}" destId="{FDC54FD7-6A4C-3E4E-8F57-C89ED4A4EFB9}" srcOrd="0" destOrd="0" presId="urn:microsoft.com/office/officeart/2009/3/layout/HorizontalOrganizationChart"/>
+    <dgm:cxn modelId="{9A513469-B4BF-6040-A623-6026C4204003}" type="presParOf" srcId="{FDC54FD7-6A4C-3E4E-8F57-C89ED4A4EFB9}" destId="{B19D8845-4DEE-9F4D-9EEF-B64013E9C90E}" srcOrd="0" destOrd="0" presId="urn:microsoft.com/office/officeart/2009/3/layout/HorizontalOrganizationChart"/>
+    <dgm:cxn modelId="{D1E460EA-12D5-E84F-AA0A-ED8C687018F9}" type="presParOf" srcId="{FDC54FD7-6A4C-3E4E-8F57-C89ED4A4EFB9}" destId="{A7B15456-6DB6-2B4D-AFCA-E9A89CECE19E}" srcOrd="1" destOrd="0" presId="urn:microsoft.com/office/officeart/2009/3/layout/HorizontalOrganizationChart"/>
+    <dgm:cxn modelId="{6F71BE04-9462-F94F-80B5-A41EC2501664}" type="presParOf" srcId="{35786CBE-00F6-B845-9C5F-89D9EB7439D5}" destId="{F19D01E6-4C9E-B54B-8056-28E00F4CAA44}" srcOrd="1" destOrd="0" presId="urn:microsoft.com/office/officeart/2009/3/layout/HorizontalOrganizationChart"/>
+    <dgm:cxn modelId="{E6932026-C487-D642-8C3C-ED00AF6C48F0}" type="presParOf" srcId="{35786CBE-00F6-B845-9C5F-89D9EB7439D5}" destId="{20931497-B225-A24B-B047-104A97FE4DD5}" srcOrd="2" destOrd="0" presId="urn:microsoft.com/office/officeart/2009/3/layout/HorizontalOrganizationChart"/>
+    <dgm:cxn modelId="{FB387457-6E1D-1547-81CE-09C851D4A236}" type="presParOf" srcId="{2AFACA9B-0B5A-344E-8A78-E9623FECCA1F}" destId="{94C2B265-0184-D348-B000-0AD24CEB5E90}" srcOrd="2" destOrd="0" presId="urn:microsoft.com/office/officeart/2009/3/layout/HorizontalOrganizationChart"/>
+    <dgm:cxn modelId="{EC9B93B5-7FAE-E349-A33D-B271A4179325}" type="presParOf" srcId="{7F1A73A7-EDA1-E049-AA13-B0377539EE2E}" destId="{C08CB173-731F-5945-A93B-DF374035527C}" srcOrd="2" destOrd="0" presId="urn:microsoft.com/office/officeart/2009/3/layout/HorizontalOrganizationChart"/>
+    <dgm:cxn modelId="{540B0D31-7C89-124E-B5EA-BD4D69330024}" type="presParOf" srcId="{7F1A73A7-EDA1-E049-AA13-B0377539EE2E}" destId="{E98860E8-4015-4A49-ACD8-1520C159D7FD}" srcOrd="3" destOrd="0" presId="urn:microsoft.com/office/officeart/2009/3/layout/HorizontalOrganizationChart"/>
+    <dgm:cxn modelId="{978C1502-076C-0649-802E-70039F67999A}" type="presParOf" srcId="{E98860E8-4015-4A49-ACD8-1520C159D7FD}" destId="{1EA7F654-C6A6-384B-A1A6-D4ED2790B14C}" srcOrd="0" destOrd="0" presId="urn:microsoft.com/office/officeart/2009/3/layout/HorizontalOrganizationChart"/>
+    <dgm:cxn modelId="{DF2DDC43-A247-1C47-B45B-E654E8E07DFD}" type="presParOf" srcId="{1EA7F654-C6A6-384B-A1A6-D4ED2790B14C}" destId="{AED4A1C1-4D3A-9C45-A389-2367CCAC043E}" srcOrd="0" destOrd="0" presId="urn:microsoft.com/office/officeart/2009/3/layout/HorizontalOrganizationChart"/>
+    <dgm:cxn modelId="{BB9BEAA5-8E89-AC4F-AE73-249F649DDF2C}" type="presParOf" srcId="{1EA7F654-C6A6-384B-A1A6-D4ED2790B14C}" destId="{FE0AB39C-0A35-914F-B7B8-10C08EC04F37}" srcOrd="1" destOrd="0" presId="urn:microsoft.com/office/officeart/2009/3/layout/HorizontalOrganizationChart"/>
+    <dgm:cxn modelId="{B53D26A3-2DAF-5848-B1A0-0F3CAF2C5CA3}" type="presParOf" srcId="{E98860E8-4015-4A49-ACD8-1520C159D7FD}" destId="{374FC986-280D-8A4A-9DAD-28578F9AF02E}" srcOrd="1" destOrd="0" presId="urn:microsoft.com/office/officeart/2009/3/layout/HorizontalOrganizationChart"/>
+    <dgm:cxn modelId="{0D818241-D5B5-C143-8439-45C43A250E55}" type="presParOf" srcId="{374FC986-280D-8A4A-9DAD-28578F9AF02E}" destId="{82B51B66-2AFF-D245-A345-2B13B68E5D29}" srcOrd="0" destOrd="0" presId="urn:microsoft.com/office/officeart/2009/3/layout/HorizontalOrganizationChart"/>
+    <dgm:cxn modelId="{38B210EC-D54E-3F44-A858-686F8FCEC713}" type="presParOf" srcId="{374FC986-280D-8A4A-9DAD-28578F9AF02E}" destId="{E7082BA8-6B7D-CE4F-852E-19413358837A}" srcOrd="1" destOrd="0" presId="urn:microsoft.com/office/officeart/2009/3/layout/HorizontalOrganizationChart"/>
+    <dgm:cxn modelId="{02542825-57EF-6B4B-9A02-C2197642FFB3}" type="presParOf" srcId="{E7082BA8-6B7D-CE4F-852E-19413358837A}" destId="{22894AE1-EB1E-784D-AC7C-87A0719251AC}" srcOrd="0" destOrd="0" presId="urn:microsoft.com/office/officeart/2009/3/layout/HorizontalOrganizationChart"/>
+    <dgm:cxn modelId="{8FB2E0CE-8FD9-2545-A0F2-CDE8100DF6AD}" type="presParOf" srcId="{22894AE1-EB1E-784D-AC7C-87A0719251AC}" destId="{243813A8-44F6-E044-BD31-1D99321E8A23}" srcOrd="0" destOrd="0" presId="urn:microsoft.com/office/officeart/2009/3/layout/HorizontalOrganizationChart"/>
+    <dgm:cxn modelId="{61BB2981-B766-A046-BC3A-7A6505A7263C}" type="presParOf" srcId="{22894AE1-EB1E-784D-AC7C-87A0719251AC}" destId="{8B413848-66D2-C84C-9BF5-0C8B75714F2D}" srcOrd="1" destOrd="0" presId="urn:microsoft.com/office/officeart/2009/3/layout/HorizontalOrganizationChart"/>
+    <dgm:cxn modelId="{F8FF9B0C-9E8F-DF42-BC85-C21E74380DCF}" type="presParOf" srcId="{E7082BA8-6B7D-CE4F-852E-19413358837A}" destId="{7ECF6CC1-2A90-274C-99E6-C46548D62922}" srcOrd="1" destOrd="0" presId="urn:microsoft.com/office/officeart/2009/3/layout/HorizontalOrganizationChart"/>
+    <dgm:cxn modelId="{DE7AA0CA-91D3-DA4D-AE27-B9BB575D5CEB}" type="presParOf" srcId="{E7082BA8-6B7D-CE4F-852E-19413358837A}" destId="{8A8A1FC5-EB3D-334C-A130-1C52571F2307}" srcOrd="2" destOrd="0" presId="urn:microsoft.com/office/officeart/2009/3/layout/HorizontalOrganizationChart"/>
+    <dgm:cxn modelId="{D9DBD383-6D56-AF4A-A56F-670A0FED0D64}" type="presParOf" srcId="{374FC986-280D-8A4A-9DAD-28578F9AF02E}" destId="{0F73A7CE-3C80-A94F-B4D9-BAC04101DC8E}" srcOrd="2" destOrd="0" presId="urn:microsoft.com/office/officeart/2009/3/layout/HorizontalOrganizationChart"/>
+    <dgm:cxn modelId="{8645F909-BDC5-3447-98D0-E47906D446A2}" type="presParOf" srcId="{374FC986-280D-8A4A-9DAD-28578F9AF02E}" destId="{986542A5-B372-044C-B04B-23A9DF616A93}" srcOrd="3" destOrd="0" presId="urn:microsoft.com/office/officeart/2009/3/layout/HorizontalOrganizationChart"/>
+    <dgm:cxn modelId="{0519D2C5-EDDA-0E45-8719-5D885F94D38E}" type="presParOf" srcId="{986542A5-B372-044C-B04B-23A9DF616A93}" destId="{9983E1A0-68B3-F841-85ED-B7B8AB0E2BBB}" srcOrd="0" destOrd="0" presId="urn:microsoft.com/office/officeart/2009/3/layout/HorizontalOrganizationChart"/>
+    <dgm:cxn modelId="{DF4FC937-18AB-4B46-BB3D-999B414FA1AF}" type="presParOf" srcId="{9983E1A0-68B3-F841-85ED-B7B8AB0E2BBB}" destId="{20309D1D-2751-7B41-B140-95B9107E74DB}" srcOrd="0" destOrd="0" presId="urn:microsoft.com/office/officeart/2009/3/layout/HorizontalOrganizationChart"/>
+    <dgm:cxn modelId="{CF7A6D97-1D5B-BE43-9468-CA844F1987B2}" type="presParOf" srcId="{9983E1A0-68B3-F841-85ED-B7B8AB0E2BBB}" destId="{52B10697-3178-1E48-9DB4-B2D739316648}" srcOrd="1" destOrd="0" presId="urn:microsoft.com/office/officeart/2009/3/layout/HorizontalOrganizationChart"/>
+    <dgm:cxn modelId="{50B1707C-F8CF-FB46-BD38-1383E17EBEC4}" type="presParOf" srcId="{986542A5-B372-044C-B04B-23A9DF616A93}" destId="{B539A4C6-8E59-5D43-8D67-EB03D59A8AA1}" srcOrd="1" destOrd="0" presId="urn:microsoft.com/office/officeart/2009/3/layout/HorizontalOrganizationChart"/>
+    <dgm:cxn modelId="{683D4387-945F-9E47-AACD-848F3122F5B4}" type="presParOf" srcId="{986542A5-B372-044C-B04B-23A9DF616A93}" destId="{D80A51C8-4265-D344-A88B-1D8149B393B0}" srcOrd="2" destOrd="0" presId="urn:microsoft.com/office/officeart/2009/3/layout/HorizontalOrganizationChart"/>
+    <dgm:cxn modelId="{13163CE7-F39B-9E44-BA38-7AB57F2FFB76}" type="presParOf" srcId="{374FC986-280D-8A4A-9DAD-28578F9AF02E}" destId="{54FF68C5-0CB6-AA40-B018-830BD03C8C01}" srcOrd="4" destOrd="0" presId="urn:microsoft.com/office/officeart/2009/3/layout/HorizontalOrganizationChart"/>
+    <dgm:cxn modelId="{F05641F0-F099-2E41-905C-756A25502584}" type="presParOf" srcId="{374FC986-280D-8A4A-9DAD-28578F9AF02E}" destId="{B4223979-98C5-4E48-AD60-30373655C981}" srcOrd="5" destOrd="0" presId="urn:microsoft.com/office/officeart/2009/3/layout/HorizontalOrganizationChart"/>
+    <dgm:cxn modelId="{3E59A05C-F7FF-1A43-A425-369B4C4A8DFF}" type="presParOf" srcId="{B4223979-98C5-4E48-AD60-30373655C981}" destId="{DCD1D4A5-60F4-4F46-B7F8-B41BC62962C6}" srcOrd="0" destOrd="0" presId="urn:microsoft.com/office/officeart/2009/3/layout/HorizontalOrganizationChart"/>
+    <dgm:cxn modelId="{EB0FF265-5B0D-4F45-82CD-A5DDF98D4440}" type="presParOf" srcId="{DCD1D4A5-60F4-4F46-B7F8-B41BC62962C6}" destId="{184E981D-CD91-DD46-B0DD-150C675FCD0D}" srcOrd="0" destOrd="0" presId="urn:microsoft.com/office/officeart/2009/3/layout/HorizontalOrganizationChart"/>
+    <dgm:cxn modelId="{EBC214FF-DFF7-6A44-906B-D0DE5BA1B87F}" type="presParOf" srcId="{DCD1D4A5-60F4-4F46-B7F8-B41BC62962C6}" destId="{5477B956-E319-A846-8CFF-3B8AC49958AA}" srcOrd="1" destOrd="0" presId="urn:microsoft.com/office/officeart/2009/3/layout/HorizontalOrganizationChart"/>
+    <dgm:cxn modelId="{8FE2CF1A-7B7B-8843-AABA-89CD3BEEDFBC}" type="presParOf" srcId="{B4223979-98C5-4E48-AD60-30373655C981}" destId="{61FB79D7-E78C-724C-AD96-8EBDFFA23A1D}" srcOrd="1" destOrd="0" presId="urn:microsoft.com/office/officeart/2009/3/layout/HorizontalOrganizationChart"/>
+    <dgm:cxn modelId="{C28C717A-5F82-7F41-B98B-4EA9E49B86F5}" type="presParOf" srcId="{B4223979-98C5-4E48-AD60-30373655C981}" destId="{EA0E0555-4037-8446-921A-037349837913}" srcOrd="2" destOrd="0" presId="urn:microsoft.com/office/officeart/2009/3/layout/HorizontalOrganizationChart"/>
+    <dgm:cxn modelId="{D76D8CD3-822F-D74F-AE36-8709800679F4}" type="presParOf" srcId="{374FC986-280D-8A4A-9DAD-28578F9AF02E}" destId="{53781B23-6990-AB4D-AA38-23CAAB46D608}" srcOrd="6" destOrd="0" presId="urn:microsoft.com/office/officeart/2009/3/layout/HorizontalOrganizationChart"/>
+    <dgm:cxn modelId="{FD5C16D0-8547-1242-A0F4-500602AF98B7}" type="presParOf" srcId="{374FC986-280D-8A4A-9DAD-28578F9AF02E}" destId="{77E37087-390E-F643-99E8-AAB450BBDF41}" srcOrd="7" destOrd="0" presId="urn:microsoft.com/office/officeart/2009/3/layout/HorizontalOrganizationChart"/>
+    <dgm:cxn modelId="{F92937F8-D90C-3F44-98DA-DAA3E5F6053D}" type="presParOf" srcId="{77E37087-390E-F643-99E8-AAB450BBDF41}" destId="{04C87E22-1814-A547-A622-EF8404192FF1}" srcOrd="0" destOrd="0" presId="urn:microsoft.com/office/officeart/2009/3/layout/HorizontalOrganizationChart"/>
+    <dgm:cxn modelId="{A614EC38-76FC-6340-BBC8-02501FC903A4}" type="presParOf" srcId="{04C87E22-1814-A547-A622-EF8404192FF1}" destId="{C6CC3A7B-C7F3-1343-A7B2-7537E9DA0ECA}" srcOrd="0" destOrd="0" presId="urn:microsoft.com/office/officeart/2009/3/layout/HorizontalOrganizationChart"/>
+    <dgm:cxn modelId="{8B7FC67D-3682-A04C-AD0E-7B588DC3E7EE}" type="presParOf" srcId="{04C87E22-1814-A547-A622-EF8404192FF1}" destId="{10A44D25-82BC-DE47-AC60-4993CDA2B97B}" srcOrd="1" destOrd="0" presId="urn:microsoft.com/office/officeart/2009/3/layout/HorizontalOrganizationChart"/>
+    <dgm:cxn modelId="{237034D7-8CAF-0D44-9DC7-9BAC9AE37013}" type="presParOf" srcId="{77E37087-390E-F643-99E8-AAB450BBDF41}" destId="{AA87878E-5136-634D-81E2-390C6C862454}" srcOrd="1" destOrd="0" presId="urn:microsoft.com/office/officeart/2009/3/layout/HorizontalOrganizationChart"/>
+    <dgm:cxn modelId="{18C319DA-346F-B546-8A6E-399B805BA4DF}" type="presParOf" srcId="{77E37087-390E-F643-99E8-AAB450BBDF41}" destId="{E216336F-178F-5841-B690-8F912F729019}" srcOrd="2" destOrd="0" presId="urn:microsoft.com/office/officeart/2009/3/layout/HorizontalOrganizationChart"/>
+    <dgm:cxn modelId="{1DA381E5-936A-914B-835C-68EF007CF072}" type="presParOf" srcId="{374FC986-280D-8A4A-9DAD-28578F9AF02E}" destId="{49EB833D-D25C-C045-85E1-A9A9D96C2DFF}" srcOrd="8" destOrd="0" presId="urn:microsoft.com/office/officeart/2009/3/layout/HorizontalOrganizationChart"/>
+    <dgm:cxn modelId="{359489D9-DE02-DD47-97B5-8A7D067BE529}" type="presParOf" srcId="{374FC986-280D-8A4A-9DAD-28578F9AF02E}" destId="{F2981F1E-4129-6B46-A42A-6D1A190FFB2F}" srcOrd="9" destOrd="0" presId="urn:microsoft.com/office/officeart/2009/3/layout/HorizontalOrganizationChart"/>
+    <dgm:cxn modelId="{EB9D4FDE-80EE-EA40-AE67-89203F5724C5}" type="presParOf" srcId="{F2981F1E-4129-6B46-A42A-6D1A190FFB2F}" destId="{C56BBCC9-91F1-A64C-8729-EA1B17E260A9}" srcOrd="0" destOrd="0" presId="urn:microsoft.com/office/officeart/2009/3/layout/HorizontalOrganizationChart"/>
+    <dgm:cxn modelId="{42AC55C9-EA04-F949-97D3-AEEAA8500953}" type="presParOf" srcId="{C56BBCC9-91F1-A64C-8729-EA1B17E260A9}" destId="{1A0716CE-4F26-914A-A915-67EC1562A1CD}" srcOrd="0" destOrd="0" presId="urn:microsoft.com/office/officeart/2009/3/layout/HorizontalOrganizationChart"/>
+    <dgm:cxn modelId="{4BB84FF2-6EAA-004E-8282-FF7C06B9A24A}" type="presParOf" srcId="{C56BBCC9-91F1-A64C-8729-EA1B17E260A9}" destId="{B3887A28-D2E5-354D-BFE0-EFC0657F3D2D}" srcOrd="1" destOrd="0" presId="urn:microsoft.com/office/officeart/2009/3/layout/HorizontalOrganizationChart"/>
+    <dgm:cxn modelId="{A7FD02D2-5095-DD4B-87AA-2DFAF9F04189}" type="presParOf" srcId="{F2981F1E-4129-6B46-A42A-6D1A190FFB2F}" destId="{61C05B76-F9CD-B14C-8325-BBE3A4C64F6F}" srcOrd="1" destOrd="0" presId="urn:microsoft.com/office/officeart/2009/3/layout/HorizontalOrganizationChart"/>
+    <dgm:cxn modelId="{B05631F1-6A29-314A-8E0E-3ACB02696E9E}" type="presParOf" srcId="{F2981F1E-4129-6B46-A42A-6D1A190FFB2F}" destId="{D33FA783-0B95-4244-A433-D005BA38743A}" srcOrd="2" destOrd="0" presId="urn:microsoft.com/office/officeart/2009/3/layout/HorizontalOrganizationChart"/>
+    <dgm:cxn modelId="{523AFCCB-A9B5-474A-B539-1D4A8EBEAE43}" type="presParOf" srcId="{374FC986-280D-8A4A-9DAD-28578F9AF02E}" destId="{D039B08B-3D56-DC4F-9481-6B9548374446}" srcOrd="10" destOrd="0" presId="urn:microsoft.com/office/officeart/2009/3/layout/HorizontalOrganizationChart"/>
+    <dgm:cxn modelId="{5FE95C99-492F-CB4D-B3EF-05E6A8BD1637}" type="presParOf" srcId="{374FC986-280D-8A4A-9DAD-28578F9AF02E}" destId="{187A49AB-FF06-4045-BD4B-C8D845D3FDD0}" srcOrd="11" destOrd="0" presId="urn:microsoft.com/office/officeart/2009/3/layout/HorizontalOrganizationChart"/>
+    <dgm:cxn modelId="{5A636765-2CC2-C64A-90B4-39875CC800CB}" type="presParOf" srcId="{187A49AB-FF06-4045-BD4B-C8D845D3FDD0}" destId="{84553501-4E0A-574E-B4A1-DBF2AAE990CD}" srcOrd="0" destOrd="0" presId="urn:microsoft.com/office/officeart/2009/3/layout/HorizontalOrganizationChart"/>
+    <dgm:cxn modelId="{C3E12BD8-6747-2746-AD94-72CC59FE1239}" type="presParOf" srcId="{84553501-4E0A-574E-B4A1-DBF2AAE990CD}" destId="{A6FC2F16-AE72-644E-9D61-E951F315940C}" srcOrd="0" destOrd="0" presId="urn:microsoft.com/office/officeart/2009/3/layout/HorizontalOrganizationChart"/>
+    <dgm:cxn modelId="{DD11FEBD-CF93-934F-B9E2-1E7B52AD6F6C}" type="presParOf" srcId="{84553501-4E0A-574E-B4A1-DBF2AAE990CD}" destId="{E9133B4A-77B5-2E47-A077-1F60387401E5}" srcOrd="1" destOrd="0" presId="urn:microsoft.com/office/officeart/2009/3/layout/HorizontalOrganizationChart"/>
+    <dgm:cxn modelId="{07A0032C-0F5D-1549-BD11-880A125456A3}" type="presParOf" srcId="{187A49AB-FF06-4045-BD4B-C8D845D3FDD0}" destId="{ED23C65A-A185-784F-8267-F3A35AB92D5C}" srcOrd="1" destOrd="0" presId="urn:microsoft.com/office/officeart/2009/3/layout/HorizontalOrganizationChart"/>
+    <dgm:cxn modelId="{7F60DBB1-4598-7147-AE74-28110076574B}" type="presParOf" srcId="{187A49AB-FF06-4045-BD4B-C8D845D3FDD0}" destId="{57287778-1589-164A-A021-516DBDF94356}" srcOrd="2" destOrd="0" presId="urn:microsoft.com/office/officeart/2009/3/layout/HorizontalOrganizationChart"/>
+    <dgm:cxn modelId="{D2F4E7B1-2156-5C43-9604-827765106F55}" type="presParOf" srcId="{E98860E8-4015-4A49-ACD8-1520C159D7FD}" destId="{4447549E-1142-CD46-805A-409539EF3B85}" srcOrd="2" destOrd="0" presId="urn:microsoft.com/office/officeart/2009/3/layout/HorizontalOrganizationChart"/>
+    <dgm:cxn modelId="{5EDCACBE-5F6B-F244-8CBA-65F91F0AB086}" type="presParOf" srcId="{7F1A73A7-EDA1-E049-AA13-B0377539EE2E}" destId="{9A90EB9D-A0C7-6A45-9A24-921AE20C0A5F}" srcOrd="4" destOrd="0" presId="urn:microsoft.com/office/officeart/2009/3/layout/HorizontalOrganizationChart"/>
+    <dgm:cxn modelId="{8DCAC903-E00B-5E4A-A1A5-8A32308F90AE}" type="presParOf" srcId="{7F1A73A7-EDA1-E049-AA13-B0377539EE2E}" destId="{726080E9-A302-F047-9A9B-381A2FC3646B}" srcOrd="5" destOrd="0" presId="urn:microsoft.com/office/officeart/2009/3/layout/HorizontalOrganizationChart"/>
+    <dgm:cxn modelId="{02E1CA7B-EF0E-9F44-8B3A-C583264AF487}" type="presParOf" srcId="{726080E9-A302-F047-9A9B-381A2FC3646B}" destId="{9678FE97-6CE7-5F4A-9623-A7741DD5EDE2}" srcOrd="0" destOrd="0" presId="urn:microsoft.com/office/officeart/2009/3/layout/HorizontalOrganizationChart"/>
+    <dgm:cxn modelId="{B4654374-E6AF-E140-BA08-70186EC38DAB}" type="presParOf" srcId="{9678FE97-6CE7-5F4A-9623-A7741DD5EDE2}" destId="{E17E2194-AFF0-264A-9261-056FDCBF5F19}" srcOrd="0" destOrd="0" presId="urn:microsoft.com/office/officeart/2009/3/layout/HorizontalOrganizationChart"/>
+    <dgm:cxn modelId="{B2707C7E-1651-8143-A654-EF5B7B9523E7}" type="presParOf" srcId="{9678FE97-6CE7-5F4A-9623-A7741DD5EDE2}" destId="{C1119331-32A6-9944-8902-597A0BDAE918}" srcOrd="1" destOrd="0" presId="urn:microsoft.com/office/officeart/2009/3/layout/HorizontalOrganizationChart"/>
+    <dgm:cxn modelId="{A1118BAE-7B98-0542-A179-F3326F9EE8B2}" type="presParOf" srcId="{726080E9-A302-F047-9A9B-381A2FC3646B}" destId="{7BA0DE9D-00F8-F143-A094-353C4F6EAF6C}" srcOrd="1" destOrd="0" presId="urn:microsoft.com/office/officeart/2009/3/layout/HorizontalOrganizationChart"/>
+    <dgm:cxn modelId="{0E779719-4496-8C42-830B-675371039311}" type="presParOf" srcId="{726080E9-A302-F047-9A9B-381A2FC3646B}" destId="{A9482185-E15E-4743-BC38-4B66E77D604A}" srcOrd="2" destOrd="0" presId="urn:microsoft.com/office/officeart/2009/3/layout/HorizontalOrganizationChart"/>
+    <dgm:cxn modelId="{3B6D4B06-59A8-F944-AC5B-CFFE973CE658}" type="presParOf" srcId="{7F1A73A7-EDA1-E049-AA13-B0377539EE2E}" destId="{A830BCD0-4B23-6842-88B5-1CE995879896}" srcOrd="6" destOrd="0" presId="urn:microsoft.com/office/officeart/2009/3/layout/HorizontalOrganizationChart"/>
+    <dgm:cxn modelId="{3E1C31F3-C446-404F-9FEA-70C2C2B36A1B}" type="presParOf" srcId="{7F1A73A7-EDA1-E049-AA13-B0377539EE2E}" destId="{81E1F4FD-541B-B84E-9664-6B927000EFCB}" srcOrd="7" destOrd="0" presId="urn:microsoft.com/office/officeart/2009/3/layout/HorizontalOrganizationChart"/>
+    <dgm:cxn modelId="{7F57005E-9DE9-9F4C-8346-17B1382A8B1D}" type="presParOf" srcId="{81E1F4FD-541B-B84E-9664-6B927000EFCB}" destId="{1A69C8ED-D924-0445-BE37-D6849302529A}" srcOrd="0" destOrd="0" presId="urn:microsoft.com/office/officeart/2009/3/layout/HorizontalOrganizationChart"/>
+    <dgm:cxn modelId="{F0D628C4-1002-274E-B30F-EC3751047665}" type="presParOf" srcId="{1A69C8ED-D924-0445-BE37-D6849302529A}" destId="{6EDE4353-1F91-E24B-967E-57852F44FE46}" srcOrd="0" destOrd="0" presId="urn:microsoft.com/office/officeart/2009/3/layout/HorizontalOrganizationChart"/>
+    <dgm:cxn modelId="{2891DC7C-7CA1-1B4F-B20E-D2AA4B84784E}" type="presParOf" srcId="{1A69C8ED-D924-0445-BE37-D6849302529A}" destId="{46A905AA-3035-B544-A88B-DD6E6B4E04B4}" srcOrd="1" destOrd="0" presId="urn:microsoft.com/office/officeart/2009/3/layout/HorizontalOrganizationChart"/>
+    <dgm:cxn modelId="{AAAE33F7-476C-EE4A-A9D3-AB35291556C0}" type="presParOf" srcId="{81E1F4FD-541B-B84E-9664-6B927000EFCB}" destId="{047C3A14-E0CD-BF4E-A8A2-6BCDD88F20CE}" srcOrd="1" destOrd="0" presId="urn:microsoft.com/office/officeart/2009/3/layout/HorizontalOrganizationChart"/>
+    <dgm:cxn modelId="{D233F69E-E33A-F94C-95BB-631C3D59CFF9}" type="presParOf" srcId="{81E1F4FD-541B-B84E-9664-6B927000EFCB}" destId="{BBAF439A-A4CF-9B4B-9410-867A0AE8B22B}" srcOrd="2" destOrd="0" presId="urn:microsoft.com/office/officeart/2009/3/layout/HorizontalOrganizationChart"/>
+    <dgm:cxn modelId="{94C23826-F4B3-E840-98B1-EE83E0366378}" type="presParOf" srcId="{72472755-2C07-DF46-BA87-244CAB76E099}" destId="{28E534D7-6CDF-CF4B-9632-453B2A12A67F}" srcOrd="2" destOrd="0" presId="urn:microsoft.com/office/officeart/2009/3/layout/HorizontalOrganizationChart"/>
+  </dgm:cxnLst>
+  <dgm:bg/>
+  <dgm:whole/>
+  <dgm:extLst>
+    <a:ext uri="http://schemas.microsoft.com/office/drawing/2008/diagram">
+      <dsp:dataModelExt xmlns:dsp="http://schemas.microsoft.com/office/drawing/2008/diagram" relId="rId6" minVer="http://schemas.openxmlformats.org/drawingml/2006/diagram"/>
+    </a:ext>
+  </dgm:extLst>
+</dgm:dataModel>
+</file>
+
+<file path=ppt/diagrams/drawing1.xml><?xml version="1.0" encoding="utf-8"?>
+<dsp:drawing xmlns:dgm="http://schemas.openxmlformats.org/drawingml/2006/diagram" xmlns:dsp="http://schemas.microsoft.com/office/drawing/2008/diagram" xmlns:a="http://schemas.openxmlformats.org/drawingml/2006/main">
+  <dsp:spTree>
+    <dsp:nvGrpSpPr>
+      <dsp:cNvPr id="0" name=""/>
+      <dsp:cNvGrpSpPr/>
+    </dsp:nvGrpSpPr>
+    <dsp:grpSpPr/>
+    <dsp:sp modelId="{A830BCD0-4B23-6842-88B5-1CE995879896}">
+      <dsp:nvSpPr>
+        <dsp:cNvPr id="0" name=""/>
+        <dsp:cNvSpPr/>
+      </dsp:nvSpPr>
+      <dsp:spPr>
+        <a:xfrm>
+          <a:off x="3788161" y="3641680"/>
+          <a:ext cx="316053" cy="2378302"/>
+        </a:xfrm>
+        <a:custGeom>
+          <a:avLst/>
+          <a:gdLst/>
+          <a:ahLst/>
+          <a:cxnLst/>
+          <a:rect l="0" t="0" r="0" b="0"/>
+          <a:pathLst>
+            <a:path>
+              <a:moveTo>
+                <a:pt x="0" y="0"/>
+              </a:moveTo>
+              <a:lnTo>
+                <a:pt x="158026" y="0"/>
+              </a:lnTo>
+              <a:lnTo>
+                <a:pt x="158026" y="2378302"/>
+              </a:lnTo>
+              <a:lnTo>
+                <a:pt x="316053" y="2378302"/>
+              </a:lnTo>
+            </a:path>
+          </a:pathLst>
+        </a:custGeom>
+        <a:noFill/>
+        <a:ln w="12700" cap="flat" cmpd="sng" algn="ctr">
+          <a:solidFill>
+            <a:schemeClr val="accent5">
+              <a:hueOff val="0"/>
+              <a:satOff val="0"/>
+              <a:lumOff val="0"/>
+              <a:alphaOff val="0"/>
+            </a:schemeClr>
+          </a:solidFill>
+          <a:prstDash val="solid"/>
+          <a:miter lim="800000"/>
+        </a:ln>
+        <a:effectLst/>
+      </dsp:spPr>
+      <dsp:style>
+        <a:lnRef idx="2">
+          <a:scrgbClr r="0" g="0" b="0"/>
+        </a:lnRef>
+        <a:fillRef idx="0">
+          <a:scrgbClr r="0" g="0" b="0"/>
+        </a:fillRef>
+        <a:effectRef idx="0">
+          <a:scrgbClr r="0" g="0" b="0"/>
+        </a:effectRef>
+        <a:fontRef idx="minor"/>
+      </dsp:style>
+    </dsp:sp>
+    <dsp:sp modelId="{9A90EB9D-A0C7-6A45-9A24-921AE20C0A5F}">
+      <dsp:nvSpPr>
+        <dsp:cNvPr id="0" name=""/>
+        <dsp:cNvSpPr/>
+      </dsp:nvSpPr>
+      <dsp:spPr>
+        <a:xfrm>
+          <a:off x="3788161" y="3641680"/>
+          <a:ext cx="316053" cy="1698787"/>
+        </a:xfrm>
+        <a:custGeom>
+          <a:avLst/>
+          <a:gdLst/>
+          <a:ahLst/>
+          <a:cxnLst/>
+          <a:rect l="0" t="0" r="0" b="0"/>
+          <a:pathLst>
+            <a:path>
+              <a:moveTo>
+                <a:pt x="0" y="0"/>
+              </a:moveTo>
+              <a:lnTo>
+                <a:pt x="158026" y="0"/>
+              </a:lnTo>
+              <a:lnTo>
+                <a:pt x="158026" y="1698787"/>
+              </a:lnTo>
+              <a:lnTo>
+                <a:pt x="316053" y="1698787"/>
+              </a:lnTo>
+            </a:path>
+          </a:pathLst>
+        </a:custGeom>
+        <a:noFill/>
+        <a:ln w="12700" cap="flat" cmpd="sng" algn="ctr">
+          <a:solidFill>
+            <a:schemeClr val="accent5">
+              <a:hueOff val="0"/>
+              <a:satOff val="0"/>
+              <a:lumOff val="0"/>
+              <a:alphaOff val="0"/>
+            </a:schemeClr>
+          </a:solidFill>
+          <a:prstDash val="solid"/>
+          <a:miter lim="800000"/>
+        </a:ln>
+        <a:effectLst/>
+      </dsp:spPr>
+      <dsp:style>
+        <a:lnRef idx="2">
+          <a:scrgbClr r="0" g="0" b="0"/>
+        </a:lnRef>
+        <a:fillRef idx="0">
+          <a:scrgbClr r="0" g="0" b="0"/>
+        </a:fillRef>
+        <a:effectRef idx="0">
+          <a:scrgbClr r="0" g="0" b="0"/>
+        </a:effectRef>
+        <a:fontRef idx="minor"/>
+      </dsp:style>
+    </dsp:sp>
+    <dsp:sp modelId="{D039B08B-3D56-DC4F-9481-6B9548374446}">
+      <dsp:nvSpPr>
+        <dsp:cNvPr id="0" name=""/>
+        <dsp:cNvSpPr/>
+      </dsp:nvSpPr>
+      <dsp:spPr>
+        <a:xfrm>
+          <a:off x="5684482" y="4660953"/>
+          <a:ext cx="316053" cy="1698787"/>
+        </a:xfrm>
+        <a:custGeom>
+          <a:avLst/>
+          <a:gdLst/>
+          <a:ahLst/>
+          <a:cxnLst/>
+          <a:rect l="0" t="0" r="0" b="0"/>
+          <a:pathLst>
+            <a:path>
+              <a:moveTo>
+                <a:pt x="0" y="0"/>
+              </a:moveTo>
+              <a:lnTo>
+                <a:pt x="158026" y="0"/>
+              </a:lnTo>
+              <a:lnTo>
+                <a:pt x="158026" y="1698787"/>
+              </a:lnTo>
+              <a:lnTo>
+                <a:pt x="316053" y="1698787"/>
+              </a:lnTo>
+            </a:path>
+          </a:pathLst>
+        </a:custGeom>
+        <a:noFill/>
+        <a:ln w="12700" cap="flat" cmpd="sng" algn="ctr">
+          <a:solidFill>
+            <a:schemeClr val="accent6">
+              <a:hueOff val="0"/>
+              <a:satOff val="0"/>
+              <a:lumOff val="0"/>
+              <a:alphaOff val="0"/>
+            </a:schemeClr>
+          </a:solidFill>
+          <a:prstDash val="solid"/>
+          <a:miter lim="800000"/>
+        </a:ln>
+        <a:effectLst/>
+      </dsp:spPr>
+      <dsp:style>
+        <a:lnRef idx="2">
+          <a:scrgbClr r="0" g="0" b="0"/>
+        </a:lnRef>
+        <a:fillRef idx="0">
+          <a:scrgbClr r="0" g="0" b="0"/>
+        </a:fillRef>
+        <a:effectRef idx="0">
+          <a:scrgbClr r="0" g="0" b="0"/>
+        </a:effectRef>
+        <a:fontRef idx="minor"/>
+      </dsp:style>
+    </dsp:sp>
+    <dsp:sp modelId="{49EB833D-D25C-C045-85E1-A9A9D96C2DFF}">
+      <dsp:nvSpPr>
+        <dsp:cNvPr id="0" name=""/>
+        <dsp:cNvSpPr/>
+      </dsp:nvSpPr>
+      <dsp:spPr>
+        <a:xfrm>
+          <a:off x="5684482" y="4660953"/>
+          <a:ext cx="316053" cy="1019272"/>
+        </a:xfrm>
+        <a:custGeom>
+          <a:avLst/>
+          <a:gdLst/>
+          <a:ahLst/>
+          <a:cxnLst/>
+          <a:rect l="0" t="0" r="0" b="0"/>
+          <a:pathLst>
+            <a:path>
+              <a:moveTo>
+                <a:pt x="0" y="0"/>
+              </a:moveTo>
+              <a:lnTo>
+                <a:pt x="158026" y="0"/>
+              </a:lnTo>
+              <a:lnTo>
+                <a:pt x="158026" y="1019272"/>
+              </a:lnTo>
+              <a:lnTo>
+                <a:pt x="316053" y="1019272"/>
+              </a:lnTo>
+            </a:path>
+          </a:pathLst>
+        </a:custGeom>
+        <a:noFill/>
+        <a:ln w="12700" cap="flat" cmpd="sng" algn="ctr">
+          <a:solidFill>
+            <a:schemeClr val="accent6">
+              <a:hueOff val="0"/>
+              <a:satOff val="0"/>
+              <a:lumOff val="0"/>
+              <a:alphaOff val="0"/>
+            </a:schemeClr>
+          </a:solidFill>
+          <a:prstDash val="solid"/>
+          <a:miter lim="800000"/>
+        </a:ln>
+        <a:effectLst/>
+      </dsp:spPr>
+      <dsp:style>
+        <a:lnRef idx="2">
+          <a:scrgbClr r="0" g="0" b="0"/>
+        </a:lnRef>
+        <a:fillRef idx="0">
+          <a:scrgbClr r="0" g="0" b="0"/>
+        </a:fillRef>
+        <a:effectRef idx="0">
+          <a:scrgbClr r="0" g="0" b="0"/>
+        </a:effectRef>
+        <a:fontRef idx="minor"/>
+      </dsp:style>
+    </dsp:sp>
+    <dsp:sp modelId="{53781B23-6990-AB4D-AA38-23CAAB46D608}">
+      <dsp:nvSpPr>
+        <dsp:cNvPr id="0" name=""/>
+        <dsp:cNvSpPr/>
+      </dsp:nvSpPr>
+      <dsp:spPr>
+        <a:xfrm>
+          <a:off x="5684482" y="4660953"/>
+          <a:ext cx="316053" cy="339757"/>
+        </a:xfrm>
+        <a:custGeom>
+          <a:avLst/>
+          <a:gdLst/>
+          <a:ahLst/>
+          <a:cxnLst/>
+          <a:rect l="0" t="0" r="0" b="0"/>
+          <a:pathLst>
+            <a:path>
+              <a:moveTo>
+                <a:pt x="0" y="0"/>
+              </a:moveTo>
+              <a:lnTo>
+                <a:pt x="158026" y="0"/>
+              </a:lnTo>
+              <a:lnTo>
+                <a:pt x="158026" y="339757"/>
+              </a:lnTo>
+              <a:lnTo>
+                <a:pt x="316053" y="339757"/>
+              </a:lnTo>
+            </a:path>
+          </a:pathLst>
+        </a:custGeom>
+        <a:noFill/>
+        <a:ln w="12700" cap="flat" cmpd="sng" algn="ctr">
+          <a:solidFill>
+            <a:schemeClr val="accent6">
+              <a:hueOff val="0"/>
+              <a:satOff val="0"/>
+              <a:lumOff val="0"/>
+              <a:alphaOff val="0"/>
+            </a:schemeClr>
+          </a:solidFill>
+          <a:prstDash val="solid"/>
+          <a:miter lim="800000"/>
+        </a:ln>
+        <a:effectLst/>
+      </dsp:spPr>
+      <dsp:style>
+        <a:lnRef idx="2">
+          <a:scrgbClr r="0" g="0" b="0"/>
+        </a:lnRef>
+        <a:fillRef idx="0">
+          <a:scrgbClr r="0" g="0" b="0"/>
+        </a:fillRef>
+        <a:effectRef idx="0">
+          <a:scrgbClr r="0" g="0" b="0"/>
+        </a:effectRef>
+        <a:fontRef idx="minor"/>
+      </dsp:style>
+    </dsp:sp>
+    <dsp:sp modelId="{54FF68C5-0CB6-AA40-B018-830BD03C8C01}">
+      <dsp:nvSpPr>
+        <dsp:cNvPr id="0" name=""/>
+        <dsp:cNvSpPr/>
+      </dsp:nvSpPr>
+      <dsp:spPr>
+        <a:xfrm>
+          <a:off x="5684482" y="4321195"/>
+          <a:ext cx="316053" cy="339757"/>
+        </a:xfrm>
+        <a:custGeom>
+          <a:avLst/>
+          <a:gdLst/>
+          <a:ahLst/>
+          <a:cxnLst/>
+          <a:rect l="0" t="0" r="0" b="0"/>
+          <a:pathLst>
+            <a:path>
+              <a:moveTo>
+                <a:pt x="0" y="339757"/>
+              </a:moveTo>
+              <a:lnTo>
+                <a:pt x="158026" y="339757"/>
+              </a:lnTo>
+              <a:lnTo>
+                <a:pt x="158026" y="0"/>
+              </a:lnTo>
+              <a:lnTo>
+                <a:pt x="316053" y="0"/>
+              </a:lnTo>
+            </a:path>
+          </a:pathLst>
+        </a:custGeom>
+        <a:noFill/>
+        <a:ln w="12700" cap="flat" cmpd="sng" algn="ctr">
+          <a:solidFill>
+            <a:schemeClr val="accent6">
+              <a:hueOff val="0"/>
+              <a:satOff val="0"/>
+              <a:lumOff val="0"/>
+              <a:alphaOff val="0"/>
+            </a:schemeClr>
+          </a:solidFill>
+          <a:prstDash val="solid"/>
+          <a:miter lim="800000"/>
+        </a:ln>
+        <a:effectLst/>
+      </dsp:spPr>
+      <dsp:style>
+        <a:lnRef idx="2">
+          <a:scrgbClr r="0" g="0" b="0"/>
+        </a:lnRef>
+        <a:fillRef idx="0">
+          <a:scrgbClr r="0" g="0" b="0"/>
+        </a:fillRef>
+        <a:effectRef idx="0">
+          <a:scrgbClr r="0" g="0" b="0"/>
+        </a:effectRef>
+        <a:fontRef idx="minor"/>
+      </dsp:style>
+    </dsp:sp>
+    <dsp:sp modelId="{0F73A7CE-3C80-A94F-B4D9-BAC04101DC8E}">
+      <dsp:nvSpPr>
+        <dsp:cNvPr id="0" name=""/>
+        <dsp:cNvSpPr/>
+      </dsp:nvSpPr>
+      <dsp:spPr>
+        <a:xfrm>
+          <a:off x="5684482" y="3641680"/>
+          <a:ext cx="316053" cy="1019272"/>
+        </a:xfrm>
+        <a:custGeom>
+          <a:avLst/>
+          <a:gdLst/>
+          <a:ahLst/>
+          <a:cxnLst/>
+          <a:rect l="0" t="0" r="0" b="0"/>
+          <a:pathLst>
+            <a:path>
+              <a:moveTo>
+                <a:pt x="0" y="1019272"/>
+              </a:moveTo>
+              <a:lnTo>
+                <a:pt x="158026" y="1019272"/>
+              </a:lnTo>
+              <a:lnTo>
+                <a:pt x="158026" y="0"/>
+              </a:lnTo>
+              <a:lnTo>
+                <a:pt x="316053" y="0"/>
+              </a:lnTo>
+            </a:path>
+          </a:pathLst>
+        </a:custGeom>
+        <a:noFill/>
+        <a:ln w="12700" cap="flat" cmpd="sng" algn="ctr">
+          <a:solidFill>
+            <a:schemeClr val="accent6">
+              <a:hueOff val="0"/>
+              <a:satOff val="0"/>
+              <a:lumOff val="0"/>
+              <a:alphaOff val="0"/>
+            </a:schemeClr>
+          </a:solidFill>
+          <a:prstDash val="solid"/>
+          <a:miter lim="800000"/>
+        </a:ln>
+        <a:effectLst/>
+      </dsp:spPr>
+      <dsp:style>
+        <a:lnRef idx="2">
+          <a:scrgbClr r="0" g="0" b="0"/>
+        </a:lnRef>
+        <a:fillRef idx="0">
+          <a:scrgbClr r="0" g="0" b="0"/>
+        </a:fillRef>
+        <a:effectRef idx="0">
+          <a:scrgbClr r="0" g="0" b="0"/>
+        </a:effectRef>
+        <a:fontRef idx="minor"/>
+      </dsp:style>
+    </dsp:sp>
+    <dsp:sp modelId="{82B51B66-2AFF-D245-A345-2B13B68E5D29}">
+      <dsp:nvSpPr>
+        <dsp:cNvPr id="0" name=""/>
+        <dsp:cNvSpPr/>
+      </dsp:nvSpPr>
+      <dsp:spPr>
+        <a:xfrm>
+          <a:off x="5684482" y="2962165"/>
+          <a:ext cx="316053" cy="1698787"/>
+        </a:xfrm>
+        <a:custGeom>
+          <a:avLst/>
+          <a:gdLst/>
+          <a:ahLst/>
+          <a:cxnLst/>
+          <a:rect l="0" t="0" r="0" b="0"/>
+          <a:pathLst>
+            <a:path>
+              <a:moveTo>
+                <a:pt x="0" y="1698787"/>
+              </a:moveTo>
+              <a:lnTo>
+                <a:pt x="158026" y="1698787"/>
+              </a:lnTo>
+              <a:lnTo>
+                <a:pt x="158026" y="0"/>
+              </a:lnTo>
+              <a:lnTo>
+                <a:pt x="316053" y="0"/>
+              </a:lnTo>
+            </a:path>
+          </a:pathLst>
+        </a:custGeom>
+        <a:noFill/>
+        <a:ln w="12700" cap="flat" cmpd="sng" algn="ctr">
+          <a:solidFill>
+            <a:schemeClr val="accent6">
+              <a:hueOff val="0"/>
+              <a:satOff val="0"/>
+              <a:lumOff val="0"/>
+              <a:alphaOff val="0"/>
+            </a:schemeClr>
+          </a:solidFill>
+          <a:prstDash val="solid"/>
+          <a:miter lim="800000"/>
+        </a:ln>
+        <a:effectLst/>
+      </dsp:spPr>
+      <dsp:style>
+        <a:lnRef idx="2">
+          <a:scrgbClr r="0" g="0" b="0"/>
+        </a:lnRef>
+        <a:fillRef idx="0">
+          <a:scrgbClr r="0" g="0" b="0"/>
+        </a:fillRef>
+        <a:effectRef idx="0">
+          <a:scrgbClr r="0" g="0" b="0"/>
+        </a:effectRef>
+        <a:fontRef idx="minor"/>
+      </dsp:style>
+    </dsp:sp>
+    <dsp:sp modelId="{C08CB173-731F-5945-A93B-DF374035527C}">
+      <dsp:nvSpPr>
+        <dsp:cNvPr id="0" name=""/>
+        <dsp:cNvSpPr/>
+      </dsp:nvSpPr>
+      <dsp:spPr>
+        <a:xfrm>
+          <a:off x="3788161" y="3641680"/>
+          <a:ext cx="316053" cy="1019272"/>
+        </a:xfrm>
+        <a:custGeom>
+          <a:avLst/>
+          <a:gdLst/>
+          <a:ahLst/>
+          <a:cxnLst/>
+          <a:rect l="0" t="0" r="0" b="0"/>
+          <a:pathLst>
+            <a:path>
+              <a:moveTo>
+                <a:pt x="0" y="0"/>
+              </a:moveTo>
+              <a:lnTo>
+                <a:pt x="158026" y="0"/>
+              </a:lnTo>
+              <a:lnTo>
+                <a:pt x="158026" y="1019272"/>
+              </a:lnTo>
+              <a:lnTo>
+                <a:pt x="316053" y="1019272"/>
+              </a:lnTo>
+            </a:path>
+          </a:pathLst>
+        </a:custGeom>
+        <a:noFill/>
+        <a:ln w="12700" cap="flat" cmpd="sng" algn="ctr">
+          <a:solidFill>
+            <a:schemeClr val="accent5">
+              <a:hueOff val="0"/>
+              <a:satOff val="0"/>
+              <a:lumOff val="0"/>
+              <a:alphaOff val="0"/>
+            </a:schemeClr>
+          </a:solidFill>
+          <a:prstDash val="solid"/>
+          <a:miter lim="800000"/>
+        </a:ln>
+        <a:effectLst/>
+      </dsp:spPr>
+      <dsp:style>
+        <a:lnRef idx="2">
+          <a:scrgbClr r="0" g="0" b="0"/>
+        </a:lnRef>
+        <a:fillRef idx="0">
+          <a:scrgbClr r="0" g="0" b="0"/>
+        </a:fillRef>
+        <a:effectRef idx="0">
+          <a:scrgbClr r="0" g="0" b="0"/>
+        </a:effectRef>
+        <a:fontRef idx="minor"/>
+      </dsp:style>
+    </dsp:sp>
+    <dsp:sp modelId="{E79A2066-ACED-9947-9A85-AAEFCE6CFF30}">
+      <dsp:nvSpPr>
+        <dsp:cNvPr id="0" name=""/>
+        <dsp:cNvSpPr/>
+      </dsp:nvSpPr>
+      <dsp:spPr>
+        <a:xfrm>
+          <a:off x="5684482" y="1263377"/>
+          <a:ext cx="316053" cy="1019272"/>
+        </a:xfrm>
+        <a:custGeom>
+          <a:avLst/>
+          <a:gdLst/>
+          <a:ahLst/>
+          <a:cxnLst/>
+          <a:rect l="0" t="0" r="0" b="0"/>
+          <a:pathLst>
+            <a:path>
+              <a:moveTo>
+                <a:pt x="0" y="0"/>
+              </a:moveTo>
+              <a:lnTo>
+                <a:pt x="158026" y="0"/>
+              </a:lnTo>
+              <a:lnTo>
+                <a:pt x="158026" y="1019272"/>
+              </a:lnTo>
+              <a:lnTo>
+                <a:pt x="316053" y="1019272"/>
+              </a:lnTo>
+            </a:path>
+          </a:pathLst>
+        </a:custGeom>
+        <a:noFill/>
+        <a:ln w="12700" cap="flat" cmpd="sng" algn="ctr">
+          <a:solidFill>
+            <a:schemeClr val="accent6">
+              <a:hueOff val="0"/>
+              <a:satOff val="0"/>
+              <a:lumOff val="0"/>
+              <a:alphaOff val="0"/>
+            </a:schemeClr>
+          </a:solidFill>
+          <a:prstDash val="solid"/>
+          <a:miter lim="800000"/>
+        </a:ln>
+        <a:effectLst/>
+      </dsp:spPr>
+      <dsp:style>
+        <a:lnRef idx="2">
+          <a:scrgbClr r="0" g="0" b="0"/>
+        </a:lnRef>
+        <a:fillRef idx="0">
+          <a:scrgbClr r="0" g="0" b="0"/>
+        </a:fillRef>
+        <a:effectRef idx="0">
+          <a:scrgbClr r="0" g="0" b="0"/>
+        </a:effectRef>
+        <a:fontRef idx="minor"/>
+      </dsp:style>
+    </dsp:sp>
+    <dsp:sp modelId="{5B5FEC90-E5F9-684A-8A5D-48396CE67D92}">
+      <dsp:nvSpPr>
+        <dsp:cNvPr id="0" name=""/>
+        <dsp:cNvSpPr/>
+      </dsp:nvSpPr>
+      <dsp:spPr>
+        <a:xfrm>
+          <a:off x="5684482" y="1263377"/>
+          <a:ext cx="316053" cy="339757"/>
+        </a:xfrm>
+        <a:custGeom>
+          <a:avLst/>
+          <a:gdLst/>
+          <a:ahLst/>
+          <a:cxnLst/>
+          <a:rect l="0" t="0" r="0" b="0"/>
+          <a:pathLst>
+            <a:path>
+              <a:moveTo>
+                <a:pt x="0" y="0"/>
+              </a:moveTo>
+              <a:lnTo>
+                <a:pt x="158026" y="0"/>
+              </a:lnTo>
+              <a:lnTo>
+                <a:pt x="158026" y="339757"/>
+              </a:lnTo>
+              <a:lnTo>
+                <a:pt x="316053" y="339757"/>
+              </a:lnTo>
+            </a:path>
+          </a:pathLst>
+        </a:custGeom>
+        <a:noFill/>
+        <a:ln w="12700" cap="flat" cmpd="sng" algn="ctr">
+          <a:solidFill>
+            <a:schemeClr val="accent6">
+              <a:hueOff val="0"/>
+              <a:satOff val="0"/>
+              <a:lumOff val="0"/>
+              <a:alphaOff val="0"/>
+            </a:schemeClr>
+          </a:solidFill>
+          <a:prstDash val="solid"/>
+          <a:miter lim="800000"/>
+        </a:ln>
+        <a:effectLst/>
+      </dsp:spPr>
+      <dsp:style>
+        <a:lnRef idx="2">
+          <a:scrgbClr r="0" g="0" b="0"/>
+        </a:lnRef>
+        <a:fillRef idx="0">
+          <a:scrgbClr r="0" g="0" b="0"/>
+        </a:fillRef>
+        <a:effectRef idx="0">
+          <a:scrgbClr r="0" g="0" b="0"/>
+        </a:effectRef>
+        <a:fontRef idx="minor"/>
+      </dsp:style>
+    </dsp:sp>
+    <dsp:sp modelId="{8612346A-544F-E94D-9252-BC9BBDF167FE}">
+      <dsp:nvSpPr>
+        <dsp:cNvPr id="0" name=""/>
+        <dsp:cNvSpPr/>
+      </dsp:nvSpPr>
+      <dsp:spPr>
+        <a:xfrm>
+          <a:off x="5684482" y="923620"/>
+          <a:ext cx="316053" cy="339757"/>
+        </a:xfrm>
+        <a:custGeom>
+          <a:avLst/>
+          <a:gdLst/>
+          <a:ahLst/>
+          <a:cxnLst/>
+          <a:rect l="0" t="0" r="0" b="0"/>
+          <a:pathLst>
+            <a:path>
+              <a:moveTo>
+                <a:pt x="0" y="339757"/>
+              </a:moveTo>
+              <a:lnTo>
+                <a:pt x="158026" y="339757"/>
+              </a:lnTo>
+              <a:lnTo>
+                <a:pt x="158026" y="0"/>
+              </a:lnTo>
+              <a:lnTo>
+                <a:pt x="316053" y="0"/>
+              </a:lnTo>
+            </a:path>
+          </a:pathLst>
+        </a:custGeom>
+        <a:noFill/>
+        <a:ln w="12700" cap="flat" cmpd="sng" algn="ctr">
+          <a:solidFill>
+            <a:schemeClr val="accent6">
+              <a:hueOff val="0"/>
+              <a:satOff val="0"/>
+              <a:lumOff val="0"/>
+              <a:alphaOff val="0"/>
+            </a:schemeClr>
+          </a:solidFill>
+          <a:prstDash val="solid"/>
+          <a:miter lim="800000"/>
+        </a:ln>
+        <a:effectLst/>
+      </dsp:spPr>
+      <dsp:style>
+        <a:lnRef idx="2">
+          <a:scrgbClr r="0" g="0" b="0"/>
+        </a:lnRef>
+        <a:fillRef idx="0">
+          <a:scrgbClr r="0" g="0" b="0"/>
+        </a:fillRef>
+        <a:effectRef idx="0">
+          <a:scrgbClr r="0" g="0" b="0"/>
+        </a:effectRef>
+        <a:fontRef idx="minor"/>
+      </dsp:style>
+    </dsp:sp>
+    <dsp:sp modelId="{9F0EE1FF-44EE-C641-A347-0A7DDBF5A3EF}">
+      <dsp:nvSpPr>
+        <dsp:cNvPr id="0" name=""/>
+        <dsp:cNvSpPr/>
+      </dsp:nvSpPr>
+      <dsp:spPr>
+        <a:xfrm>
+          <a:off x="5684482" y="244104"/>
+          <a:ext cx="316053" cy="1019272"/>
+        </a:xfrm>
+        <a:custGeom>
+          <a:avLst/>
+          <a:gdLst/>
+          <a:ahLst/>
+          <a:cxnLst/>
+          <a:rect l="0" t="0" r="0" b="0"/>
+          <a:pathLst>
+            <a:path>
+              <a:moveTo>
+                <a:pt x="0" y="1019272"/>
+              </a:moveTo>
+              <a:lnTo>
+                <a:pt x="158026" y="1019272"/>
+              </a:lnTo>
+              <a:lnTo>
+                <a:pt x="158026" y="0"/>
+              </a:lnTo>
+              <a:lnTo>
+                <a:pt x="316053" y="0"/>
+              </a:lnTo>
+            </a:path>
+          </a:pathLst>
+        </a:custGeom>
+        <a:noFill/>
+        <a:ln w="12700" cap="flat" cmpd="sng" algn="ctr">
+          <a:solidFill>
+            <a:schemeClr val="accent6">
+              <a:hueOff val="0"/>
+              <a:satOff val="0"/>
+              <a:lumOff val="0"/>
+              <a:alphaOff val="0"/>
+            </a:schemeClr>
+          </a:solidFill>
+          <a:prstDash val="solid"/>
+          <a:miter lim="800000"/>
+        </a:ln>
+        <a:effectLst/>
+      </dsp:spPr>
+      <dsp:style>
+        <a:lnRef idx="2">
+          <a:scrgbClr r="0" g="0" b="0"/>
+        </a:lnRef>
+        <a:fillRef idx="0">
+          <a:scrgbClr r="0" g="0" b="0"/>
+        </a:fillRef>
+        <a:effectRef idx="0">
+          <a:scrgbClr r="0" g="0" b="0"/>
+        </a:effectRef>
+        <a:fontRef idx="minor"/>
+      </dsp:style>
+    </dsp:sp>
+    <dsp:sp modelId="{09DCBE88-1C1B-EE4B-BCAA-279AAC3AE7CA}">
+      <dsp:nvSpPr>
+        <dsp:cNvPr id="0" name=""/>
+        <dsp:cNvSpPr/>
+      </dsp:nvSpPr>
+      <dsp:spPr>
+        <a:xfrm>
+          <a:off x="3788161" y="1263377"/>
+          <a:ext cx="316053" cy="2378302"/>
+        </a:xfrm>
+        <a:custGeom>
+          <a:avLst/>
+          <a:gdLst/>
+          <a:ahLst/>
+          <a:cxnLst/>
+          <a:rect l="0" t="0" r="0" b="0"/>
+          <a:pathLst>
+            <a:path>
+              <a:moveTo>
+                <a:pt x="0" y="2378302"/>
+              </a:moveTo>
+              <a:lnTo>
+                <a:pt x="158026" y="2378302"/>
+              </a:lnTo>
+              <a:lnTo>
+                <a:pt x="158026" y="0"/>
+              </a:lnTo>
+              <a:lnTo>
+                <a:pt x="316053" y="0"/>
+              </a:lnTo>
+            </a:path>
+          </a:pathLst>
+        </a:custGeom>
+        <a:noFill/>
+        <a:ln w="12700" cap="flat" cmpd="sng" algn="ctr">
+          <a:solidFill>
+            <a:schemeClr val="accent5">
+              <a:hueOff val="0"/>
+              <a:satOff val="0"/>
+              <a:lumOff val="0"/>
+              <a:alphaOff val="0"/>
+            </a:schemeClr>
+          </a:solidFill>
+          <a:prstDash val="solid"/>
+          <a:miter lim="800000"/>
+        </a:ln>
+        <a:effectLst/>
+      </dsp:spPr>
+      <dsp:style>
+        <a:lnRef idx="2">
+          <a:scrgbClr r="0" g="0" b="0"/>
+        </a:lnRef>
+        <a:fillRef idx="0">
+          <a:scrgbClr r="0" g="0" b="0"/>
+        </a:fillRef>
+        <a:effectRef idx="0">
+          <a:scrgbClr r="0" g="0" b="0"/>
+        </a:effectRef>
+        <a:fontRef idx="minor"/>
+      </dsp:style>
+    </dsp:sp>
+    <dsp:sp modelId="{356C095C-FB72-D943-9048-3448CE31D414}">
+      <dsp:nvSpPr>
+        <dsp:cNvPr id="0" name=""/>
+        <dsp:cNvSpPr/>
+      </dsp:nvSpPr>
+      <dsp:spPr>
+        <a:xfrm>
+          <a:off x="2207893" y="3400689"/>
+          <a:ext cx="1580267" cy="481981"/>
+        </a:xfrm>
+        <a:prstGeom prst="rect">
+          <a:avLst/>
+        </a:prstGeom>
+        <a:solidFill>
+          <a:schemeClr val="accent3">
+            <a:hueOff val="0"/>
+            <a:satOff val="0"/>
+            <a:lumOff val="0"/>
+            <a:alphaOff val="0"/>
+          </a:schemeClr>
+        </a:solidFill>
+        <a:ln w="12700" cap="flat" cmpd="sng" algn="ctr">
+          <a:solidFill>
+            <a:schemeClr val="lt1">
+              <a:hueOff val="0"/>
+              <a:satOff val="0"/>
+              <a:lumOff val="0"/>
+              <a:alphaOff val="0"/>
+            </a:schemeClr>
+          </a:solidFill>
+          <a:prstDash val="solid"/>
+          <a:miter lim="800000"/>
+        </a:ln>
+        <a:effectLst/>
+      </dsp:spPr>
+      <dsp:style>
+        <a:lnRef idx="2">
+          <a:scrgbClr r="0" g="0" b="0"/>
+        </a:lnRef>
+        <a:fillRef idx="1">
+          <a:scrgbClr r="0" g="0" b="0"/>
+        </a:fillRef>
+        <a:effectRef idx="0">
+          <a:scrgbClr r="0" g="0" b="0"/>
+        </a:effectRef>
+        <a:fontRef idx="minor">
+          <a:schemeClr val="lt1"/>
+        </a:fontRef>
+      </dsp:style>
+      <dsp:txBody>
+        <a:bodyPr spcFirstLastPara="0" vert="horz" wrap="square" lIns="12065" tIns="12065" rIns="12065" bIns="12065" numCol="1" spcCol="1270" anchor="ctr" anchorCtr="0">
+          <a:noAutofit/>
+        </a:bodyPr>
+        <a:lstStyle/>
+        <a:p>
+          <a:pPr marL="0" lvl="0" indent="0" algn="ctr" defTabSz="844550">
+            <a:lnSpc>
+              <a:spcPct val="90000"/>
+            </a:lnSpc>
+            <a:spcBef>
+              <a:spcPct val="0"/>
+            </a:spcBef>
+            <a:spcAft>
+              <a:spcPct val="35000"/>
+            </a:spcAft>
+            <a:buNone/>
+          </a:pPr>
+          <a:r>
+            <a:rPr lang="en-US" altLang="zh-CN" sz="1900" kern="1200" dirty="0"/>
+            <a:t>Game</a:t>
+          </a:r>
+          <a:r>
+            <a:rPr lang="zh-CN" altLang="en-US" sz="1900" kern="1200" dirty="0"/>
+            <a:t> </a:t>
+          </a:r>
+          <a:r>
+            <a:rPr lang="en-US" altLang="zh-CN" sz="1900" kern="1200" dirty="0"/>
+            <a:t>Object</a:t>
+          </a:r>
+          <a:endParaRPr lang="en-US" sz="1900" kern="1200" dirty="0"/>
+        </a:p>
+      </dsp:txBody>
+      <dsp:txXfrm>
+        <a:off x="2207893" y="3400689"/>
+        <a:ext cx="1580267" cy="481981"/>
+      </dsp:txXfrm>
+    </dsp:sp>
+    <dsp:sp modelId="{BE4E37C2-ABE7-7544-9276-5CF7C3F028A3}">
+      <dsp:nvSpPr>
+        <dsp:cNvPr id="0" name=""/>
+        <dsp:cNvSpPr/>
+      </dsp:nvSpPr>
+      <dsp:spPr>
+        <a:xfrm>
+          <a:off x="4104215" y="1022386"/>
+          <a:ext cx="1580267" cy="481981"/>
+        </a:xfrm>
+        <a:prstGeom prst="rect">
+          <a:avLst/>
+        </a:prstGeom>
+        <a:solidFill>
+          <a:schemeClr val="accent5">
+            <a:hueOff val="0"/>
+            <a:satOff val="0"/>
+            <a:lumOff val="0"/>
+            <a:alphaOff val="0"/>
+          </a:schemeClr>
+        </a:solidFill>
+        <a:ln w="12700" cap="flat" cmpd="sng" algn="ctr">
+          <a:solidFill>
+            <a:schemeClr val="lt1">
+              <a:hueOff val="0"/>
+              <a:satOff val="0"/>
+              <a:lumOff val="0"/>
+              <a:alphaOff val="0"/>
+            </a:schemeClr>
+          </a:solidFill>
+          <a:prstDash val="solid"/>
+          <a:miter lim="800000"/>
+        </a:ln>
+        <a:effectLst/>
+      </dsp:spPr>
+      <dsp:style>
+        <a:lnRef idx="2">
+          <a:scrgbClr r="0" g="0" b="0"/>
+        </a:lnRef>
+        <a:fillRef idx="1">
+          <a:scrgbClr r="0" g="0" b="0"/>
+        </a:fillRef>
+        <a:effectRef idx="0">
+          <a:scrgbClr r="0" g="0" b="0"/>
+        </a:effectRef>
+        <a:fontRef idx="minor">
+          <a:schemeClr val="lt1"/>
+        </a:fontRef>
+      </dsp:style>
+      <dsp:txBody>
+        <a:bodyPr spcFirstLastPara="0" vert="horz" wrap="square" lIns="12065" tIns="12065" rIns="12065" bIns="12065" numCol="1" spcCol="1270" anchor="ctr" anchorCtr="0">
+          <a:noAutofit/>
+        </a:bodyPr>
+        <a:lstStyle/>
+        <a:p>
+          <a:pPr marL="0" lvl="0" indent="0" algn="ctr" defTabSz="844550">
+            <a:lnSpc>
+              <a:spcPct val="90000"/>
+            </a:lnSpc>
+            <a:spcBef>
+              <a:spcPct val="0"/>
+            </a:spcBef>
+            <a:spcAft>
+              <a:spcPct val="35000"/>
+            </a:spcAft>
+            <a:buNone/>
+          </a:pPr>
+          <a:r>
+            <a:rPr lang="en-US" altLang="zh-CN" sz="1900" kern="1200" dirty="0"/>
+            <a:t>Enemy</a:t>
+          </a:r>
+          <a:endParaRPr lang="en-US" sz="1900" kern="1200" dirty="0"/>
+        </a:p>
+      </dsp:txBody>
+      <dsp:txXfrm>
+        <a:off x="4104215" y="1022386"/>
+        <a:ext cx="1580267" cy="481981"/>
+      </dsp:txXfrm>
+    </dsp:sp>
+    <dsp:sp modelId="{AAA048E5-75EA-104B-96EE-D44EE60D7629}">
+      <dsp:nvSpPr>
+        <dsp:cNvPr id="0" name=""/>
+        <dsp:cNvSpPr/>
+      </dsp:nvSpPr>
+      <dsp:spPr>
+        <a:xfrm>
+          <a:off x="6000536" y="3114"/>
+          <a:ext cx="1580267" cy="481981"/>
+        </a:xfrm>
+        <a:prstGeom prst="rect">
+          <a:avLst/>
+        </a:prstGeom>
+        <a:solidFill>
+          <a:schemeClr val="accent6">
+            <a:hueOff val="0"/>
+            <a:satOff val="0"/>
+            <a:lumOff val="0"/>
+            <a:alphaOff val="0"/>
+          </a:schemeClr>
+        </a:solidFill>
+        <a:ln w="12700" cap="flat" cmpd="sng" algn="ctr">
+          <a:solidFill>
+            <a:schemeClr val="lt1">
+              <a:hueOff val="0"/>
+              <a:satOff val="0"/>
+              <a:lumOff val="0"/>
+              <a:alphaOff val="0"/>
+            </a:schemeClr>
+          </a:solidFill>
+          <a:prstDash val="solid"/>
+          <a:miter lim="800000"/>
+        </a:ln>
+        <a:effectLst/>
+      </dsp:spPr>
+      <dsp:style>
+        <a:lnRef idx="2">
+          <a:scrgbClr r="0" g="0" b="0"/>
+        </a:lnRef>
+        <a:fillRef idx="1">
+          <a:scrgbClr r="0" g="0" b="0"/>
+        </a:fillRef>
+        <a:effectRef idx="0">
+          <a:scrgbClr r="0" g="0" b="0"/>
+        </a:effectRef>
+        <a:fontRef idx="minor">
+          <a:schemeClr val="lt1"/>
+        </a:fontRef>
+      </dsp:style>
+      <dsp:txBody>
+        <a:bodyPr spcFirstLastPara="0" vert="horz" wrap="square" lIns="12065" tIns="12065" rIns="12065" bIns="12065" numCol="1" spcCol="1270" anchor="ctr" anchorCtr="0">
+          <a:noAutofit/>
+        </a:bodyPr>
+        <a:lstStyle/>
+        <a:p>
+          <a:pPr marL="0" lvl="0" indent="0" algn="ctr" defTabSz="844550">
+            <a:lnSpc>
+              <a:spcPct val="90000"/>
+            </a:lnSpc>
+            <a:spcBef>
+              <a:spcPct val="0"/>
+            </a:spcBef>
+            <a:spcAft>
+              <a:spcPct val="35000"/>
+            </a:spcAft>
+            <a:buNone/>
+          </a:pPr>
+          <a:r>
+            <a:rPr lang="en-US" altLang="zh-CN" sz="1900" kern="1200" dirty="0"/>
+            <a:t>Enemy1</a:t>
+          </a:r>
+          <a:endParaRPr lang="en-US" sz="1900" kern="1200" dirty="0"/>
+        </a:p>
+      </dsp:txBody>
+      <dsp:txXfrm>
+        <a:off x="6000536" y="3114"/>
+        <a:ext cx="1580267" cy="481981"/>
+      </dsp:txXfrm>
+    </dsp:sp>
+    <dsp:sp modelId="{A28ADB43-EE16-624E-84A9-42D9BDB8D3C1}">
+      <dsp:nvSpPr>
+        <dsp:cNvPr id="0" name=""/>
+        <dsp:cNvSpPr/>
+      </dsp:nvSpPr>
+      <dsp:spPr>
+        <a:xfrm>
+          <a:off x="6000536" y="682629"/>
+          <a:ext cx="1580267" cy="481981"/>
+        </a:xfrm>
+        <a:prstGeom prst="rect">
+          <a:avLst/>
+        </a:prstGeom>
+        <a:solidFill>
+          <a:schemeClr val="accent6">
+            <a:hueOff val="0"/>
+            <a:satOff val="0"/>
+            <a:lumOff val="0"/>
+            <a:alphaOff val="0"/>
+          </a:schemeClr>
+        </a:solidFill>
+        <a:ln w="12700" cap="flat" cmpd="sng" algn="ctr">
+          <a:solidFill>
+            <a:schemeClr val="lt1">
+              <a:hueOff val="0"/>
+              <a:satOff val="0"/>
+              <a:lumOff val="0"/>
+              <a:alphaOff val="0"/>
+            </a:schemeClr>
+          </a:solidFill>
+          <a:prstDash val="solid"/>
+          <a:miter lim="800000"/>
+        </a:ln>
+        <a:effectLst/>
+      </dsp:spPr>
+      <dsp:style>
+        <a:lnRef idx="2">
+          <a:scrgbClr r="0" g="0" b="0"/>
+        </a:lnRef>
+        <a:fillRef idx="1">
+          <a:scrgbClr r="0" g="0" b="0"/>
+        </a:fillRef>
+        <a:effectRef idx="0">
+          <a:scrgbClr r="0" g="0" b="0"/>
+        </a:effectRef>
+        <a:fontRef idx="minor">
+          <a:schemeClr val="lt1"/>
+        </a:fontRef>
+      </dsp:style>
+      <dsp:txBody>
+        <a:bodyPr spcFirstLastPara="0" vert="horz" wrap="square" lIns="12065" tIns="12065" rIns="12065" bIns="12065" numCol="1" spcCol="1270" anchor="ctr" anchorCtr="0">
+          <a:noAutofit/>
+        </a:bodyPr>
+        <a:lstStyle/>
+        <a:p>
+          <a:pPr marL="0" lvl="0" indent="0" algn="ctr" defTabSz="844550">
+            <a:lnSpc>
+              <a:spcPct val="90000"/>
+            </a:lnSpc>
+            <a:spcBef>
+              <a:spcPct val="0"/>
+            </a:spcBef>
+            <a:spcAft>
+              <a:spcPct val="35000"/>
+            </a:spcAft>
+            <a:buNone/>
+          </a:pPr>
+          <a:r>
+            <a:rPr lang="en-US" altLang="zh-CN" sz="1900" kern="1200" dirty="0"/>
+            <a:t>Enemy2</a:t>
+          </a:r>
+          <a:endParaRPr lang="en-US" sz="1900" kern="1200" dirty="0"/>
+        </a:p>
+      </dsp:txBody>
+      <dsp:txXfrm>
+        <a:off x="6000536" y="682629"/>
+        <a:ext cx="1580267" cy="481981"/>
+      </dsp:txXfrm>
+    </dsp:sp>
+    <dsp:sp modelId="{E173E6AC-8DAE-B24A-BCFA-9988D8B8065B}">
+      <dsp:nvSpPr>
+        <dsp:cNvPr id="0" name=""/>
+        <dsp:cNvSpPr/>
+      </dsp:nvSpPr>
+      <dsp:spPr>
+        <a:xfrm>
+          <a:off x="6000536" y="1362144"/>
+          <a:ext cx="1580267" cy="481981"/>
+        </a:xfrm>
+        <a:prstGeom prst="rect">
+          <a:avLst/>
+        </a:prstGeom>
+        <a:solidFill>
+          <a:schemeClr val="accent6">
+            <a:hueOff val="0"/>
+            <a:satOff val="0"/>
+            <a:lumOff val="0"/>
+            <a:alphaOff val="0"/>
+          </a:schemeClr>
+        </a:solidFill>
+        <a:ln w="12700" cap="flat" cmpd="sng" algn="ctr">
+          <a:solidFill>
+            <a:schemeClr val="lt1">
+              <a:hueOff val="0"/>
+              <a:satOff val="0"/>
+              <a:lumOff val="0"/>
+              <a:alphaOff val="0"/>
+            </a:schemeClr>
+          </a:solidFill>
+          <a:prstDash val="solid"/>
+          <a:miter lim="800000"/>
+        </a:ln>
+        <a:effectLst/>
+      </dsp:spPr>
+      <dsp:style>
+        <a:lnRef idx="2">
+          <a:scrgbClr r="0" g="0" b="0"/>
+        </a:lnRef>
+        <a:fillRef idx="1">
+          <a:scrgbClr r="0" g="0" b="0"/>
+        </a:fillRef>
+        <a:effectRef idx="0">
+          <a:scrgbClr r="0" g="0" b="0"/>
+        </a:effectRef>
+        <a:fontRef idx="minor">
+          <a:schemeClr val="lt1"/>
+        </a:fontRef>
+      </dsp:style>
+      <dsp:txBody>
+        <a:bodyPr spcFirstLastPara="0" vert="horz" wrap="square" lIns="12065" tIns="12065" rIns="12065" bIns="12065" numCol="1" spcCol="1270" anchor="ctr" anchorCtr="0">
+          <a:noAutofit/>
+        </a:bodyPr>
+        <a:lstStyle/>
+        <a:p>
+          <a:pPr marL="0" lvl="0" indent="0" algn="ctr" defTabSz="844550">
+            <a:lnSpc>
+              <a:spcPct val="90000"/>
+            </a:lnSpc>
+            <a:spcBef>
+              <a:spcPct val="0"/>
+            </a:spcBef>
+            <a:spcAft>
+              <a:spcPct val="35000"/>
+            </a:spcAft>
+            <a:buNone/>
+          </a:pPr>
+          <a:r>
+            <a:rPr lang="en-US" altLang="zh-CN" sz="1900" kern="1200" dirty="0"/>
+            <a:t>Enemy3</a:t>
+          </a:r>
+          <a:endParaRPr lang="en-US" sz="1900" kern="1200" dirty="0"/>
+        </a:p>
+      </dsp:txBody>
+      <dsp:txXfrm>
+        <a:off x="6000536" y="1362144"/>
+        <a:ext cx="1580267" cy="481981"/>
+      </dsp:txXfrm>
+    </dsp:sp>
+    <dsp:sp modelId="{B19D8845-4DEE-9F4D-9EEF-B64013E9C90E}">
+      <dsp:nvSpPr>
+        <dsp:cNvPr id="0" name=""/>
+        <dsp:cNvSpPr/>
+      </dsp:nvSpPr>
+      <dsp:spPr>
+        <a:xfrm>
+          <a:off x="6000536" y="2041659"/>
+          <a:ext cx="1580267" cy="481981"/>
+        </a:xfrm>
+        <a:prstGeom prst="rect">
+          <a:avLst/>
+        </a:prstGeom>
+        <a:solidFill>
+          <a:schemeClr val="accent6">
+            <a:hueOff val="0"/>
+            <a:satOff val="0"/>
+            <a:lumOff val="0"/>
+            <a:alphaOff val="0"/>
+          </a:schemeClr>
+        </a:solidFill>
+        <a:ln w="12700" cap="flat" cmpd="sng" algn="ctr">
+          <a:solidFill>
+            <a:schemeClr val="lt1">
+              <a:hueOff val="0"/>
+              <a:satOff val="0"/>
+              <a:lumOff val="0"/>
+              <a:alphaOff val="0"/>
+            </a:schemeClr>
+          </a:solidFill>
+          <a:prstDash val="solid"/>
+          <a:miter lim="800000"/>
+        </a:ln>
+        <a:effectLst/>
+      </dsp:spPr>
+      <dsp:style>
+        <a:lnRef idx="2">
+          <a:scrgbClr r="0" g="0" b="0"/>
+        </a:lnRef>
+        <a:fillRef idx="1">
+          <a:scrgbClr r="0" g="0" b="0"/>
+        </a:fillRef>
+        <a:effectRef idx="0">
+          <a:scrgbClr r="0" g="0" b="0"/>
+        </a:effectRef>
+        <a:fontRef idx="minor">
+          <a:schemeClr val="lt1"/>
+        </a:fontRef>
+      </dsp:style>
+      <dsp:txBody>
+        <a:bodyPr spcFirstLastPara="0" vert="horz" wrap="square" lIns="12065" tIns="12065" rIns="12065" bIns="12065" numCol="1" spcCol="1270" anchor="ctr" anchorCtr="0">
+          <a:noAutofit/>
+        </a:bodyPr>
+        <a:lstStyle/>
+        <a:p>
+          <a:pPr marL="0" lvl="0" indent="0" algn="ctr" defTabSz="844550">
+            <a:lnSpc>
+              <a:spcPct val="90000"/>
+            </a:lnSpc>
+            <a:spcBef>
+              <a:spcPct val="0"/>
+            </a:spcBef>
+            <a:spcAft>
+              <a:spcPct val="35000"/>
+            </a:spcAft>
+            <a:buNone/>
+          </a:pPr>
+          <a:r>
+            <a:rPr lang="en-US" altLang="zh-CN" sz="1900" kern="1200" dirty="0"/>
+            <a:t>Boss</a:t>
+          </a:r>
+          <a:endParaRPr lang="en-US" sz="1900" kern="1200" dirty="0"/>
+        </a:p>
+      </dsp:txBody>
+      <dsp:txXfrm>
+        <a:off x="6000536" y="2041659"/>
+        <a:ext cx="1580267" cy="481981"/>
+      </dsp:txXfrm>
+    </dsp:sp>
+    <dsp:sp modelId="{AED4A1C1-4D3A-9C45-A389-2367CCAC043E}">
+      <dsp:nvSpPr>
+        <dsp:cNvPr id="0" name=""/>
+        <dsp:cNvSpPr/>
+      </dsp:nvSpPr>
+      <dsp:spPr>
+        <a:xfrm>
+          <a:off x="4104215" y="4419962"/>
+          <a:ext cx="1580267" cy="481981"/>
+        </a:xfrm>
+        <a:prstGeom prst="rect">
+          <a:avLst/>
+        </a:prstGeom>
+        <a:solidFill>
+          <a:schemeClr val="accent5">
+            <a:hueOff val="0"/>
+            <a:satOff val="0"/>
+            <a:lumOff val="0"/>
+            <a:alphaOff val="0"/>
+          </a:schemeClr>
+        </a:solidFill>
+        <a:ln w="12700" cap="flat" cmpd="sng" algn="ctr">
+          <a:solidFill>
+            <a:schemeClr val="lt1">
+              <a:hueOff val="0"/>
+              <a:satOff val="0"/>
+              <a:lumOff val="0"/>
+              <a:alphaOff val="0"/>
+            </a:schemeClr>
+          </a:solidFill>
+          <a:prstDash val="solid"/>
+          <a:miter lim="800000"/>
+        </a:ln>
+        <a:effectLst/>
+      </dsp:spPr>
+      <dsp:style>
+        <a:lnRef idx="2">
+          <a:scrgbClr r="0" g="0" b="0"/>
+        </a:lnRef>
+        <a:fillRef idx="1">
+          <a:scrgbClr r="0" g="0" b="0"/>
+        </a:fillRef>
+        <a:effectRef idx="0">
+          <a:scrgbClr r="0" g="0" b="0"/>
+        </a:effectRef>
+        <a:fontRef idx="minor">
+          <a:schemeClr val="lt1"/>
+        </a:fontRef>
+      </dsp:style>
+      <dsp:txBody>
+        <a:bodyPr spcFirstLastPara="0" vert="horz" wrap="square" lIns="12065" tIns="12065" rIns="12065" bIns="12065" numCol="1" spcCol="1270" anchor="ctr" anchorCtr="0">
+          <a:noAutofit/>
+        </a:bodyPr>
+        <a:lstStyle/>
+        <a:p>
+          <a:pPr marL="0" lvl="0" indent="0" algn="ctr" defTabSz="844550">
+            <a:lnSpc>
+              <a:spcPct val="90000"/>
+            </a:lnSpc>
+            <a:spcBef>
+              <a:spcPct val="0"/>
+            </a:spcBef>
+            <a:spcAft>
+              <a:spcPct val="35000"/>
+            </a:spcAft>
+            <a:buNone/>
+          </a:pPr>
+          <a:r>
+            <a:rPr lang="en-US" altLang="zh-CN" sz="1900" kern="1200" dirty="0"/>
+            <a:t>Projectile</a:t>
+          </a:r>
+          <a:endParaRPr lang="en-US" sz="1900" kern="1200" dirty="0"/>
+        </a:p>
+      </dsp:txBody>
+      <dsp:txXfrm>
+        <a:off x="4104215" y="4419962"/>
+        <a:ext cx="1580267" cy="481981"/>
+      </dsp:txXfrm>
+    </dsp:sp>
+    <dsp:sp modelId="{243813A8-44F6-E044-BD31-1D99321E8A23}">
+      <dsp:nvSpPr>
+        <dsp:cNvPr id="0" name=""/>
+        <dsp:cNvSpPr/>
+      </dsp:nvSpPr>
+      <dsp:spPr>
+        <a:xfrm>
+          <a:off x="6000536" y="2721174"/>
+          <a:ext cx="1580267" cy="481981"/>
+        </a:xfrm>
+        <a:prstGeom prst="rect">
+          <a:avLst/>
+        </a:prstGeom>
+        <a:solidFill>
+          <a:schemeClr val="accent6">
+            <a:hueOff val="0"/>
+            <a:satOff val="0"/>
+            <a:lumOff val="0"/>
+            <a:alphaOff val="0"/>
+          </a:schemeClr>
+        </a:solidFill>
+        <a:ln w="12700" cap="flat" cmpd="sng" algn="ctr">
+          <a:solidFill>
+            <a:schemeClr val="lt1">
+              <a:hueOff val="0"/>
+              <a:satOff val="0"/>
+              <a:lumOff val="0"/>
+              <a:alphaOff val="0"/>
+            </a:schemeClr>
+          </a:solidFill>
+          <a:prstDash val="solid"/>
+          <a:miter lim="800000"/>
+        </a:ln>
+        <a:effectLst/>
+      </dsp:spPr>
+      <dsp:style>
+        <a:lnRef idx="2">
+          <a:scrgbClr r="0" g="0" b="0"/>
+        </a:lnRef>
+        <a:fillRef idx="1">
+          <a:scrgbClr r="0" g="0" b="0"/>
+        </a:fillRef>
+        <a:effectRef idx="0">
+          <a:scrgbClr r="0" g="0" b="0"/>
+        </a:effectRef>
+        <a:fontRef idx="minor">
+          <a:schemeClr val="lt1"/>
+        </a:fontRef>
+      </dsp:style>
+      <dsp:txBody>
+        <a:bodyPr spcFirstLastPara="0" vert="horz" wrap="square" lIns="12065" tIns="12065" rIns="12065" bIns="12065" numCol="1" spcCol="1270" anchor="ctr" anchorCtr="0">
+          <a:noAutofit/>
+        </a:bodyPr>
+        <a:lstStyle/>
+        <a:p>
+          <a:pPr marL="0" lvl="0" indent="0" algn="ctr" defTabSz="844550">
+            <a:lnSpc>
+              <a:spcPct val="90000"/>
+            </a:lnSpc>
+            <a:spcBef>
+              <a:spcPct val="0"/>
+            </a:spcBef>
+            <a:spcAft>
+              <a:spcPct val="35000"/>
+            </a:spcAft>
+            <a:buNone/>
+          </a:pPr>
+          <a:r>
+            <a:rPr lang="en-US" altLang="zh-CN" sz="1900" kern="1200" dirty="0"/>
+            <a:t>Bullet</a:t>
+          </a:r>
+        </a:p>
+      </dsp:txBody>
+      <dsp:txXfrm>
+        <a:off x="6000536" y="2721174"/>
+        <a:ext cx="1580267" cy="481981"/>
+      </dsp:txXfrm>
+    </dsp:sp>
+    <dsp:sp modelId="{20309D1D-2751-7B41-B140-95B9107E74DB}">
+      <dsp:nvSpPr>
+        <dsp:cNvPr id="0" name=""/>
+        <dsp:cNvSpPr/>
+      </dsp:nvSpPr>
+      <dsp:spPr>
+        <a:xfrm>
+          <a:off x="6000536" y="3400689"/>
+          <a:ext cx="1580267" cy="481981"/>
+        </a:xfrm>
+        <a:prstGeom prst="rect">
+          <a:avLst/>
+        </a:prstGeom>
+        <a:solidFill>
+          <a:schemeClr val="accent6">
+            <a:hueOff val="0"/>
+            <a:satOff val="0"/>
+            <a:lumOff val="0"/>
+            <a:alphaOff val="0"/>
+          </a:schemeClr>
+        </a:solidFill>
+        <a:ln w="12700" cap="flat" cmpd="sng" algn="ctr">
+          <a:solidFill>
+            <a:schemeClr val="lt1">
+              <a:hueOff val="0"/>
+              <a:satOff val="0"/>
+              <a:lumOff val="0"/>
+              <a:alphaOff val="0"/>
+            </a:schemeClr>
+          </a:solidFill>
+          <a:prstDash val="solid"/>
+          <a:miter lim="800000"/>
+        </a:ln>
+        <a:effectLst/>
+      </dsp:spPr>
+      <dsp:style>
+        <a:lnRef idx="2">
+          <a:scrgbClr r="0" g="0" b="0"/>
+        </a:lnRef>
+        <a:fillRef idx="1">
+          <a:scrgbClr r="0" g="0" b="0"/>
+        </a:fillRef>
+        <a:effectRef idx="0">
+          <a:scrgbClr r="0" g="0" b="0"/>
+        </a:effectRef>
+        <a:fontRef idx="minor">
+          <a:schemeClr val="lt1"/>
+        </a:fontRef>
+      </dsp:style>
+      <dsp:txBody>
+        <a:bodyPr spcFirstLastPara="0" vert="horz" wrap="square" lIns="12065" tIns="12065" rIns="12065" bIns="12065" numCol="1" spcCol="1270" anchor="ctr" anchorCtr="0">
+          <a:noAutofit/>
+        </a:bodyPr>
+        <a:lstStyle/>
+        <a:p>
+          <a:pPr marL="0" lvl="0" indent="0" algn="ctr" defTabSz="844550">
+            <a:lnSpc>
+              <a:spcPct val="90000"/>
+            </a:lnSpc>
+            <a:spcBef>
+              <a:spcPct val="0"/>
+            </a:spcBef>
+            <a:spcAft>
+              <a:spcPct val="35000"/>
+            </a:spcAft>
+            <a:buNone/>
+          </a:pPr>
+          <a:r>
+            <a:rPr lang="en-US" altLang="zh-CN" sz="1900" kern="1200" dirty="0"/>
+            <a:t>Forward</a:t>
+          </a:r>
+          <a:r>
+            <a:rPr lang="zh-CN" altLang="en-US" sz="1900" kern="1200" dirty="0"/>
+            <a:t> </a:t>
+          </a:r>
+          <a:r>
+            <a:rPr lang="en-US" altLang="zh-CN" sz="1900" kern="1200" dirty="0"/>
+            <a:t>Fire</a:t>
+          </a:r>
+        </a:p>
+      </dsp:txBody>
+      <dsp:txXfrm>
+        <a:off x="6000536" y="3400689"/>
+        <a:ext cx="1580267" cy="481981"/>
+      </dsp:txXfrm>
+    </dsp:sp>
+    <dsp:sp modelId="{184E981D-CD91-DD46-B0DD-150C675FCD0D}">
+      <dsp:nvSpPr>
+        <dsp:cNvPr id="0" name=""/>
+        <dsp:cNvSpPr/>
+      </dsp:nvSpPr>
+      <dsp:spPr>
+        <a:xfrm>
+          <a:off x="6000536" y="4080204"/>
+          <a:ext cx="1580267" cy="481981"/>
+        </a:xfrm>
+        <a:prstGeom prst="rect">
+          <a:avLst/>
+        </a:prstGeom>
+        <a:solidFill>
+          <a:schemeClr val="accent6">
+            <a:hueOff val="0"/>
+            <a:satOff val="0"/>
+            <a:lumOff val="0"/>
+            <a:alphaOff val="0"/>
+          </a:schemeClr>
+        </a:solidFill>
+        <a:ln w="12700" cap="flat" cmpd="sng" algn="ctr">
+          <a:solidFill>
+            <a:schemeClr val="lt1">
+              <a:hueOff val="0"/>
+              <a:satOff val="0"/>
+              <a:lumOff val="0"/>
+              <a:alphaOff val="0"/>
+            </a:schemeClr>
+          </a:solidFill>
+          <a:prstDash val="solid"/>
+          <a:miter lim="800000"/>
+        </a:ln>
+        <a:effectLst/>
+      </dsp:spPr>
+      <dsp:style>
+        <a:lnRef idx="2">
+          <a:scrgbClr r="0" g="0" b="0"/>
+        </a:lnRef>
+        <a:fillRef idx="1">
+          <a:scrgbClr r="0" g="0" b="0"/>
+        </a:fillRef>
+        <a:effectRef idx="0">
+          <a:scrgbClr r="0" g="0" b="0"/>
+        </a:effectRef>
+        <a:fontRef idx="minor">
+          <a:schemeClr val="lt1"/>
+        </a:fontRef>
+      </dsp:style>
+      <dsp:txBody>
+        <a:bodyPr spcFirstLastPara="0" vert="horz" wrap="square" lIns="12065" tIns="12065" rIns="12065" bIns="12065" numCol="1" spcCol="1270" anchor="ctr" anchorCtr="0">
+          <a:noAutofit/>
+        </a:bodyPr>
+        <a:lstStyle/>
+        <a:p>
+          <a:pPr marL="0" lvl="0" indent="0" algn="ctr" defTabSz="844550">
+            <a:lnSpc>
+              <a:spcPct val="90000"/>
+            </a:lnSpc>
+            <a:spcBef>
+              <a:spcPct val="0"/>
+            </a:spcBef>
+            <a:spcAft>
+              <a:spcPct val="35000"/>
+            </a:spcAft>
+            <a:buNone/>
+          </a:pPr>
+          <a:r>
+            <a:rPr lang="en-US" altLang="zh-CN" sz="1900" kern="1200" dirty="0"/>
+            <a:t>Enemy</a:t>
+          </a:r>
+          <a:r>
+            <a:rPr lang="zh-CN" altLang="en-US" sz="1900" kern="1200" dirty="0"/>
+            <a:t> </a:t>
+          </a:r>
+          <a:r>
+            <a:rPr lang="en-US" altLang="zh-CN" sz="1900" kern="1200" dirty="0"/>
+            <a:t>Bullet</a:t>
+          </a:r>
+        </a:p>
+      </dsp:txBody>
+      <dsp:txXfrm>
+        <a:off x="6000536" y="4080204"/>
+        <a:ext cx="1580267" cy="481981"/>
+      </dsp:txXfrm>
+    </dsp:sp>
+    <dsp:sp modelId="{C6CC3A7B-C7F3-1343-A7B2-7537E9DA0ECA}">
+      <dsp:nvSpPr>
+        <dsp:cNvPr id="0" name=""/>
+        <dsp:cNvSpPr/>
+      </dsp:nvSpPr>
+      <dsp:spPr>
+        <a:xfrm>
+          <a:off x="6000536" y="4759719"/>
+          <a:ext cx="1580267" cy="481981"/>
+        </a:xfrm>
+        <a:prstGeom prst="rect">
+          <a:avLst/>
+        </a:prstGeom>
+        <a:solidFill>
+          <a:schemeClr val="accent6">
+            <a:hueOff val="0"/>
+            <a:satOff val="0"/>
+            <a:lumOff val="0"/>
+            <a:alphaOff val="0"/>
+          </a:schemeClr>
+        </a:solidFill>
+        <a:ln w="12700" cap="flat" cmpd="sng" algn="ctr">
+          <a:solidFill>
+            <a:schemeClr val="lt1">
+              <a:hueOff val="0"/>
+              <a:satOff val="0"/>
+              <a:lumOff val="0"/>
+              <a:alphaOff val="0"/>
+            </a:schemeClr>
+          </a:solidFill>
+          <a:prstDash val="solid"/>
+          <a:miter lim="800000"/>
+        </a:ln>
+        <a:effectLst/>
+      </dsp:spPr>
+      <dsp:style>
+        <a:lnRef idx="2">
+          <a:scrgbClr r="0" g="0" b="0"/>
+        </a:lnRef>
+        <a:fillRef idx="1">
+          <a:scrgbClr r="0" g="0" b="0"/>
+        </a:fillRef>
+        <a:effectRef idx="0">
+          <a:scrgbClr r="0" g="0" b="0"/>
+        </a:effectRef>
+        <a:fontRef idx="minor">
+          <a:schemeClr val="lt1"/>
+        </a:fontRef>
+      </dsp:style>
+      <dsp:txBody>
+        <a:bodyPr spcFirstLastPara="0" vert="horz" wrap="square" lIns="12065" tIns="12065" rIns="12065" bIns="12065" numCol="1" spcCol="1270" anchor="ctr" anchorCtr="0">
+          <a:noAutofit/>
+        </a:bodyPr>
+        <a:lstStyle/>
+        <a:p>
+          <a:pPr marL="0" lvl="0" indent="0" algn="ctr" defTabSz="844550">
+            <a:lnSpc>
+              <a:spcPct val="90000"/>
+            </a:lnSpc>
+            <a:spcBef>
+              <a:spcPct val="0"/>
+            </a:spcBef>
+            <a:spcAft>
+              <a:spcPct val="35000"/>
+            </a:spcAft>
+            <a:buNone/>
+          </a:pPr>
+          <a:r>
+            <a:rPr lang="en-US" altLang="zh-CN" sz="1900" kern="1200" dirty="0"/>
+            <a:t>Enemy</a:t>
+          </a:r>
+          <a:r>
+            <a:rPr lang="zh-CN" altLang="en-US" sz="1900" kern="1200" dirty="0"/>
+            <a:t> </a:t>
+          </a:r>
+          <a:r>
+            <a:rPr lang="en-US" altLang="zh-CN" sz="1900" kern="1200" dirty="0"/>
+            <a:t>Missile</a:t>
+          </a:r>
+        </a:p>
+      </dsp:txBody>
+      <dsp:txXfrm>
+        <a:off x="6000536" y="4759719"/>
+        <a:ext cx="1580267" cy="481981"/>
+      </dsp:txXfrm>
+    </dsp:sp>
+    <dsp:sp modelId="{1A0716CE-4F26-914A-A915-67EC1562A1CD}">
+      <dsp:nvSpPr>
+        <dsp:cNvPr id="0" name=""/>
+        <dsp:cNvSpPr/>
+      </dsp:nvSpPr>
+      <dsp:spPr>
+        <a:xfrm>
+          <a:off x="6000536" y="5439235"/>
+          <a:ext cx="1580267" cy="481981"/>
+        </a:xfrm>
+        <a:prstGeom prst="rect">
+          <a:avLst/>
+        </a:prstGeom>
+        <a:solidFill>
+          <a:schemeClr val="accent6">
+            <a:hueOff val="0"/>
+            <a:satOff val="0"/>
+            <a:lumOff val="0"/>
+            <a:alphaOff val="0"/>
+          </a:schemeClr>
+        </a:solidFill>
+        <a:ln w="12700" cap="flat" cmpd="sng" algn="ctr">
+          <a:solidFill>
+            <a:schemeClr val="lt1">
+              <a:hueOff val="0"/>
+              <a:satOff val="0"/>
+              <a:lumOff val="0"/>
+              <a:alphaOff val="0"/>
+            </a:schemeClr>
+          </a:solidFill>
+          <a:prstDash val="solid"/>
+          <a:miter lim="800000"/>
+        </a:ln>
+        <a:effectLst/>
+      </dsp:spPr>
+      <dsp:style>
+        <a:lnRef idx="2">
+          <a:scrgbClr r="0" g="0" b="0"/>
+        </a:lnRef>
+        <a:fillRef idx="1">
+          <a:scrgbClr r="0" g="0" b="0"/>
+        </a:fillRef>
+        <a:effectRef idx="0">
+          <a:scrgbClr r="0" g="0" b="0"/>
+        </a:effectRef>
+        <a:fontRef idx="minor">
+          <a:schemeClr val="lt1"/>
+        </a:fontRef>
+      </dsp:style>
+      <dsp:txBody>
+        <a:bodyPr spcFirstLastPara="0" vert="horz" wrap="square" lIns="12065" tIns="12065" rIns="12065" bIns="12065" numCol="1" spcCol="1270" anchor="ctr" anchorCtr="0">
+          <a:noAutofit/>
+        </a:bodyPr>
+        <a:lstStyle/>
+        <a:p>
+          <a:pPr marL="0" lvl="0" indent="0" algn="ctr" defTabSz="844550">
+            <a:lnSpc>
+              <a:spcPct val="90000"/>
+            </a:lnSpc>
+            <a:spcBef>
+              <a:spcPct val="0"/>
+            </a:spcBef>
+            <a:spcAft>
+              <a:spcPct val="35000"/>
+            </a:spcAft>
+            <a:buNone/>
+          </a:pPr>
+          <a:r>
+            <a:rPr lang="en-US" altLang="zh-CN" sz="1900" kern="1200" dirty="0"/>
+            <a:t>Explosion</a:t>
+          </a:r>
+        </a:p>
+      </dsp:txBody>
+      <dsp:txXfrm>
+        <a:off x="6000536" y="5439235"/>
+        <a:ext cx="1580267" cy="481981"/>
+      </dsp:txXfrm>
+    </dsp:sp>
+    <dsp:sp modelId="{A6FC2F16-AE72-644E-9D61-E951F315940C}">
+      <dsp:nvSpPr>
+        <dsp:cNvPr id="0" name=""/>
+        <dsp:cNvSpPr/>
+      </dsp:nvSpPr>
+      <dsp:spPr>
+        <a:xfrm>
+          <a:off x="6000536" y="6118750"/>
+          <a:ext cx="1580267" cy="481981"/>
+        </a:xfrm>
+        <a:prstGeom prst="rect">
+          <a:avLst/>
+        </a:prstGeom>
+        <a:solidFill>
+          <a:schemeClr val="accent6">
+            <a:hueOff val="0"/>
+            <a:satOff val="0"/>
+            <a:lumOff val="0"/>
+            <a:alphaOff val="0"/>
+          </a:schemeClr>
+        </a:solidFill>
+        <a:ln w="12700" cap="flat" cmpd="sng" algn="ctr">
+          <a:solidFill>
+            <a:schemeClr val="lt1">
+              <a:hueOff val="0"/>
+              <a:satOff val="0"/>
+              <a:lumOff val="0"/>
+              <a:alphaOff val="0"/>
+            </a:schemeClr>
+          </a:solidFill>
+          <a:prstDash val="solid"/>
+          <a:miter lim="800000"/>
+        </a:ln>
+        <a:effectLst/>
+      </dsp:spPr>
+      <dsp:style>
+        <a:lnRef idx="2">
+          <a:scrgbClr r="0" g="0" b="0"/>
+        </a:lnRef>
+        <a:fillRef idx="1">
+          <a:scrgbClr r="0" g="0" b="0"/>
+        </a:fillRef>
+        <a:effectRef idx="0">
+          <a:scrgbClr r="0" g="0" b="0"/>
+        </a:effectRef>
+        <a:fontRef idx="minor">
+          <a:schemeClr val="lt1"/>
+        </a:fontRef>
+      </dsp:style>
+      <dsp:txBody>
+        <a:bodyPr spcFirstLastPara="0" vert="horz" wrap="square" lIns="12065" tIns="12065" rIns="12065" bIns="12065" numCol="1" spcCol="1270" anchor="ctr" anchorCtr="0">
+          <a:noAutofit/>
+        </a:bodyPr>
+        <a:lstStyle/>
+        <a:p>
+          <a:pPr marL="0" lvl="0" indent="0" algn="ctr" defTabSz="844550">
+            <a:lnSpc>
+              <a:spcPct val="90000"/>
+            </a:lnSpc>
+            <a:spcBef>
+              <a:spcPct val="0"/>
+            </a:spcBef>
+            <a:spcAft>
+              <a:spcPct val="35000"/>
+            </a:spcAft>
+            <a:buNone/>
+          </a:pPr>
+          <a:r>
+            <a:rPr lang="en-US" altLang="zh-CN" sz="1900" kern="1200" dirty="0"/>
+            <a:t>Large</a:t>
+          </a:r>
+          <a:r>
+            <a:rPr lang="zh-CN" altLang="en-US" sz="1900" kern="1200" dirty="0"/>
+            <a:t> </a:t>
+          </a:r>
+          <a:r>
+            <a:rPr lang="en-US" altLang="zh-CN" sz="1900" kern="1200" dirty="0"/>
+            <a:t>Explosion</a:t>
+          </a:r>
+        </a:p>
+      </dsp:txBody>
+      <dsp:txXfrm>
+        <a:off x="6000536" y="6118750"/>
+        <a:ext cx="1580267" cy="481981"/>
+      </dsp:txXfrm>
+    </dsp:sp>
+    <dsp:sp modelId="{E17E2194-AFF0-264A-9261-056FDCBF5F19}">
+      <dsp:nvSpPr>
+        <dsp:cNvPr id="0" name=""/>
+        <dsp:cNvSpPr/>
+      </dsp:nvSpPr>
+      <dsp:spPr>
+        <a:xfrm>
+          <a:off x="4104215" y="5099477"/>
+          <a:ext cx="1580267" cy="481981"/>
+        </a:xfrm>
+        <a:prstGeom prst="rect">
+          <a:avLst/>
+        </a:prstGeom>
+        <a:solidFill>
+          <a:schemeClr val="accent5">
+            <a:hueOff val="0"/>
+            <a:satOff val="0"/>
+            <a:lumOff val="0"/>
+            <a:alphaOff val="0"/>
+          </a:schemeClr>
+        </a:solidFill>
+        <a:ln w="12700" cap="flat" cmpd="sng" algn="ctr">
+          <a:solidFill>
+            <a:schemeClr val="lt1">
+              <a:hueOff val="0"/>
+              <a:satOff val="0"/>
+              <a:lumOff val="0"/>
+              <a:alphaOff val="0"/>
+            </a:schemeClr>
+          </a:solidFill>
+          <a:prstDash val="solid"/>
+          <a:miter lim="800000"/>
+        </a:ln>
+        <a:effectLst/>
+      </dsp:spPr>
+      <dsp:style>
+        <a:lnRef idx="2">
+          <a:scrgbClr r="0" g="0" b="0"/>
+        </a:lnRef>
+        <a:fillRef idx="1">
+          <a:scrgbClr r="0" g="0" b="0"/>
+        </a:fillRef>
+        <a:effectRef idx="0">
+          <a:scrgbClr r="0" g="0" b="0"/>
+        </a:effectRef>
+        <a:fontRef idx="minor">
+          <a:schemeClr val="lt1"/>
+        </a:fontRef>
+      </dsp:style>
+      <dsp:txBody>
+        <a:bodyPr spcFirstLastPara="0" vert="horz" wrap="square" lIns="12065" tIns="12065" rIns="12065" bIns="12065" numCol="1" spcCol="1270" anchor="ctr" anchorCtr="0">
+          <a:noAutofit/>
+        </a:bodyPr>
+        <a:lstStyle/>
+        <a:p>
+          <a:pPr marL="0" lvl="0" indent="0" algn="ctr" defTabSz="844550">
+            <a:lnSpc>
+              <a:spcPct val="90000"/>
+            </a:lnSpc>
+            <a:spcBef>
+              <a:spcPct val="0"/>
+            </a:spcBef>
+            <a:spcAft>
+              <a:spcPct val="35000"/>
+            </a:spcAft>
+            <a:buNone/>
+          </a:pPr>
+          <a:r>
+            <a:rPr lang="en-US" altLang="zh-CN" sz="1900" kern="1200" dirty="0"/>
+            <a:t>Player</a:t>
+          </a:r>
+        </a:p>
+      </dsp:txBody>
+      <dsp:txXfrm>
+        <a:off x="4104215" y="5099477"/>
+        <a:ext cx="1580267" cy="481981"/>
+      </dsp:txXfrm>
+    </dsp:sp>
+    <dsp:sp modelId="{6EDE4353-1F91-E24B-967E-57852F44FE46}">
+      <dsp:nvSpPr>
+        <dsp:cNvPr id="0" name=""/>
+        <dsp:cNvSpPr/>
+      </dsp:nvSpPr>
+      <dsp:spPr>
+        <a:xfrm>
+          <a:off x="4104215" y="5778992"/>
+          <a:ext cx="1580267" cy="481981"/>
+        </a:xfrm>
+        <a:prstGeom prst="rect">
+          <a:avLst/>
+        </a:prstGeom>
+        <a:solidFill>
+          <a:schemeClr val="accent5">
+            <a:hueOff val="0"/>
+            <a:satOff val="0"/>
+            <a:lumOff val="0"/>
+            <a:alphaOff val="0"/>
+          </a:schemeClr>
+        </a:solidFill>
+        <a:ln w="12700" cap="flat" cmpd="sng" algn="ctr">
+          <a:solidFill>
+            <a:schemeClr val="lt1">
+              <a:hueOff val="0"/>
+              <a:satOff val="0"/>
+              <a:lumOff val="0"/>
+              <a:alphaOff val="0"/>
+            </a:schemeClr>
+          </a:solidFill>
+          <a:prstDash val="solid"/>
+          <a:miter lim="800000"/>
+        </a:ln>
+        <a:effectLst/>
+      </dsp:spPr>
+      <dsp:style>
+        <a:lnRef idx="2">
+          <a:scrgbClr r="0" g="0" b="0"/>
+        </a:lnRef>
+        <a:fillRef idx="1">
+          <a:scrgbClr r="0" g="0" b="0"/>
+        </a:fillRef>
+        <a:effectRef idx="0">
+          <a:scrgbClr r="0" g="0" b="0"/>
+        </a:effectRef>
+        <a:fontRef idx="minor">
+          <a:schemeClr val="lt1"/>
+        </a:fontRef>
+      </dsp:style>
+      <dsp:txBody>
+        <a:bodyPr spcFirstLastPara="0" vert="horz" wrap="square" lIns="12065" tIns="12065" rIns="12065" bIns="12065" numCol="1" spcCol="1270" anchor="ctr" anchorCtr="0">
+          <a:noAutofit/>
+        </a:bodyPr>
+        <a:lstStyle/>
+        <a:p>
+          <a:pPr marL="0" lvl="0" indent="0" algn="ctr" defTabSz="844550">
+            <a:lnSpc>
+              <a:spcPct val="90000"/>
+            </a:lnSpc>
+            <a:spcBef>
+              <a:spcPct val="0"/>
+            </a:spcBef>
+            <a:spcAft>
+              <a:spcPct val="35000"/>
+            </a:spcAft>
+            <a:buNone/>
+          </a:pPr>
+          <a:r>
+            <a:rPr lang="en-US" altLang="zh-CN" sz="1900" kern="1200" dirty="0"/>
+            <a:t>Background</a:t>
+          </a:r>
+        </a:p>
+      </dsp:txBody>
+      <dsp:txXfrm>
+        <a:off x="4104215" y="5778992"/>
+        <a:ext cx="1580267" cy="481981"/>
+      </dsp:txXfrm>
+    </dsp:sp>
+  </dsp:spTree>
+</dsp:drawing>
+</file>
+
+<file path=ppt/diagrams/layout1.xml><?xml version="1.0" encoding="utf-8"?>
+<dgm:layoutDef xmlns:dgm="http://schemas.openxmlformats.org/drawingml/2006/diagram" xmlns:a="http://schemas.openxmlformats.org/drawingml/2006/main" uniqueId="urn:microsoft.com/office/officeart/2009/3/layout/HorizontalOrganizationChart">
+  <dgm:title val=""/>
+  <dgm:desc val=""/>
+  <dgm:catLst>
+    <dgm:cat type="hierarchy" pri="4300"/>
+  </dgm:catLst>
+  <dgm:sampData>
+    <dgm:dataModel>
+      <dgm:ptLst>
+        <dgm:pt modelId="0" type="doc"/>
+        <dgm:pt modelId="1">
+          <dgm:prSet phldr="1"/>
+        </dgm:pt>
+        <dgm:pt modelId="2" type="asst">
+          <dgm:prSet phldr="1"/>
+        </dgm:pt>
+        <dgm:pt modelId="3">
+          <dgm:prSet phldr="1"/>
+        </dgm:pt>
+        <dgm:pt modelId="4">
+          <dgm:prSet phldr="1"/>
+        </dgm:pt>
+        <dgm:pt modelId="5">
+          <dgm:prSet phldr="1"/>
+        </dgm:pt>
+      </dgm:ptLst>
+      <dgm:cxnLst>
+        <dgm:cxn modelId="5" srcId="0" destId="1" srcOrd="0" destOrd="0"/>
+        <dgm:cxn modelId="6" srcId="1" destId="2" srcOrd="0" destOrd="0"/>
+        <dgm:cxn modelId="7" srcId="1" destId="3" srcOrd="1" destOrd="0"/>
+        <dgm:cxn modelId="8" srcId="1" destId="4" srcOrd="2" destOrd="0"/>
+        <dgm:cxn modelId="9" srcId="1" destId="5" srcOrd="3" destOrd="0"/>
+      </dgm:cxnLst>
+      <dgm:bg/>
+      <dgm:whole/>
+    </dgm:dataModel>
+  </dgm:sampData>
+  <dgm:styleData>
+    <dgm:dataModel>
+      <dgm:ptLst>
+        <dgm:pt modelId="0" type="doc"/>
+        <dgm:pt modelId="1"/>
+        <dgm:pt modelId="12"/>
+        <dgm:pt modelId="13"/>
+      </dgm:ptLst>
+      <dgm:cxnLst>
+        <dgm:cxn modelId="2" srcId="0" destId="1" srcOrd="0" destOrd="0"/>
+        <dgm:cxn modelId="16" srcId="1" destId="12" srcOrd="1" destOrd="0"/>
+        <dgm:cxn modelId="17" srcId="1" destId="13" srcOrd="2" destOrd="0"/>
+      </dgm:cxnLst>
+      <dgm:bg/>
+      <dgm:whole/>
+    </dgm:dataModel>
+  </dgm:styleData>
+  <dgm:clrData>
+    <dgm:dataModel>
+      <dgm:ptLst>
+        <dgm:pt modelId="0" type="doc"/>
+        <dgm:pt modelId="1"/>
+        <dgm:pt modelId="11" type="asst"/>
+        <dgm:pt modelId="12"/>
+        <dgm:pt modelId="13"/>
+        <dgm:pt modelId="14"/>
+      </dgm:ptLst>
+      <dgm:cxnLst>
+        <dgm:cxn modelId="2" srcId="0" destId="1" srcOrd="0" destOrd="0"/>
+        <dgm:cxn modelId="15" srcId="1" destId="11" srcOrd="0" destOrd="0"/>
+        <dgm:cxn modelId="16" srcId="1" destId="12" srcOrd="1" destOrd="0"/>
+        <dgm:cxn modelId="17" srcId="1" destId="13" srcOrd="2" destOrd="0"/>
+        <dgm:cxn modelId="18" srcId="1" destId="14" srcOrd="2" destOrd="0"/>
+      </dgm:cxnLst>
+      <dgm:bg/>
+      <dgm:whole/>
+    </dgm:dataModel>
+  </dgm:clrData>
+  <dgm:layoutNode name="hierChild1">
+    <dgm:varLst>
+      <dgm:orgChart val="1"/>
+      <dgm:chPref val="1"/>
+      <dgm:dir/>
+      <dgm:animOne val="branch"/>
+      <dgm:animLvl val="lvl"/>
+      <dgm:resizeHandles/>
+    </dgm:varLst>
+    <dgm:choose name="Name0">
+      <dgm:if name="Name1" func="var" arg="dir" op="equ" val="norm">
+        <dgm:alg type="hierChild">
+          <dgm:param type="linDir" val="fromT"/>
+          <dgm:param type="chAlign" val="l"/>
+        </dgm:alg>
+      </dgm:if>
+      <dgm:else name="Name2">
+        <dgm:alg type="hierChild">
+          <dgm:param type="linDir" val="fromT"/>
+          <dgm:param type="chAlign" val="r"/>
+        </dgm:alg>
+      </dgm:else>
+    </dgm:choose>
+    <dgm:shape xmlns:r="http://schemas.openxmlformats.org/officeDocument/2006/relationships" r:blip="">
+      <dgm:adjLst/>
+    </dgm:shape>
+    <dgm:presOf/>
+    <dgm:constrLst>
+      <dgm:constr type="w" for="des" forName="rootComposite1" refType="w" fact="10"/>
+      <dgm:constr type="h" for="des" forName="rootComposite1" refType="w" refFor="des" refForName="rootComposite1" fact="0.305"/>
+      <dgm:constr type="w" for="des" forName="rootComposite" refType="w" fact="10"/>
+      <dgm:constr type="h" for="des" forName="rootComposite" refType="w" refFor="des" refForName="rootComposite1" fact="0.305"/>
+      <dgm:constr type="w" for="des" forName="rootComposite3" refType="w" fact="10"/>
+      <dgm:constr type="h" for="des" forName="rootComposite3" refType="w" refFor="des" refForName="rootComposite1" fact="0.305"/>
+      <dgm:constr type="primFontSz" for="des" ptType="node" op="equ"/>
+      <dgm:constr type="sp" for="des" op="equ"/>
+      <dgm:constr type="sp" for="des" forName="hierRoot1" refType="w" refFor="des" refForName="rootComposite1" fact="0.2"/>
+      <dgm:constr type="sp" for="des" forName="hierRoot2" refType="sp" refFor="des" refForName="hierRoot1"/>
+      <dgm:constr type="sp" for="des" forName="hierRoot3" refType="sp" refFor="des" refForName="hierRoot1"/>
+      <dgm:constr type="sibSp" refType="w" refFor="des" refForName="rootComposite1" fact="0.125"/>
+      <dgm:constr type="sibSp" for="des" forName="hierChild2" refType="sibSp"/>
+      <dgm:constr type="sibSp" for="des" forName="hierChild3" refType="sibSp"/>
+      <dgm:constr type="sibSp" for="des" forName="hierChild4" refType="sibSp"/>
+      <dgm:constr type="sibSp" for="des" forName="hierChild5" refType="sibSp"/>
+      <dgm:constr type="sibSp" for="des" forName="hierChild6" refType="sibSp"/>
+      <dgm:constr type="sibSp" for="des" forName="hierChild7" refType="sibSp"/>
+      <dgm:constr type="secSibSp" refType="w" refFor="des" refForName="rootComposite1" fact="0.125"/>
+      <dgm:constr type="secSibSp" for="des" forName="hierChild2" refType="secSibSp"/>
+      <dgm:constr type="secSibSp" for="des" forName="hierChild3" refType="secSibSp"/>
+      <dgm:constr type="secSibSp" for="des" forName="hierChild4" refType="secSibSp"/>
+      <dgm:constr type="secSibSp" for="des" forName="hierChild5" refType="secSibSp"/>
+      <dgm:constr type="secSibSp" for="des" forName="hierChild6" refType="secSibSp"/>
+      <dgm:constr type="secSibSp" for="des" forName="hierChild7" refType="secSibSp"/>
+    </dgm:constrLst>
+    <dgm:ruleLst/>
+    <dgm:forEach name="Name3" axis="ch">
+      <dgm:forEach name="Name4" axis="self" ptType="node">
+        <dgm:layoutNode name="hierRoot1">
+          <dgm:varLst>
+            <dgm:hierBranch val="init"/>
+          </dgm:varLst>
+          <dgm:choose name="Name5">
+            <dgm:if name="Name6" func="var" arg="hierBranch" op="equ" val="l">
+              <dgm:choose name="Name7">
+                <dgm:if name="Name8" func="var" arg="dir" op="equ" val="norm">
+                  <dgm:alg type="hierRoot">
+                    <dgm:param type="hierAlign" val="lT"/>
+                  </dgm:alg>
+                  <dgm:constrLst>
+                    <dgm:constr type="alignOff" val="0.75"/>
+                  </dgm:constrLst>
+                </dgm:if>
+                <dgm:else name="Name9">
+                  <dgm:alg type="hierRoot">
+                    <dgm:param type="hierAlign" val="rT"/>
+                  </dgm:alg>
+                  <dgm:constrLst>
+                    <dgm:constr type="alignOff" val="0.75"/>
+                  </dgm:constrLst>
+                </dgm:else>
+              </dgm:choose>
+            </dgm:if>
+            <dgm:if name="Name10" func="var" arg="hierBranch" op="equ" val="r">
+              <dgm:choose name="Name11">
+                <dgm:if name="Name12" func="var" arg="dir" op="equ" val="norm">
+                  <dgm:alg type="hierRoot">
+                    <dgm:param type="hierAlign" val="lB"/>
+                  </dgm:alg>
+                  <dgm:constrLst>
+                    <dgm:constr type="alignOff" val="0.75"/>
+                  </dgm:constrLst>
+                </dgm:if>
+                <dgm:else name="Name13">
+                  <dgm:alg type="hierRoot">
+                    <dgm:param type="hierAlign" val="rB"/>
+                  </dgm:alg>
+                  <dgm:constrLst>
+                    <dgm:constr type="alignOff" val="0.75"/>
+                  </dgm:constrLst>
+                </dgm:else>
+              </dgm:choose>
+            </dgm:if>
+            <dgm:if name="Name14" func="var" arg="hierBranch" op="equ" val="hang">
+              <dgm:choose name="Name15">
+                <dgm:if name="Name16" func="var" arg="dir" op="equ" val="norm">
+                  <dgm:alg type="hierRoot">
+                    <dgm:param type="hierAlign" val="lCtrCh"/>
+                  </dgm:alg>
+                  <dgm:constrLst>
+                    <dgm:constr type="alignOff" val="0.65"/>
+                  </dgm:constrLst>
+                </dgm:if>
+                <dgm:else name="Name17">
+                  <dgm:alg type="hierRoot">
+                    <dgm:param type="hierAlign" val="rCtrCh"/>
+                  </dgm:alg>
+                  <dgm:constrLst>
+                    <dgm:constr type="alignOff" val="0.65"/>
+                  </dgm:constrLst>
+                </dgm:else>
+              </dgm:choose>
+            </dgm:if>
+            <dgm:else name="Name18">
+              <dgm:choose name="Name19">
+                <dgm:if name="Name20" func="var" arg="dir" op="equ" val="norm">
+                  <dgm:alg type="hierRoot">
+                    <dgm:param type="hierAlign" val="lCtrCh"/>
+                  </dgm:alg>
+                  <dgm:constrLst>
+                    <dgm:constr type="alignOff"/>
+                    <dgm:constr type="bendDist" for="des" ptType="parTrans" refType="sp" fact="0.5"/>
+                  </dgm:constrLst>
+                </dgm:if>
+                <dgm:else name="Name21">
+                  <dgm:alg type="hierRoot">
+                    <dgm:param type="hierAlign" val="rCtrCh"/>
+                  </dgm:alg>
+                  <dgm:constrLst>
+                    <dgm:constr type="alignOff"/>
+                    <dgm:constr type="bendDist" for="des" ptType="parTrans" refType="sp" fact="0.5"/>
+                  </dgm:constrLst>
+                </dgm:else>
+              </dgm:choose>
+            </dgm:else>
+          </dgm:choose>
+          <dgm:shape xmlns:r="http://schemas.openxmlformats.org/officeDocument/2006/relationships" r:blip="">
+            <dgm:adjLst/>
+          </dgm:shape>
+          <dgm:presOf/>
+          <dgm:ruleLst/>
+          <dgm:layoutNode name="rootComposite1">
+            <dgm:alg type="composite"/>
+            <dgm:shape xmlns:r="http://schemas.openxmlformats.org/officeDocument/2006/relationships" r:blip="">
+              <dgm:adjLst/>
+            </dgm:shape>
+            <dgm:presOf axis="self" ptType="node" cnt="1"/>
+            <dgm:choose name="Name22">
+              <dgm:if name="Name23" func="var" arg="hierBranch" op="equ" val="init">
+                <dgm:constrLst>
+                  <dgm:constr type="l" for="ch" forName="rootText1"/>
+                  <dgm:constr type="t" for="ch" forName="rootText1"/>
+                  <dgm:constr type="w" for="ch" forName="rootText1" refType="w"/>
+                  <dgm:constr type="h" for="ch" forName="rootText1" refType="h"/>
+                  <dgm:constr type="l" for="ch" forName="rootConnector1"/>
+                  <dgm:constr type="t" for="ch" forName="rootConnector1"/>
+                  <dgm:constr type="w" for="ch" forName="rootConnector1" refType="w" refFor="ch" refForName="rootText1" fact="0.2"/>
+                  <dgm:constr type="h" for="ch" forName="rootConnector1" refType="h" refFor="ch" refForName="rootText1"/>
+                </dgm:constrLst>
+              </dgm:if>
+              <dgm:if name="Name24" func="var" arg="hierBranch" op="equ" val="l">
+                <dgm:constrLst>
+                  <dgm:constr type="l" for="ch" forName="rootText1"/>
+                  <dgm:constr type="t" for="ch" forName="rootText1"/>
+                  <dgm:constr type="w" for="ch" forName="rootText1" refType="w"/>
+                  <dgm:constr type="h" for="ch" forName="rootText1" refType="h"/>
+                  <dgm:constr type="r" for="ch" forName="rootConnector1" refType="w"/>
+                  <dgm:constr type="t" for="ch" forName="rootConnector1"/>
+                  <dgm:constr type="w" for="ch" forName="rootConnector1" refType="w" refFor="ch" refForName="rootText1" fact="0.2"/>
+                  <dgm:constr type="h" for="ch" forName="rootConnector1" refType="h" refFor="ch" refForName="rootText1"/>
+                </dgm:constrLst>
+              </dgm:if>
+              <dgm:if name="Name25" func="var" arg="hierBranch" op="equ" val="r">
+                <dgm:constrLst>
+                  <dgm:constr type="l" for="ch" forName="rootText1"/>
+                  <dgm:constr type="t" for="ch" forName="rootText1"/>
+                  <dgm:constr type="w" for="ch" forName="rootText1" refType="w"/>
+                  <dgm:constr type="h" for="ch" forName="rootText1" refType="h"/>
+                  <dgm:constr type="l" for="ch" forName="rootConnector1"/>
+                  <dgm:constr type="t" for="ch" forName="rootConnector1"/>
+                  <dgm:constr type="w" for="ch" forName="rootConnector1" refType="w" refFor="ch" refForName="rootText1" fact="0.2"/>
+                  <dgm:constr type="h" for="ch" forName="rootConnector1" refType="h" refFor="ch" refForName="rootText1"/>
+                </dgm:constrLst>
+              </dgm:if>
+              <dgm:else name="Name26">
+                <dgm:constrLst>
+                  <dgm:constr type="l" for="ch" forName="rootText1"/>
+                  <dgm:constr type="t" for="ch" forName="rootText1"/>
+                  <dgm:constr type="w" for="ch" forName="rootText1" refType="w"/>
+                  <dgm:constr type="h" for="ch" forName="rootText1" refType="h"/>
+                  <dgm:constr type="r" for="ch" forName="rootConnector1" refType="w"/>
+                  <dgm:constr type="t" for="ch" forName="rootConnector1"/>
+                  <dgm:constr type="w" for="ch" forName="rootConnector1" refType="w" refFor="ch" refForName="rootText1" fact="0.2"/>
+                  <dgm:constr type="h" for="ch" forName="rootConnector1" refType="h" refFor="ch" refForName="rootText1"/>
+                </dgm:constrLst>
+              </dgm:else>
+            </dgm:choose>
+            <dgm:ruleLst/>
+            <dgm:layoutNode name="rootText1" styleLbl="node0">
+              <dgm:varLst>
+                <dgm:chPref val="3"/>
+              </dgm:varLst>
+              <dgm:alg type="tx"/>
+              <dgm:shape xmlns:r="http://schemas.openxmlformats.org/officeDocument/2006/relationships" type="rect" r:blip="">
+                <dgm:adjLst/>
+              </dgm:shape>
+              <dgm:presOf axis="self" ptType="node" cnt="1"/>
+              <dgm:constrLst>
+                <dgm:constr type="primFontSz" val="65"/>
+                <dgm:constr type="lMarg" refType="primFontSz" fact="0.05"/>
+                <dgm:constr type="rMarg" refType="primFontSz" fact="0.05"/>
+                <dgm:constr type="tMarg" refType="primFontSz" fact="0.05"/>
+                <dgm:constr type="bMarg" refType="primFontSz" fact="0.05"/>
+              </dgm:constrLst>
+              <dgm:ruleLst>
+                <dgm:rule type="primFontSz" val="5" fact="NaN" max="NaN"/>
+              </dgm:ruleLst>
+            </dgm:layoutNode>
+            <dgm:layoutNode name="rootConnector1" moveWith="rootText1">
+              <dgm:alg type="sp"/>
+              <dgm:shape xmlns:r="http://schemas.openxmlformats.org/officeDocument/2006/relationships" type="rect" r:blip="" hideGeom="1">
+                <dgm:adjLst/>
+              </dgm:shape>
+              <dgm:presOf axis="self" ptType="node" cnt="1"/>
+              <dgm:constrLst/>
+              <dgm:ruleLst/>
+            </dgm:layoutNode>
+          </dgm:layoutNode>
+          <dgm:layoutNode name="hierChild2">
+            <dgm:choose name="Name27">
+              <dgm:if name="Name28" func="var" arg="hierBranch" op="equ" val="l">
+                <dgm:choose name="Name29">
+                  <dgm:if name="Name30" func="var" arg="dir" op="equ" val="norm">
+                    <dgm:alg type="hierChild">
+                      <dgm:param type="chAlign" val="t"/>
+                      <dgm:param type="linDir" val="fromL"/>
+                    </dgm:alg>
+                  </dgm:if>
+                  <dgm:else name="Name31">
+                    <dgm:alg type="hierChild">
+                      <dgm:param type="chAlign" val="t"/>
+                      <dgm:param type="linDir" val="fromR"/>
+                    </dgm:alg>
+                  </dgm:else>
+                </dgm:choose>
+              </dgm:if>
+              <dgm:if name="Name32" func="var" arg="hierBranch" op="equ" val="r">
+                <dgm:choose name="Name33">
+                  <dgm:if name="Name34" func="var" arg="dir" op="equ" val="norm">
+                    <dgm:alg type="hierChild">
+                      <dgm:param type="chAlign" val="b"/>
+                      <dgm:param type="linDir" val="fromL"/>
+                    </dgm:alg>
+                  </dgm:if>
+                  <dgm:else name="Name35">
+                    <dgm:alg type="hierChild">
+                      <dgm:param type="chAlign" val="b"/>
+                      <dgm:param type="linDir" val="fromR"/>
+                    </dgm:alg>
+                  </dgm:else>
+                </dgm:choose>
+              </dgm:if>
+              <dgm:if name="Name36" func="var" arg="hierBranch" op="equ" val="hang">
+                <dgm:choose name="Name37">
+                  <dgm:if name="Name38" func="var" arg="dir" op="equ" val="norm">
+                    <dgm:alg type="hierChild">
+                      <dgm:param type="chAlign" val="l"/>
+                      <dgm:param type="linDir" val="fromT"/>
+                      <dgm:param type="secChAlign" val="t"/>
+                      <dgm:param type="secLinDir" val="fromL"/>
+                    </dgm:alg>
+                  </dgm:if>
+                  <dgm:else name="Name39">
+                    <dgm:alg type="hierChild">
+                      <dgm:param type="chAlign" val="r"/>
+                      <dgm:param type="linDir" val="fromT"/>
+                      <dgm:param type="secChAlign" val="t"/>
+                      <dgm:param type="secLinDir" val="fromR"/>
+                    </dgm:alg>
+                  </dgm:else>
+                </dgm:choose>
+              </dgm:if>
+              <dgm:else name="Name40">
+                <dgm:choose name="Name41">
+                  <dgm:if name="Name42" func="var" arg="dir" op="equ" val="norm">
+                    <dgm:alg type="hierChild">
+                      <dgm:param type="linDir" val="fromT"/>
+                      <dgm:param type="chAlign" val="l"/>
+                    </dgm:alg>
+                  </dgm:if>
+                  <dgm:else name="Name43">
+                    <dgm:alg type="hierChild">
+                      <dgm:param type="linDir" val="fromT"/>
+                      <dgm:param type="chAlign" val="r"/>
+                    </dgm:alg>
+                  </dgm:else>
+                </dgm:choose>
+              </dgm:else>
+            </dgm:choose>
+            <dgm:shape xmlns:r="http://schemas.openxmlformats.org/officeDocument/2006/relationships" r:blip="">
+              <dgm:adjLst/>
+            </dgm:shape>
+            <dgm:presOf/>
+            <dgm:constrLst/>
+            <dgm:ruleLst/>
+            <dgm:forEach name="rep2a" axis="ch" ptType="nonAsst">
+              <dgm:forEach name="Name44" axis="precedSib" ptType="parTrans" st="-1" cnt="1">
+                <dgm:choose name="Name45">
+                  <dgm:if name="Name46" func="var" arg="hierBranch" op="equ" val="hang">
+                    <dgm:layoutNode name="Name47">
+                      <dgm:choose name="Name48">
+                        <dgm:if name="Name49" func="var" arg="dir" op="equ" val="norm">
+                          <dgm:alg type="conn">
+                            <dgm:param type="connRout" val="bend"/>
+                            <dgm:param type="dim" val="1D"/>
+                            <dgm:param type="endSty" val="noArr"/>
+                            <dgm:param type="begPts" val="midR"/>
+                            <dgm:param type="endPts" val="bCtr tCtr"/>
+                          </dgm:alg>
+                        </dgm:if>
+                        <dgm:else name="Name50">
+                          <dgm:alg type="conn">
+                            <dgm:param type="connRout" val="bend"/>
+                            <dgm:param type="dim" val="1D"/>
+                            <dgm:param type="endSty" val="noArr"/>
+                            <dgm:param type="begPts" val="midL"/>
+                            <dgm:param type="endPts" val="bCtr tCtr"/>
+                          </dgm:alg>
+                        </dgm:else>
+                      </dgm:choose>
+                      <dgm:shape xmlns:r="http://schemas.openxmlformats.org/officeDocument/2006/relationships" type="conn" r:blip="" zOrderOff="-99999">
+                        <dgm:adjLst/>
+                      </dgm:shape>
+                      <dgm:presOf axis="self"/>
+                      <dgm:constrLst>
+                        <dgm:constr type="begPad"/>
+                        <dgm:constr type="endPad"/>
+                      </dgm:constrLst>
+                      <dgm:ruleLst/>
+                    </dgm:layoutNode>
+                  </dgm:if>
+                  <dgm:if name="Name51" func="var" arg="hierBranch" op="equ" val="l">
+                    <dgm:layoutNode name="Name52">
+                      <dgm:choose name="Name53">
+                        <dgm:if name="Name54" func="var" arg="dir" op="equ" val="norm">
+                          <dgm:alg type="conn">
+                            <dgm:param type="connRout" val="bend"/>
+                            <dgm:param type="dim" val="1D"/>
+                            <dgm:param type="endSty" val="noArr"/>
+                            <dgm:param type="begPts" val="midR"/>
+                            <dgm:param type="endPts" val="tCtr"/>
+                          </dgm:alg>
+                        </dgm:if>
+                        <dgm:else name="Name55">
+                          <dgm:alg type="conn">
+                            <dgm:param type="connRout" val="bend"/>
+                            <dgm:param type="dim" val="1D"/>
+                            <dgm:param type="endSty" val="noArr"/>
+                            <dgm:param type="begPts" val="midL"/>
+                            <dgm:param type="endPts" val="tCtr"/>
+                          </dgm:alg>
+                        </dgm:else>
+                      </dgm:choose>
+                      <dgm:shape xmlns:r="http://schemas.openxmlformats.org/officeDocument/2006/relationships" type="conn" r:blip="" zOrderOff="-99999">
+                        <dgm:adjLst/>
+                      </dgm:shape>
+                      <dgm:presOf axis="self"/>
+                      <dgm:constrLst>
+                        <dgm:constr type="begPad"/>
+                        <dgm:constr type="endPad"/>
+                      </dgm:constrLst>
+                      <dgm:ruleLst/>
+                    </dgm:layoutNode>
+                  </dgm:if>
+                  <dgm:if name="Name56" func="var" arg="hierBranch" op="equ" val="r">
+                    <dgm:layoutNode name="Name57">
+                      <dgm:choose name="Name58">
+                        <dgm:if name="Name59" func="var" arg="dir" op="equ" val="norm">
+                          <dgm:alg type="conn">
+                            <dgm:param type="connRout" val="bend"/>
+                            <dgm:param type="dim" val="1D"/>
+                            <dgm:param type="endSty" val="noArr"/>
+                            <dgm:param type="begPts" val="midR"/>
+                            <dgm:param type="endPts" val="bCtr"/>
+                          </dgm:alg>
+                        </dgm:if>
+                        <dgm:else name="Name60">
+                          <dgm:alg type="conn">
+                            <dgm:param type="connRout" val="bend"/>
+                            <dgm:param type="dim" val="1D"/>
+                            <dgm:param type="endSty" val="noArr"/>
+                            <dgm:param type="begPts" val="midL"/>
+                            <dgm:param type="endPts" val="bCtr"/>
+                          </dgm:alg>
+                        </dgm:else>
+                      </dgm:choose>
+                      <dgm:shape xmlns:r="http://schemas.openxmlformats.org/officeDocument/2006/relationships" type="conn" r:blip="" zOrderOff="-99999">
+                        <dgm:adjLst/>
+                      </dgm:shape>
+                      <dgm:presOf axis="self"/>
+                      <dgm:constrLst>
+                        <dgm:constr type="begPad"/>
+                        <dgm:constr type="endPad"/>
+                      </dgm:constrLst>
+                      <dgm:ruleLst/>
+                    </dgm:layoutNode>
+                  </dgm:if>
+                  <dgm:else name="Name61">
+                    <dgm:choose name="Name62">
+                      <dgm:if name="Name63" func="var" arg="dir" op="equ" val="norm">
+                        <dgm:layoutNode name="Name64">
+                          <dgm:alg type="conn">
+                            <dgm:param type="connRout" val="bend"/>
+                            <dgm:param type="dim" val="1D"/>
+                            <dgm:param type="endSty" val="noArr"/>
+                            <dgm:param type="begPts" val="midR"/>
+                            <dgm:param type="endPts" val="midL"/>
+                            <dgm:param type="bendPt" val="end"/>
+                          </dgm:alg>
+                          <dgm:shape xmlns:r="http://schemas.openxmlformats.org/officeDocument/2006/relationships" type="conn" r:blip="" zOrderOff="-99999">
+                            <dgm:adjLst/>
+                          </dgm:shape>
+                          <dgm:presOf axis="self"/>
+                          <dgm:constrLst>
+                            <dgm:constr type="begPad"/>
+                            <dgm:constr type="endPad"/>
+                          </dgm:constrLst>
+                          <dgm:ruleLst/>
+                        </dgm:layoutNode>
+                      </dgm:if>
+                      <dgm:else name="Name65">
+                        <dgm:layoutNode name="Name66">
+                          <dgm:alg type="conn">
+                            <dgm:param type="connRout" val="bend"/>
+                            <dgm:param type="dim" val="1D"/>
+                            <dgm:param type="endSty" val="noArr"/>
+                            <dgm:param type="begPts" val="midL"/>
+                            <dgm:param type="endPts" val="midR"/>
+                            <dgm:param type="bendPt" val="end"/>
+                          </dgm:alg>
+                          <dgm:shape xmlns:r="http://schemas.openxmlformats.org/officeDocument/2006/relationships" type="conn" r:blip="" zOrderOff="-99999">
+                            <dgm:adjLst/>
+                          </dgm:shape>
+                          <dgm:presOf axis="self"/>
+                          <dgm:constrLst>
+                            <dgm:constr type="begPad"/>
+                            <dgm:constr type="endPad"/>
+                          </dgm:constrLst>
+                          <dgm:ruleLst/>
+                        </dgm:layoutNode>
+                      </dgm:else>
+                    </dgm:choose>
+                  </dgm:else>
+                </dgm:choose>
+              </dgm:forEach>
+              <dgm:layoutNode name="hierRoot2">
+                <dgm:varLst>
+                  <dgm:hierBranch val="init"/>
+                </dgm:varLst>
+                <dgm:choose name="Name67">
+                  <dgm:if name="Name68" func="var" arg="hierBranch" op="equ" val="l">
+                    <dgm:choose name="Name69">
+                      <dgm:if name="Name70" func="var" arg="dir" op="equ" val="norm">
+                        <dgm:alg type="hierRoot">
+                          <dgm:param type="hierAlign" val="lT"/>
+                        </dgm:alg>
+                        <dgm:constrLst>
+                          <dgm:constr type="alignOff" val="0.75"/>
+                        </dgm:constrLst>
+                      </dgm:if>
+                      <dgm:else name="Name71">
+                        <dgm:alg type="hierRoot">
+                          <dgm:param type="hierAlign" val="rT"/>
+                        </dgm:alg>
+                        <dgm:constrLst>
+                          <dgm:constr type="alignOff" val="0.75"/>
+                        </dgm:constrLst>
+                      </dgm:else>
+                    </dgm:choose>
+                  </dgm:if>
+                  <dgm:if name="Name72" func="var" arg="hierBranch" op="equ" val="r">
+                    <dgm:choose name="Name73">
+                      <dgm:if name="Name74" func="var" arg="dir" op="equ" val="norm">
+                        <dgm:alg type="hierRoot">
+                          <dgm:param type="hierAlign" val="lB"/>
+                        </dgm:alg>
+                        <dgm:constrLst>
+                          <dgm:constr type="alignOff" val="0.75"/>
+                        </dgm:constrLst>
+                      </dgm:if>
+                      <dgm:else name="Name75">
+                        <dgm:alg type="hierRoot">
+                          <dgm:param type="hierAlign" val="rB"/>
+                        </dgm:alg>
+                        <dgm:constrLst>
+                          <dgm:constr type="alignOff" val="0.75"/>
+                        </dgm:constrLst>
+                      </dgm:else>
+                    </dgm:choose>
+                  </dgm:if>
+                  <dgm:if name="Name76" func="var" arg="hierBranch" op="equ" val="hang">
+                    <dgm:choose name="Name77">
+                      <dgm:if name="Name78" func="var" arg="dir" op="equ" val="norm">
+                        <dgm:alg type="hierRoot">
+                          <dgm:param type="hierAlign" val="lCtrCh"/>
+                        </dgm:alg>
+                        <dgm:constrLst>
+                          <dgm:constr type="alignOff" val="0.65"/>
+                        </dgm:constrLst>
+                      </dgm:if>
+                      <dgm:else name="Name79">
+                        <dgm:alg type="hierRoot">
+                          <dgm:param type="hierAlign" val="rCtrCh"/>
+                        </dgm:alg>
+                        <dgm:constrLst>
+                          <dgm:constr type="alignOff" val="0.65"/>
+                        </dgm:constrLst>
+                      </dgm:else>
+                    </dgm:choose>
+                  </dgm:if>
+                  <dgm:else name="Name80">
+                    <dgm:choose name="Name81">
+                      <dgm:if name="Name82" func="var" arg="dir" op="equ" val="norm">
+                        <dgm:alg type="hierRoot">
+                          <dgm:param type="hierAlign" val="lCtrCh"/>
+                        </dgm:alg>
+                        <dgm:constrLst>
+                          <dgm:constr type="alignOff"/>
+                          <dgm:constr type="bendDist" for="des" ptType="parTrans" refType="sp" fact="0.5"/>
+                        </dgm:constrLst>
+                      </dgm:if>
+                      <dgm:else name="Name83">
+                        <dgm:alg type="hierRoot">
+                          <dgm:param type="hierAlign" val="rCtrCh"/>
+                        </dgm:alg>
+                        <dgm:constrLst>
+                          <dgm:constr type="alignOff"/>
+                          <dgm:constr type="bendDist" for="des" ptType="parTrans" refType="sp" fact="0.5"/>
+                        </dgm:constrLst>
+                      </dgm:else>
+                    </dgm:choose>
+                  </dgm:else>
+                </dgm:choose>
+                <dgm:shape xmlns:r="http://schemas.openxmlformats.org/officeDocument/2006/relationships" r:blip="">
+                  <dgm:adjLst/>
+                </dgm:shape>
+                <dgm:presOf/>
+                <dgm:ruleLst/>
+                <dgm:layoutNode name="rootComposite">
+                  <dgm:alg type="composite"/>
+                  <dgm:shape xmlns:r="http://schemas.openxmlformats.org/officeDocument/2006/relationships" r:blip="">
+                    <dgm:adjLst/>
+                  </dgm:shape>
+                  <dgm:presOf axis="self" ptType="node" cnt="1"/>
+                  <dgm:choose name="Name84">
+                    <dgm:if name="Name85" func="var" arg="hierBranch" op="equ" val="init">
+                      <dgm:constrLst>
+                        <dgm:constr type="l" for="ch" forName="rootText"/>
+                        <dgm:constr type="t" for="ch" forName="rootText"/>
+                        <dgm:constr type="w" for="ch" forName="rootText" refType="w"/>
+                        <dgm:constr type="h" for="ch" forName="rootText" refType="h"/>
+                        <dgm:constr type="l" for="ch" forName="rootConnector"/>
+                        <dgm:constr type="t" for="ch" forName="rootConnector"/>
+                        <dgm:constr type="w" for="ch" forName="rootConnector" refType="w" refFor="ch" refForName="rootText" fact="0.2"/>
+                        <dgm:constr type="h" for="ch" forName="rootConnector" refType="h" refFor="ch" refForName="rootText"/>
+                      </dgm:constrLst>
+                    </dgm:if>
+                    <dgm:if name="Name86" func="var" arg="hierBranch" op="equ" val="l">
+                      <dgm:constrLst>
+                        <dgm:constr type="l" for="ch" forName="rootText"/>
+                        <dgm:constr type="t" for="ch" forName="rootText"/>
+                        <dgm:constr type="w" for="ch" forName="rootText" refType="w"/>
+                        <dgm:constr type="h" for="ch" forName="rootText" refType="h"/>
+                        <dgm:constr type="r" for="ch" forName="rootConnector" refType="w"/>
+                        <dgm:constr type="t" for="ch" forName="rootConnector"/>
+                        <dgm:constr type="w" for="ch" forName="rootConnector" refType="w" refFor="ch" refForName="rootText" fact="0.2"/>
+                        <dgm:constr type="h" for="ch" forName="rootConnector" refType="h" refFor="ch" refForName="rootText"/>
+                      </dgm:constrLst>
+                    </dgm:if>
+                    <dgm:if name="Name87" func="var" arg="hierBranch" op="equ" val="r">
+                      <dgm:constrLst>
+                        <dgm:constr type="l" for="ch" forName="rootText"/>
+                        <dgm:constr type="t" for="ch" forName="rootText"/>
+                        <dgm:constr type="w" for="ch" forName="rootText" refType="w"/>
+                        <dgm:constr type="h" for="ch" forName="rootText" refType="h"/>
+                        <dgm:constr type="l" for="ch" forName="rootConnector"/>
+                        <dgm:constr type="t" for="ch" forName="rootConnector"/>
+                        <dgm:constr type="w" for="ch" forName="rootConnector" refType="w" refFor="ch" refForName="rootText" fact="0.2"/>
+                        <dgm:constr type="h" for="ch" forName="rootConnector" refType="h" refFor="ch" refForName="rootText"/>
+                      </dgm:constrLst>
+                    </dgm:if>
+                    <dgm:else name="Name88">
+                      <dgm:constrLst>
+                        <dgm:constr type="l" for="ch" forName="rootText"/>
+                        <dgm:constr type="t" for="ch" forName="rootText"/>
+                        <dgm:constr type="w" for="ch" forName="rootText" refType="w"/>
+                        <dgm:constr type="h" for="ch" forName="rootText" refType="h"/>
+                        <dgm:constr type="r" for="ch" forName="rootConnector" refType="w"/>
+                        <dgm:constr type="t" for="ch" forName="rootConnector"/>
+                        <dgm:constr type="w" for="ch" forName="rootConnector" refType="w" refFor="ch" refForName="rootText" fact="0.2"/>
+                        <dgm:constr type="h" for="ch" forName="rootConnector" refType="h" refFor="ch" refForName="rootText"/>
+                      </dgm:constrLst>
+                    </dgm:else>
+                  </dgm:choose>
+                  <dgm:ruleLst/>
+                  <dgm:layoutNode name="rootText">
+                    <dgm:varLst>
+                      <dgm:chPref val="3"/>
+                    </dgm:varLst>
+                    <dgm:alg type="tx"/>
+                    <dgm:shape xmlns:r="http://schemas.openxmlformats.org/officeDocument/2006/relationships" type="rect" r:blip="">
+                      <dgm:adjLst/>
+                    </dgm:shape>
+                    <dgm:presOf axis="self" ptType="node" cnt="1"/>
+                    <dgm:constrLst>
+                      <dgm:constr type="primFontSz" val="65"/>
+                      <dgm:constr type="lMarg" refType="primFontSz" fact="0.05"/>
+                      <dgm:constr type="rMarg" refType="primFontSz" fact="0.05"/>
+                      <dgm:constr type="tMarg" refType="primFontSz" fact="0.05"/>
+                      <dgm:constr type="bMarg" refType="primFontSz" fact="0.05"/>
+                    </dgm:constrLst>
+                    <dgm:ruleLst>
+                      <dgm:rule type="primFontSz" val="5" fact="NaN" max="NaN"/>
+                    </dgm:ruleLst>
+                  </dgm:layoutNode>
+                  <dgm:layoutNode name="rootConnector" moveWith="rootText">
+                    <dgm:alg type="sp"/>
+                    <dgm:shape xmlns:r="http://schemas.openxmlformats.org/officeDocument/2006/relationships" type="rect" r:blip="" hideGeom="1">
+                      <dgm:adjLst/>
+                    </dgm:shape>
+                    <dgm:presOf axis="self" ptType="node" cnt="1"/>
+                    <dgm:constrLst/>
+                    <dgm:ruleLst/>
+                  </dgm:layoutNode>
+                </dgm:layoutNode>
+                <dgm:layoutNode name="hierChild4">
+                  <dgm:choose name="Name89">
+                    <dgm:if name="Name90" func="var" arg="hierBranch" op="equ" val="l">
+                      <dgm:choose name="Name91">
+                        <dgm:if name="Name92" func="var" arg="dir" op="equ" val="norm">
+                          <dgm:alg type="hierChild">
+                            <dgm:param type="chAlign" val="t"/>
+                            <dgm:param type="linDir" val="fromL"/>
+                          </dgm:alg>
+                        </dgm:if>
+                        <dgm:else name="Name93">
+                          <dgm:alg type="hierChild">
+                            <dgm:param type="chAlign" val="t"/>
+                            <dgm:param type="linDir" val="fromR"/>
+                          </dgm:alg>
+                        </dgm:else>
+                      </dgm:choose>
+                    </dgm:if>
+                    <dgm:if name="Name94" func="var" arg="hierBranch" op="equ" val="r">
+                      <dgm:choose name="Name95">
+                        <dgm:if name="Name96" func="var" arg="dir" op="equ" val="norm">
+                          <dgm:alg type="hierChild">
+                            <dgm:param type="chAlign" val="b"/>
+                            <dgm:param type="linDir" val="fromL"/>
+                          </dgm:alg>
+                        </dgm:if>
+                        <dgm:else name="Name97">
+                          <dgm:alg type="hierChild">
+                            <dgm:param type="chAlign" val="b"/>
+                            <dgm:param type="linDir" val="fromR"/>
+                          </dgm:alg>
+                        </dgm:else>
+                      </dgm:choose>
+                    </dgm:if>
+                    <dgm:if name="Name98" func="var" arg="hierBranch" op="equ" val="hang">
+                      <dgm:choose name="Name99">
+                        <dgm:if name="Name100" func="var" arg="dir" op="equ" val="norm">
+                          <dgm:alg type="hierChild">
+                            <dgm:param type="chAlign" val="l"/>
+                            <dgm:param type="linDir" val="fromT"/>
+                            <dgm:param type="secChAlign" val="t"/>
+                            <dgm:param type="secLinDir" val="fromL"/>
+                          </dgm:alg>
+                        </dgm:if>
+                        <dgm:else name="Name101">
+                          <dgm:alg type="hierChild">
+                            <dgm:param type="chAlign" val="r"/>
+                            <dgm:param type="linDir" val="fromT"/>
+                            <dgm:param type="secChAlign" val="t"/>
+                            <dgm:param type="secLinDir" val="fromR"/>
+                          </dgm:alg>
+                        </dgm:else>
+                      </dgm:choose>
+                    </dgm:if>
+                    <dgm:else name="Name102">
+                      <dgm:choose name="Name103">
+                        <dgm:if name="Name104" func="var" arg="dir" op="equ" val="norm">
+                          <dgm:alg type="hierChild">
+                            <dgm:param type="linDir" val="fromT"/>
+                            <dgm:param type="chAlign" val="l"/>
+                          </dgm:alg>
+                        </dgm:if>
+                        <dgm:else name="Name105">
+                          <dgm:alg type="hierChild">
+                            <dgm:param type="linDir" val="fromT"/>
+                            <dgm:param type="chAlign" val="r"/>
+                          </dgm:alg>
+                        </dgm:else>
+                      </dgm:choose>
+                    </dgm:else>
+                  </dgm:choose>
+                  <dgm:shape xmlns:r="http://schemas.openxmlformats.org/officeDocument/2006/relationships" r:blip="">
+                    <dgm:adjLst/>
+                  </dgm:shape>
+                  <dgm:presOf/>
+                  <dgm:constrLst/>
+                  <dgm:ruleLst/>
+                  <dgm:forEach name="Name106" ref="rep2a"/>
+                </dgm:layoutNode>
+                <dgm:layoutNode name="hierChild5">
+                  <dgm:choose name="Name107">
+                    <dgm:if name="Name108" func="var" arg="dir" op="equ" val="norm">
+                      <dgm:alg type="hierChild">
+                        <dgm:param type="chAlign" val="l"/>
+                        <dgm:param type="linDir" val="fromT"/>
+                        <dgm:param type="secChAlign" val="t"/>
+                        <dgm:param type="secLinDir" val="fromL"/>
+                      </dgm:alg>
+                    </dgm:if>
+                    <dgm:else name="Name109">
+                      <dgm:alg type="hierChild">
+                        <dgm:param type="chAlign" val="r"/>
+                        <dgm:param type="linDir" val="fromT"/>
+                        <dgm:param type="secChAlign" val="t"/>
+                        <dgm:param type="secLinDir" val="fromR"/>
+                      </dgm:alg>
+                    </dgm:else>
+                  </dgm:choose>
+                  <dgm:shape xmlns:r="http://schemas.openxmlformats.org/officeDocument/2006/relationships" r:blip="">
+                    <dgm:adjLst/>
+                  </dgm:shape>
+                  <dgm:presOf/>
+                  <dgm:constrLst/>
+                  <dgm:ruleLst/>
+                  <dgm:forEach name="Name110" ref="rep2b"/>
+                </dgm:layoutNode>
+              </dgm:layoutNode>
+            </dgm:forEach>
+          </dgm:layoutNode>
+          <dgm:layoutNode name="hierChild3">
+            <dgm:choose name="Name111">
+              <dgm:if name="Name112" func="var" arg="dir" op="equ" val="norm">
+                <dgm:alg type="hierChild">
+                  <dgm:param type="chAlign" val="l"/>
+                  <dgm:param type="linDir" val="fromT"/>
+                  <dgm:param type="secChAlign" val="t"/>
+                  <dgm:param type="secLinDir" val="fromL"/>
+                </dgm:alg>
+              </dgm:if>
+              <dgm:else name="Name113">
+                <dgm:alg type="hierChild">
+                  <dgm:param type="chAlign" val="r"/>
+                  <dgm:param type="linDir" val="fromT"/>
+                  <dgm:param type="secChAlign" val="t"/>
+                  <dgm:param type="secLinDir" val="fromR"/>
+                </dgm:alg>
+              </dgm:else>
+            </dgm:choose>
+            <dgm:shape xmlns:r="http://schemas.openxmlformats.org/officeDocument/2006/relationships" r:blip="">
+              <dgm:adjLst/>
+            </dgm:shape>
+            <dgm:presOf/>
+            <dgm:constrLst/>
+            <dgm:ruleLst/>
+            <dgm:forEach name="rep2b" axis="ch" ptType="asst">
+              <dgm:forEach name="Name114" axis="precedSib" ptType="parTrans" st="-1" cnt="1">
+                <dgm:layoutNode name="Name115">
+                  <dgm:choose name="Name116">
+                    <dgm:if name="Name117" func="var" arg="dir" op="equ" val="norm">
+                      <dgm:alg type="conn">
+                        <dgm:param type="connRout" val="bend"/>
+                        <dgm:param type="dim" val="1D"/>
+                        <dgm:param type="endSty" val="noArr"/>
+                        <dgm:param type="begPts" val="midR"/>
+                        <dgm:param type="endPts" val="bCtr tCtr"/>
+                      </dgm:alg>
+                    </dgm:if>
+                    <dgm:else name="Name118">
+                      <dgm:alg type="conn">
+                        <dgm:param type="connRout" val="bend"/>
+                        <dgm:param type="dim" val="1D"/>
+                        <dgm:param type="endSty" val="noArr"/>
+                        <dgm:param type="begPts" val="midL"/>
+                        <dgm:param type="endPts" val="bCtr tCtr"/>
+                      </dgm:alg>
+                    </dgm:else>
+                  </dgm:choose>
+                  <dgm:shape xmlns:r="http://schemas.openxmlformats.org/officeDocument/2006/relationships" type="conn" r:blip="" zOrderOff="-99999">
+                    <dgm:adjLst/>
+                  </dgm:shape>
+                  <dgm:presOf axis="self"/>
+                  <dgm:constrLst>
+                    <dgm:constr type="begPad"/>
+                    <dgm:constr type="endPad"/>
+                  </dgm:constrLst>
+                  <dgm:ruleLst/>
+                </dgm:layoutNode>
+              </dgm:forEach>
+              <dgm:layoutNode name="hierRoot3">
+                <dgm:varLst>
+                  <dgm:hierBranch val="init"/>
+                </dgm:varLst>
+                <dgm:choose name="Name119">
+                  <dgm:if name="Name120" func="var" arg="hierBranch" op="equ" val="l">
+                    <dgm:choose name="Name121">
+                      <dgm:if name="Name122" func="var" arg="dir" op="equ" val="norm">
+                        <dgm:alg type="hierRoot">
+                          <dgm:param type="hierAlign" val="lT"/>
+                        </dgm:alg>
+                        <dgm:constrLst>
+                          <dgm:constr type="alignOff" val="0.75"/>
+                        </dgm:constrLst>
+                      </dgm:if>
+                      <dgm:else name="Name123">
+                        <dgm:alg type="hierRoot">
+                          <dgm:param type="hierAlign" val="rT"/>
+                        </dgm:alg>
+                        <dgm:constrLst>
+                          <dgm:constr type="alignOff" val="0.75"/>
+                        </dgm:constrLst>
+                      </dgm:else>
+                    </dgm:choose>
+                  </dgm:if>
+                  <dgm:if name="Name124" func="var" arg="hierBranch" op="equ" val="r">
+                    <dgm:choose name="Name125">
+                      <dgm:if name="Name126" func="var" arg="dir" op="equ" val="norm">
+                        <dgm:alg type="hierRoot">
+                          <dgm:param type="hierAlign" val="lB"/>
+                        </dgm:alg>
+                        <dgm:constrLst>
+                          <dgm:constr type="alignOff" val="0.75"/>
+                        </dgm:constrLst>
+                      </dgm:if>
+                      <dgm:else name="Name127">
+                        <dgm:alg type="hierRoot">
+                          <dgm:param type="hierAlign" val="rB"/>
+                        </dgm:alg>
+                        <dgm:constrLst>
+                          <dgm:constr type="alignOff" val="0.75"/>
+                        </dgm:constrLst>
+                      </dgm:else>
+                    </dgm:choose>
+                  </dgm:if>
+                  <dgm:if name="Name128" func="var" arg="hierBranch" op="equ" val="hang">
+                    <dgm:choose name="Name129">
+                      <dgm:if name="Name130" func="var" arg="dir" op="equ" val="norm">
+                        <dgm:alg type="hierRoot">
+                          <dgm:param type="hierAlign" val="lCtrCh"/>
+                        </dgm:alg>
+                        <dgm:constrLst>
+                          <dgm:constr type="alignOff" val="0.65"/>
+                        </dgm:constrLst>
+                      </dgm:if>
+                      <dgm:else name="Name131">
+                        <dgm:alg type="hierRoot">
+                          <dgm:param type="hierAlign" val="rCtrCh"/>
+                        </dgm:alg>
+                        <dgm:constrLst>
+                          <dgm:constr type="alignOff" val="0.65"/>
+                        </dgm:constrLst>
+                      </dgm:else>
+                    </dgm:choose>
+                  </dgm:if>
+                  <dgm:else name="Name132">
+                    <dgm:choose name="Name133">
+                      <dgm:if name="Name134" func="var" arg="dir" op="equ" val="norm">
+                        <dgm:alg type="hierRoot">
+                          <dgm:param type="hierAlign" val="lCtrCh"/>
+                        </dgm:alg>
+                        <dgm:constrLst>
+                          <dgm:constr type="alignOff"/>
+                          <dgm:constr type="bendDist" for="des" ptType="parTrans" refType="sp" fact="0.5"/>
+                        </dgm:constrLst>
+                      </dgm:if>
+                      <dgm:else name="Name135">
+                        <dgm:alg type="hierRoot">
+                          <dgm:param type="hierAlign" val="rCtrCh"/>
+                        </dgm:alg>
+                        <dgm:constrLst>
+                          <dgm:constr type="alignOff"/>
+                          <dgm:constr type="bendDist" for="des" ptType="parTrans" refType="sp" fact="0.5"/>
+                        </dgm:constrLst>
+                      </dgm:else>
+                    </dgm:choose>
+                  </dgm:else>
+                </dgm:choose>
+                <dgm:shape xmlns:r="http://schemas.openxmlformats.org/officeDocument/2006/relationships" r:blip="">
+                  <dgm:adjLst/>
+                </dgm:shape>
+                <dgm:presOf/>
+                <dgm:ruleLst/>
+                <dgm:layoutNode name="rootComposite3">
+                  <dgm:alg type="composite"/>
+                  <dgm:shape xmlns:r="http://schemas.openxmlformats.org/officeDocument/2006/relationships" r:blip="">
+                    <dgm:adjLst/>
+                  </dgm:shape>
+                  <dgm:presOf axis="self" ptType="node" cnt="1"/>
+                  <dgm:choose name="Name136">
+                    <dgm:if name="Name137" func="var" arg="hierBranch" op="equ" val="init">
+                      <dgm:constrLst>
+                        <dgm:constr type="l" for="ch" forName="rootText3"/>
+                        <dgm:constr type="t" for="ch" forName="rootText3"/>
+                        <dgm:constr type="w" for="ch" forName="rootText3" refType="w"/>
+                        <dgm:constr type="h" for="ch" forName="rootText3" refType="h"/>
+                        <dgm:constr type="l" for="ch" forName="rootConnector3"/>
+                        <dgm:constr type="t" for="ch" forName="rootConnector3"/>
+                        <dgm:constr type="w" for="ch" forName="rootConnector3" refType="w" refFor="ch" refForName="rootText3" fact="0.2"/>
+                        <dgm:constr type="h" for="ch" forName="rootConnector3" refType="h" refFor="ch" refForName="rootText3"/>
+                      </dgm:constrLst>
+                    </dgm:if>
+                    <dgm:if name="Name138" func="var" arg="hierBranch" op="equ" val="l">
+                      <dgm:constrLst>
+                        <dgm:constr type="l" for="ch" forName="rootText3"/>
+                        <dgm:constr type="t" for="ch" forName="rootText3"/>
+                        <dgm:constr type="w" for="ch" forName="rootText3" refType="w"/>
+                        <dgm:constr type="h" for="ch" forName="rootText3" refType="h"/>
+                        <dgm:constr type="r" for="ch" forName="rootConnector3" refType="w"/>
+                        <dgm:constr type="t" for="ch" forName="rootConnector3"/>
+                        <dgm:constr type="w" for="ch" forName="rootConnector3" refType="w" refFor="ch" refForName="rootText3" fact="0.2"/>
+                        <dgm:constr type="h" for="ch" forName="rootConnector3" refType="h" refFor="ch" refForName="rootText3"/>
+                      </dgm:constrLst>
+                    </dgm:if>
+                    <dgm:if name="Name139" func="var" arg="hierBranch" op="equ" val="r">
+                      <dgm:constrLst>
+                        <dgm:constr type="l" for="ch" forName="rootText3"/>
+                        <dgm:constr type="t" for="ch" forName="rootText3"/>
+                        <dgm:constr type="w" for="ch" forName="rootText3" refType="w"/>
+                        <dgm:constr type="h" for="ch" forName="rootText3" refType="h"/>
+                        <dgm:constr type="l" for="ch" forName="rootConnector3"/>
+                        <dgm:constr type="t" for="ch" forName="rootConnector3"/>
+                        <dgm:constr type="w" for="ch" forName="rootConnector3" refType="w" refFor="ch" refForName="rootText3" fact="0.2"/>
+                        <dgm:constr type="h" for="ch" forName="rootConnector3" refType="h" refFor="ch" refForName="rootText3"/>
+                      </dgm:constrLst>
+                    </dgm:if>
+                    <dgm:else name="Name140">
+                      <dgm:constrLst>
+                        <dgm:constr type="l" for="ch" forName="rootText3"/>
+                        <dgm:constr type="t" for="ch" forName="rootText3"/>
+                        <dgm:constr type="w" for="ch" forName="rootText3" refType="w"/>
+                        <dgm:constr type="h" for="ch" forName="rootText3" refType="h"/>
+                        <dgm:constr type="r" for="ch" forName="rootConnector3" refType="w"/>
+                        <dgm:constr type="t" for="ch" forName="rootConnector3"/>
+                        <dgm:constr type="w" for="ch" forName="rootConnector3" refType="w" refFor="ch" refForName="rootText3" fact="0.2"/>
+                        <dgm:constr type="h" for="ch" forName="rootConnector3" refType="h" refFor="ch" refForName="rootText3"/>
+                      </dgm:constrLst>
+                    </dgm:else>
+                  </dgm:choose>
+                  <dgm:ruleLst/>
+                  <dgm:layoutNode name="rootText3">
+                    <dgm:varLst>
+                      <dgm:chPref val="3"/>
+                    </dgm:varLst>
+                    <dgm:alg type="tx"/>
+                    <dgm:shape xmlns:r="http://schemas.openxmlformats.org/officeDocument/2006/relationships" type="rect" r:blip="">
+                      <dgm:adjLst/>
+                    </dgm:shape>
+                    <dgm:presOf axis="self" ptType="node" cnt="1"/>
+                    <dgm:constrLst>
+                      <dgm:constr type="primFontSz" val="65"/>
+                      <dgm:constr type="lMarg" refType="primFontSz" fact="0.05"/>
+                      <dgm:constr type="rMarg" refType="primFontSz" fact="0.05"/>
+                      <dgm:constr type="tMarg" refType="primFontSz" fact="0.05"/>
+                      <dgm:constr type="bMarg" refType="primFontSz" fact="0.05"/>
+                    </dgm:constrLst>
+                    <dgm:ruleLst>
+                      <dgm:rule type="primFontSz" val="5" fact="NaN" max="NaN"/>
+                    </dgm:ruleLst>
+                  </dgm:layoutNode>
+                  <dgm:layoutNode name="rootConnector3" moveWith="rootText1">
+                    <dgm:alg type="sp"/>
+                    <dgm:shape xmlns:r="http://schemas.openxmlformats.org/officeDocument/2006/relationships" type="rect" r:blip="" hideGeom="1">
+                      <dgm:adjLst/>
+                    </dgm:shape>
+                    <dgm:presOf axis="self" ptType="node" cnt="1"/>
+                    <dgm:constrLst/>
+                    <dgm:ruleLst/>
+                  </dgm:layoutNode>
+                </dgm:layoutNode>
+                <dgm:layoutNode name="hierChild6">
+                  <dgm:choose name="Name141">
+                    <dgm:if name="Name142" func="var" arg="hierBranch" op="equ" val="l">
+                      <dgm:choose name="Name143">
+                        <dgm:if name="Name144" func="var" arg="dir" op="equ" val="norm">
+                          <dgm:alg type="hierChild">
+                            <dgm:param type="chAlign" val="t"/>
+                            <dgm:param type="linDir" val="fromL"/>
+                          </dgm:alg>
+                        </dgm:if>
+                        <dgm:else name="Name145">
+                          <dgm:alg type="hierChild">
+                            <dgm:param type="chAlign" val="t"/>
+                            <dgm:param type="linDir" val="fromR"/>
+                          </dgm:alg>
+                        </dgm:else>
+                      </dgm:choose>
+                    </dgm:if>
+                    <dgm:if name="Name146" func="var" arg="hierBranch" op="equ" val="r">
+                      <dgm:choose name="Name147">
+                        <dgm:if name="Name148" func="var" arg="dir" op="equ" val="norm">
+                          <dgm:alg type="hierChild">
+                            <dgm:param type="chAlign" val="b"/>
+                            <dgm:param type="linDir" val="fromL"/>
+                          </dgm:alg>
+                        </dgm:if>
+                        <dgm:else name="Name149">
+                          <dgm:alg type="hierChild">
+                            <dgm:param type="chAlign" val="b"/>
+                            <dgm:param type="linDir" val="fromR"/>
+                          </dgm:alg>
+                        </dgm:else>
+                      </dgm:choose>
+                    </dgm:if>
+                    <dgm:if name="Name150" func="var" arg="hierBranch" op="equ" val="hang">
+                      <dgm:choose name="Name151">
+                        <dgm:if name="Name152" func="var" arg="dir" op="equ" val="norm">
+                          <dgm:alg type="hierChild">
+                            <dgm:param type="chAlign" val="l"/>
+                            <dgm:param type="linDir" val="fromT"/>
+                            <dgm:param type="secChAlign" val="t"/>
+                            <dgm:param type="secLinDir" val="fromL"/>
+                          </dgm:alg>
+                        </dgm:if>
+                        <dgm:else name="Name153">
+                          <dgm:alg type="hierChild">
+                            <dgm:param type="chAlign" val="r"/>
+                            <dgm:param type="linDir" val="fromT"/>
+                            <dgm:param type="secChAlign" val="t"/>
+                            <dgm:param type="secLinDir" val="fromR"/>
+                          </dgm:alg>
+                        </dgm:else>
+                      </dgm:choose>
+                    </dgm:if>
+                    <dgm:else name="Name154">
+                      <dgm:choose name="Name155">
+                        <dgm:if name="Name156" func="var" arg="dir" op="equ" val="norm">
+                          <dgm:alg type="hierChild">
+                            <dgm:param type="linDir" val="fromT"/>
+                            <dgm:param type="chAlign" val="l"/>
+                          </dgm:alg>
+                        </dgm:if>
+                        <dgm:else name="Name157">
+                          <dgm:alg type="hierChild">
+                            <dgm:param type="linDir" val="fromT"/>
+                            <dgm:param type="chAlign" val="r"/>
+                          </dgm:alg>
+                        </dgm:else>
+                      </dgm:choose>
+                    </dgm:else>
+                  </dgm:choose>
+                  <dgm:shape xmlns:r="http://schemas.openxmlformats.org/officeDocument/2006/relationships" r:blip="">
+                    <dgm:adjLst/>
+                  </dgm:shape>
+                  <dgm:presOf/>
+                  <dgm:constrLst/>
+                  <dgm:ruleLst/>
+                  <dgm:forEach name="Name158" ref="rep2a"/>
+                </dgm:layoutNode>
+                <dgm:layoutNode name="hierChild7">
+                  <dgm:choose name="Name159">
+                    <dgm:if name="Name160" func="var" arg="dir" op="equ" val="norm">
+                      <dgm:alg type="hierChild">
+                        <dgm:param type="chAlign" val="l"/>
+                        <dgm:param type="linDir" val="fromT"/>
+                        <dgm:param type="secChAlign" val="t"/>
+                        <dgm:param type="secLinDir" val="fromL"/>
+                      </dgm:alg>
+                    </dgm:if>
+                    <dgm:else name="Name161">
+                      <dgm:alg type="hierChild">
+                        <dgm:param type="chAlign" val="r"/>
+                        <dgm:param type="linDir" val="fromT"/>
+                        <dgm:param type="secChAlign" val="t"/>
+                        <dgm:param type="secLinDir" val="fromR"/>
+                      </dgm:alg>
+                    </dgm:else>
+                  </dgm:choose>
+                  <dgm:shape xmlns:r="http://schemas.openxmlformats.org/officeDocument/2006/relationships" r:blip="">
+                    <dgm:adjLst/>
+                  </dgm:shape>
+                  <dgm:presOf/>
+                  <dgm:constrLst/>
+                  <dgm:ruleLst/>
+                  <dgm:forEach name="Name162" ref="rep2b"/>
+                </dgm:layoutNode>
+              </dgm:layoutNode>
+            </dgm:forEach>
+          </dgm:layoutNode>
+        </dgm:layoutNode>
+      </dgm:forEach>
+    </dgm:forEach>
+  </dgm:layoutNode>
+</dgm:layoutDef>
+</file>
+
+<file path=ppt/diagrams/quickStyle1.xml><?xml version="1.0" encoding="utf-8"?>
+<dgm:styleDef xmlns:dgm="http://schemas.openxmlformats.org/drawingml/2006/diagram" xmlns:a="http://schemas.openxmlformats.org/drawingml/2006/main" uniqueId="urn:microsoft.com/office/officeart/2005/8/quickstyle/simple1">
+  <dgm:title val=""/>
+  <dgm:desc val=""/>
+  <dgm:catLst>
+    <dgm:cat type="simple" pri="10100"/>
+  </dgm:catLst>
+  <dgm:scene3d>
+    <a:camera prst="orthographicFront"/>
+    <a:lightRig rig="threePt" dir="t"/>
+  </dgm:scene3d>
+  <dgm:styleLbl name="node0">
+    <dgm:scene3d>
+      <a:camera prst="orthographicFront"/>
+      <a:lightRig rig="threePt" dir="t"/>
+    </dgm:scene3d>
+    <dgm:sp3d/>
+    <dgm:txPr/>
+    <dgm:style>
+      <a:lnRef idx="2">
+        <a:scrgbClr r="0" g="0" b="0"/>
+      </a:lnRef>
+      <a:fillRef idx="1">
+        <a:scrgbClr r="0" g="0" b="0"/>
+      </a:fillRef>
+      <a:effectRef idx="0">
+        <a:scrgbClr r="0" g="0" b="0"/>
+      </a:effectRef>
+      <a:fontRef idx="minor">
+        <a:schemeClr val="lt1"/>
+      </a:fontRef>
+    </dgm:style>
+  </dgm:styleLbl>
+  <dgm:styleLbl name="lnNode1">
+    <dgm:scene3d>
+      <a:camera prst="orthographicFront"/>
+      <a:lightRig rig="threePt" dir="t"/>
+    </dgm:scene3d>
+    <dgm:sp3d/>
+    <dgm:txPr/>
+    <dgm:style>
+      <a:lnRef idx="2">
+        <a:scrgbClr r="0" g="0" b="0"/>
+      </a:lnRef>
+      <a:fillRef idx="1">
+        <a:scrgbClr r="0" g="0" b="0"/>
+      </a:fillRef>
+      <a:effectRef idx="0">
+        <a:scrgbClr r="0" g="0" b="0"/>
+      </a:effectRef>
+      <a:fontRef idx="minor">
+        <a:schemeClr val="lt1"/>
+      </a:fontRef>
+    </dgm:style>
+  </dgm:styleLbl>
+  <dgm:styleLbl name="vennNode1">
+    <dgm:scene3d>
+      <a:camera prst="orthographicFront"/>
+      <a:lightRig rig="threePt" dir="t"/>
+    </dgm:scene3d>
+    <dgm:sp3d/>
+    <dgm:txPr/>
+    <dgm:style>
+      <a:lnRef idx="2">
+        <a:scrgbClr r="0" g="0" b="0"/>
+      </a:lnRef>
+      <a:fillRef idx="1">
+        <a:scrgbClr r="0" g="0" b="0"/>
+      </a:fillRef>
+      <a:effectRef idx="0">
+        <a:scrgbClr r="0" g="0" b="0"/>
+      </a:effectRef>
+      <a:fontRef idx="minor">
+        <a:schemeClr val="tx1"/>
+      </a:fontRef>
+    </dgm:style>
+  </dgm:styleLbl>
+  <dgm:styleLbl name="alignNode1">
+    <dgm:scene3d>
+      <a:camera prst="orthographicFront"/>
+      <a:lightRig rig="threePt" dir="t"/>
+    </dgm:scene3d>
+    <dgm:sp3d/>
+    <dgm:txPr/>
+    <dgm:style>
+      <a:lnRef idx="2">
+        <a:scrgbClr r="0" g="0" b="0"/>
+      </a:lnRef>
+      <a:fillRef idx="1">
+        <a:scrgbClr r="0" g="0" b="0"/>
+      </a:fillRef>
+      <a:effectRef idx="0">
+        <a:scrgbClr r="0" g="0" b="0"/>
+      </a:effectRef>
+      <a:fontRef idx="minor">
+        <a:schemeClr val="lt1"/>
+      </a:fontRef>
+    </dgm:style>
+  </dgm:styleLbl>
+  <dgm:styleLbl name="node1">
+    <dgm:scene3d>
+      <a:camera prst="orthographicFront"/>
+      <a:lightRig rig="threePt" dir="t"/>
+    </dgm:scene3d>
+    <dgm:sp3d/>
+    <dgm:txPr/>
+    <dgm:style>
+      <a:lnRef idx="2">
+        <a:scrgbClr r="0" g="0" b="0"/>
+      </a:lnRef>
+      <a:fillRef idx="1">
+        <a:scrgbClr r="0" g="0" b="0"/>
+      </a:fillRef>
+      <a:effectRef idx="0">
+        <a:scrgbClr r="0" g="0" b="0"/>
+      </a:effectRef>
+      <a:fontRef idx="minor">
+        <a:schemeClr val="lt1"/>
+      </a:fontRef>
+    </dgm:style>
+  </dgm:styleLbl>
+  <dgm:styleLbl name="node2">
+    <dgm:scene3d>
+      <a:camera prst="orthographicFront"/>
+      <a:lightRig rig="threePt" dir="t"/>
+    </dgm:scene3d>
+    <dgm:sp3d/>
+    <dgm:txPr/>
+    <dgm:style>
+      <a:lnRef idx="2">
+        <a:scrgbClr r="0" g="0" b="0"/>
+      </a:lnRef>
+      <a:fillRef idx="1">
+        <a:scrgbClr r="0" g="0" b="0"/>
+      </a:fillRef>
+      <a:effectRef idx="0">
+        <a:scrgbClr r="0" g="0" b="0"/>
+      </a:effectRef>
+      <a:fontRef idx="minor">
+        <a:schemeClr val="lt1"/>
+      </a:fontRef>
+    </dgm:style>
+  </dgm:styleLbl>
+  <dgm:styleLbl name="node3">
+    <dgm:scene3d>
+      <a:camera prst="orthographicFront"/>
+      <a:lightRig rig="threePt" dir="t"/>
+    </dgm:scene3d>
+    <dgm:sp3d/>
+    <dgm:txPr/>
+    <dgm:style>
+      <a:lnRef idx="2">
+        <a:scrgbClr r="0" g="0" b="0"/>
+      </a:lnRef>
+      <a:fillRef idx="1">
+        <a:scrgbClr r="0" g="0" b="0"/>
+      </a:fillRef>
+      <a:effectRef idx="0">
+        <a:scrgbClr r="0" g="0" b="0"/>
+      </a:effectRef>
+      <a:fontRef idx="minor">
+        <a:schemeClr val="lt1"/>
+      </a:fontRef>
+    </dgm:style>
+  </dgm:styleLbl>
+  <dgm:styleLbl name="node4">
+    <dgm:scene3d>
+      <a:camera prst="orthographicFront"/>
+      <a:lightRig rig="threePt" dir="t"/>
+    </dgm:scene3d>
+    <dgm:sp3d/>
+    <dgm:txPr/>
+    <dgm:style>
+      <a:lnRef idx="2">
+        <a:scrgbClr r="0" g="0" b="0"/>
+      </a:lnRef>
+      <a:fillRef idx="1">
+        <a:scrgbClr r="0" g="0" b="0"/>
+      </a:fillRef>
+      <a:effectRef idx="0">
+        <a:scrgbClr r="0" g="0" b="0"/>
+      </a:effectRef>
+      <a:fontRef idx="minor">
+        <a:schemeClr val="lt1"/>
+      </a:fontRef>
+    </dgm:style>
+  </dgm:styleLbl>
+  <dgm:styleLbl name="fgImgPlace1">
+    <dgm:scene3d>
+      <a:camera prst="orthographicFront"/>
+      <a:lightRig rig="threePt" dir="t"/>
+    </dgm:scene3d>
+    <dgm:sp3d/>
+    <dgm:txPr/>
+    <dgm:style>
+      <a:lnRef idx="2">
+        <a:scrgbClr r="0" g="0" b="0"/>
+      </a:lnRef>
+      <a:fillRef idx="1">
+        <a:scrgbClr r="0" g="0" b="0"/>
+      </a:fillRef>
+      <a:effectRef idx="0">
+        <a:scrgbClr r="0" g="0" b="0"/>
+      </a:effectRef>
+      <a:fontRef idx="minor"/>
+    </dgm:style>
+  </dgm:styleLbl>
+  <dgm:styleLbl name="alignImgPlace1">
+    <dgm:scene3d>
+      <a:camera prst="orthographicFront"/>
+      <a:lightRig rig="threePt" dir="t"/>
+    </dgm:scene3d>
+    <dgm:sp3d/>
+    <dgm:txPr/>
+    <dgm:style>
+      <a:lnRef idx="2">
+        <a:scrgbClr r="0" g="0" b="0"/>
+      </a:lnRef>
+      <a:fillRef idx="1">
+        <a:scrgbClr r="0" g="0" b="0"/>
+      </a:fillRef>
+      <a:effectRef idx="0">
+        <a:scrgbClr r="0" g="0" b="0"/>
+      </a:effectRef>
+      <a:fontRef idx="minor"/>
+    </dgm:style>
+  </dgm:styleLbl>
+  <dgm:styleLbl name="bgImgPlace1">
+    <dgm:scene3d>
+      <a:camera prst="orthographicFront"/>
+      <a:lightRig rig="threePt" dir="t"/>
+    </dgm:scene3d>
+    <dgm:sp3d/>
+    <dgm:txPr/>
+    <dgm:style>
+      <a:lnRef idx="2">
+        <a:scrgbClr r="0" g="0" b="0"/>
+      </a:lnRef>
+      <a:fillRef idx="1">
+        <a:scrgbClr r="0" g="0" b="0"/>
+      </a:fillRef>
+      <a:effectRef idx="0">
+        <a:scrgbClr r="0" g="0" b="0"/>
+      </a:effectRef>
+      <a:fontRef idx="minor"/>
+    </dgm:style>
+  </dgm:styleLbl>
+  <dgm:styleLbl name="sibTrans2D1">
+    <dgm:scene3d>
+      <a:camera prst="orthographicFront"/>
+      <a:lightRig rig="threePt" dir="t"/>
+    </dgm:scene3d>
+    <dgm:sp3d/>
+    <dgm:txPr/>
+    <dgm:style>
+      <a:lnRef idx="0">
+        <a:scrgbClr r="0" g="0" b="0"/>
+      </a:lnRef>
+      <a:fillRef idx="1">
+        <a:scrgbClr r="0" g="0" b="0"/>
+      </a:fillRef>
+      <a:effectRef idx="0">
+        <a:scrgbClr r="0" g="0" b="0"/>
+      </a:effectRef>
+      <a:fontRef idx="minor">
+        <a:schemeClr val="lt1"/>
+      </a:fontRef>
+    </dgm:style>
+  </dgm:styleLbl>
+  <dgm:styleLbl name="fgSibTrans2D1">
+    <dgm:scene3d>
+      <a:camera prst="orthographicFront"/>
+      <a:lightRig rig="threePt" dir="t"/>
+    </dgm:scene3d>
+    <dgm:sp3d/>
+    <dgm:txPr/>
+    <dgm:style>
+      <a:lnRef idx="0">
+        <a:scrgbClr r="0" g="0" b="0"/>
+      </a:lnRef>
+      <a:fillRef idx="1">
+        <a:scrgbClr r="0" g="0" b="0"/>
+      </a:fillRef>
+      <a:effectRef idx="0">
+        <a:scrgbClr r="0" g="0" b="0"/>
+      </a:effectRef>
+      <a:fontRef idx="minor">
+        <a:schemeClr val="lt1"/>
+      </a:fontRef>
+    </dgm:style>
+  </dgm:styleLbl>
+  <dgm:styleLbl name="bgSibTrans2D1">
+    <dgm:scene3d>
+      <a:camera prst="orthographicFront"/>
+      <a:lightRig rig="threePt" dir="t"/>
+    </dgm:scene3d>
+    <dgm:sp3d/>
+    <dgm:txPr/>
+    <dgm:style>
+      <a:lnRef idx="0">
+        <a:scrgbClr r="0" g="0" b="0"/>
+      </a:lnRef>
+      <a:fillRef idx="1">
+        <a:scrgbClr r="0" g="0" b="0"/>
+      </a:fillRef>
+      <a:effectRef idx="0">
+        <a:scrgbClr r="0" g="0" b="0"/>
+      </a:effectRef>
+      <a:fontRef idx="minor">
+        <a:schemeClr val="lt1"/>
+      </a:fontRef>
+    </dgm:style>
+  </dgm:styleLbl>
+  <dgm:styleLbl name="sibTrans1D1">
+    <dgm:scene3d>
+      <a:camera prst="orthographicFront"/>
+      <a:lightRig rig="threePt" dir="t"/>
+    </dgm:scene3d>
+    <dgm:sp3d/>
+    <dgm:txPr/>
+    <dgm:style>
+      <a:lnRef idx="1">
+        <a:scrgbClr r="0" g="0" b="0"/>
+      </a:lnRef>
+      <a:fillRef idx="0">
+        <a:scrgbClr r="0" g="0" b="0"/>
+      </a:fillRef>
+      <a:effectRef idx="0">
+        <a:scrgbClr r="0" g="0" b="0"/>
+      </a:effectRef>
+      <a:fontRef idx="minor"/>
+    </dgm:style>
+  </dgm:styleLbl>
+  <dgm:styleLbl name="callout">
+    <dgm:scene3d>
+      <a:camera prst="orthographicFront"/>
+      <a:lightRig rig="threePt" dir="t"/>
+    </dgm:scene3d>
+    <dgm:sp3d/>
+    <dgm:txPr/>
+    <dgm:style>
+      <a:lnRef idx="2">
+        <a:scrgbClr r="0" g="0" b="0"/>
+      </a:lnRef>
+      <a:fillRef idx="1">
+        <a:scrgbClr r="0" g="0" b="0"/>
+      </a:fillRef>
+      <a:effectRef idx="0">
+        <a:scrgbClr r="0" g="0" b="0"/>
+      </a:effectRef>
+      <a:fontRef idx="minor"/>
+    </dgm:style>
+  </dgm:styleLbl>
+  <dgm:styleLbl name="asst0">
+    <dgm:scene3d>
+      <a:camera prst="orthographicFront"/>
+      <a:lightRig rig="threePt" dir="t"/>
+    </dgm:scene3d>
+    <dgm:sp3d/>
+    <dgm:txPr/>
+    <dgm:style>
+      <a:lnRef idx="2">
+        <a:scrgbClr r="0" g="0" b="0"/>
+      </a:lnRef>
+      <a:fillRef idx="1">
+        <a:scrgbClr r="0" g="0" b="0"/>
+      </a:fillRef>
+      <a:effectRef idx="0">
+        <a:scrgbClr r="0" g="0" b="0"/>
+      </a:effectRef>
+      <a:fontRef idx="minor">
+        <a:schemeClr val="lt1"/>
+      </a:fontRef>
+    </dgm:style>
+  </dgm:styleLbl>
+  <dgm:styleLbl name="asst1">
+    <dgm:scene3d>
+      <a:camera prst="orthographicFront"/>
+      <a:lightRig rig="threePt" dir="t"/>
+    </dgm:scene3d>
+    <dgm:sp3d/>
+    <dgm:txPr/>
+    <dgm:style>
+      <a:lnRef idx="2">
+        <a:scrgbClr r="0" g="0" b="0"/>
+      </a:lnRef>
+      <a:fillRef idx="1">
+        <a:scrgbClr r="0" g="0" b="0"/>
+      </a:fillRef>
+      <a:effectRef idx="0">
+        <a:scrgbClr r="0" g="0" b="0"/>
+      </a:effectRef>
+      <a:fontRef idx="minor">
+        <a:schemeClr val="lt1"/>
+      </a:fontRef>
+    </dgm:style>
+  </dgm:styleLbl>
+  <dgm:styleLbl name="asst2">
+    <dgm:scene3d>
+      <a:camera prst="orthographicFront"/>
+      <a:lightRig rig="threePt" dir="t"/>
+    </dgm:scene3d>
+    <dgm:sp3d/>
+    <dgm:txPr/>
+    <dgm:style>
+      <a:lnRef idx="2">
+        <a:scrgbClr r="0" g="0" b="0"/>
+      </a:lnRef>
+      <a:fillRef idx="1">
+        <a:scrgbClr r="0" g="0" b="0"/>
+      </a:fillRef>
+      <a:effectRef idx="0">
+        <a:scrgbClr r="0" g="0" b="0"/>
+      </a:effectRef>
+      <a:fontRef idx="minor">
+        <a:schemeClr val="lt1"/>
+      </a:fontRef>
+    </dgm:style>
+  </dgm:styleLbl>
+  <dgm:styleLbl name="asst3">
+    <dgm:scene3d>
+      <a:camera prst="orthographicFront"/>
+      <a:lightRig rig="threePt" dir="t"/>
+    </dgm:scene3d>
+    <dgm:sp3d/>
+    <dgm:txPr/>
+    <dgm:style>
+      <a:lnRef idx="2">
+        <a:scrgbClr r="0" g="0" b="0"/>
+      </a:lnRef>
+      <a:fillRef idx="1">
+        <a:scrgbClr r="0" g="0" b="0"/>
+      </a:fillRef>
+      <a:effectRef idx="0">
+        <a:scrgbClr r="0" g="0" b="0"/>
+      </a:effectRef>
+      <a:fontRef idx="minor">
+        <a:schemeClr val="lt1"/>
+      </a:fontRef>
+    </dgm:style>
+  </dgm:styleLbl>
+  <dgm:styleLbl name="asst4">
+    <dgm:scene3d>
+      <a:camera prst="orthographicFront"/>
+      <a:lightRig rig="threePt" dir="t"/>
+    </dgm:scene3d>
+    <dgm:sp3d/>
+    <dgm:txPr/>
+    <dgm:style>
+      <a:lnRef idx="2">
+        <a:scrgbClr r="0" g="0" b="0"/>
+      </a:lnRef>
+      <a:fillRef idx="1">
+        <a:scrgbClr r="0" g="0" b="0"/>
+      </a:fillRef>
+      <a:effectRef idx="0">
+        <a:scrgbClr r="0" g="0" b="0"/>
+      </a:effectRef>
+      <a:fontRef idx="minor">
+        <a:schemeClr val="lt1"/>
+      </a:fontRef>
+    </dgm:style>
+  </dgm:styleLbl>
+  <dgm:styleLbl name="parChTrans2D1">
+    <dgm:scene3d>
+      <a:camera prst="orthographicFront"/>
+      <a:lightRig rig="threePt" dir="t"/>
+    </dgm:scene3d>
+    <dgm:sp3d/>
+    <dgm:txPr/>
+    <dgm:style>
+      <a:lnRef idx="2">
+        <a:scrgbClr r="0" g="0" b="0"/>
+      </a:lnRef>
+      <a:fillRef idx="1">
+        <a:scrgbClr r="0" g="0" b="0"/>
+      </a:fillRef>
+      <a:effectRef idx="0">
+        <a:scrgbClr r="0" g="0" b="0"/>
+      </a:effectRef>
+      <a:fontRef idx="minor">
+        <a:schemeClr val="lt1"/>
+      </a:fontRef>
+    </dgm:style>
+  </dgm:styleLbl>
+  <dgm:styleLbl name="parChTrans2D2">
+    <dgm:scene3d>
+      <a:camera prst="orthographicFront"/>
+      <a:lightRig rig="threePt" dir="t"/>
+    </dgm:scene3d>
+    <dgm:sp3d/>
+    <dgm:txPr/>
+    <dgm:style>
+      <a:lnRef idx="2">
+        <a:scrgbClr r="0" g="0" b="0"/>
+      </a:lnRef>
+      <a:fillRef idx="1">
+        <a:scrgbClr r="0" g="0" b="0"/>
+      </a:fillRef>
+      <a:effectRef idx="0">
+        <a:scrgbClr r="0" g="0" b="0"/>
+      </a:effectRef>
+      <a:fontRef idx="minor">
+        <a:schemeClr val="lt1"/>
+      </a:fontRef>
+    </dgm:style>
+  </dgm:styleLbl>
+  <dgm:styleLbl name="parChTrans2D3">
+    <dgm:scene3d>
+      <a:camera prst="orthographicFront"/>
+      <a:lightRig rig="threePt" dir="t"/>
+    </dgm:scene3d>
+    <dgm:sp3d/>
+    <dgm:txPr/>
+    <dgm:style>
+      <a:lnRef idx="2">
+        <a:scrgbClr r="0" g="0" b="0"/>
+      </a:lnRef>
+      <a:fillRef idx="1">
+        <a:scrgbClr r="0" g="0" b="0"/>
+      </a:fillRef>
+      <a:effectRef idx="0">
+        <a:scrgbClr r="0" g="0" b="0"/>
+      </a:effectRef>
+      <a:fontRef idx="minor">
+        <a:schemeClr val="lt1"/>
+      </a:fontRef>
+    </dgm:style>
+  </dgm:styleLbl>
+  <dgm:styleLbl name="parChTrans2D4">
+    <dgm:scene3d>
+      <a:camera prst="orthographicFront"/>
+      <a:lightRig rig="threePt" dir="t"/>
+    </dgm:scene3d>
+    <dgm:sp3d/>
+    <dgm:txPr/>
+    <dgm:style>
+      <a:lnRef idx="2">
+        <a:scrgbClr r="0" g="0" b="0"/>
+      </a:lnRef>
+      <a:fillRef idx="1">
+        <a:scrgbClr r="0" g="0" b="0"/>
+      </a:fillRef>
+      <a:effectRef idx="0">
+        <a:scrgbClr r="0" g="0" b="0"/>
+      </a:effectRef>
+      <a:fontRef idx="minor">
+        <a:schemeClr val="lt1"/>
+      </a:fontRef>
+    </dgm:style>
+  </dgm:styleLbl>
+  <dgm:styleLbl name="parChTrans1D1">
+    <dgm:scene3d>
+      <a:camera prst="orthographicFront"/>
+      <a:lightRig rig="threePt" dir="t"/>
+    </dgm:scene3d>
+    <dgm:sp3d/>
+    <dgm:txPr/>
+    <dgm:style>
+      <a:lnRef idx="2">
+        <a:scrgbClr r="0" g="0" b="0"/>
+      </a:lnRef>
+      <a:fillRef idx="0">
+        <a:scrgbClr r="0" g="0" b="0"/>
+      </a:fillRef>
+      <a:effectRef idx="0">
+        <a:scrgbClr r="0" g="0" b="0"/>
+      </a:effectRef>
+      <a:fontRef idx="minor"/>
+    </dgm:style>
+  </dgm:styleLbl>
+  <dgm:styleLbl name="parChTrans1D2">
+    <dgm:scene3d>
+      <a:camera prst="orthographicFront"/>
+      <a:lightRig rig="threePt" dir="t"/>
+    </dgm:scene3d>
+    <dgm:sp3d/>
+    <dgm:txPr/>
+    <dgm:style>
+      <a:lnRef idx="2">
+        <a:scrgbClr r="0" g="0" b="0"/>
+      </a:lnRef>
+      <a:fillRef idx="0">
+        <a:scrgbClr r="0" g="0" b="0"/>
+      </a:fillRef>
+      <a:effectRef idx="0">
+        <a:scrgbClr r="0" g="0" b="0"/>
+      </a:effectRef>
+      <a:fontRef idx="minor"/>
+    </dgm:style>
+  </dgm:styleLbl>
+  <dgm:styleLbl name="parChTrans1D3">
+    <dgm:scene3d>
+      <a:camera prst="orthographicFront"/>
+      <a:lightRig rig="threePt" dir="t"/>
+    </dgm:scene3d>
+    <dgm:sp3d/>
+    <dgm:txPr/>
+    <dgm:style>
+      <a:lnRef idx="2">
+        <a:scrgbClr r="0" g="0" b="0"/>
+      </a:lnRef>
+      <a:fillRef idx="0">
+        <a:scrgbClr r="0" g="0" b="0"/>
+      </a:fillRef>
+      <a:effectRef idx="0">
+        <a:scrgbClr r="0" g="0" b="0"/>
+      </a:effectRef>
+      <a:fontRef idx="minor"/>
+    </dgm:style>
+  </dgm:styleLbl>
+  <dgm:styleLbl name="parChTrans1D4">
+    <dgm:scene3d>
+      <a:camera prst="orthographicFront"/>
+      <a:lightRig rig="threePt" dir="t"/>
+    </dgm:scene3d>
+    <dgm:sp3d/>
+    <dgm:txPr/>
+    <dgm:style>
+      <a:lnRef idx="2">
+        <a:scrgbClr r="0" g="0" b="0"/>
+      </a:lnRef>
+      <a:fillRef idx="0">
+        <a:scrgbClr r="0" g="0" b="0"/>
+      </a:fillRef>
+      <a:effectRef idx="0">
+        <a:scrgbClr r="0" g="0" b="0"/>
+      </a:effectRef>
+      <a:fontRef idx="minor"/>
+    </dgm:style>
+  </dgm:styleLbl>
+  <dgm:styleLbl name="fgAcc1">
+    <dgm:scene3d>
+      <a:camera prst="orthographicFront"/>
+      <a:lightRig rig="threePt" dir="t"/>
+    </dgm:scene3d>
+    <dgm:sp3d/>
+    <dgm:txPr/>
+    <dgm:style>
+      <a:lnRef idx="2">
+        <a:scrgbClr r="0" g="0" b="0"/>
+      </a:lnRef>
+      <a:fillRef idx="1">
+        <a:scrgbClr r="0" g="0" b="0"/>
+      </a:fillRef>
+      <a:effectRef idx="0">
+        <a:scrgbClr r="0" g="0" b="0"/>
+      </a:effectRef>
+      <a:fontRef idx="minor"/>
+    </dgm:style>
+  </dgm:styleLbl>
+  <dgm:styleLbl name="conFgAcc1">
+    <dgm:scene3d>
+      <a:camera prst="orthographicFront"/>
+      <a:lightRig rig="threePt" dir="t"/>
+    </dgm:scene3d>
+    <dgm:sp3d/>
+    <dgm:txPr/>
+    <dgm:style>
+      <a:lnRef idx="2">
+        <a:scrgbClr r="0" g="0" b="0"/>
+      </a:lnRef>
+      <a:fillRef idx="1">
+        <a:scrgbClr r="0" g="0" b="0"/>
+      </a:fillRef>
+      <a:effectRef idx="0">
+        <a:scrgbClr r="0" g="0" b="0"/>
+      </a:effectRef>
+      <a:fontRef idx="minor"/>
+    </dgm:style>
+  </dgm:styleLbl>
+  <dgm:styleLbl name="alignAcc1">
+    <dgm:scene3d>
+      <a:camera prst="orthographicFront"/>
+      <a:lightRig rig="threePt" dir="t"/>
+    </dgm:scene3d>
+    <dgm:sp3d/>
+    <dgm:txPr/>
+    <dgm:style>
+      <a:lnRef idx="2">
+        <a:scrgbClr r="0" g="0" b="0"/>
+      </a:lnRef>
+      <a:fillRef idx="1">
+        <a:scrgbClr r="0" g="0" b="0"/>
+      </a:fillRef>
+      <a:effectRef idx="0">
+        <a:scrgbClr r="0" g="0" b="0"/>
+      </a:effectRef>
+      <a:fontRef idx="minor"/>
+    </dgm:style>
+  </dgm:styleLbl>
+  <dgm:styleLbl name="trAlignAcc1">
+    <dgm:scene3d>
+      <a:camera prst="orthographicFront"/>
+      <a:lightRig rig="threePt" dir="t"/>
+    </dgm:scene3d>
+    <dgm:sp3d/>
+    <dgm:txPr/>
+    <dgm:style>
+      <a:lnRef idx="1">
+        <a:scrgbClr r="0" g="0" b="0"/>
+      </a:lnRef>
+      <a:fillRef idx="1">
+        <a:scrgbClr r="0" g="0" b="0"/>
+      </a:fillRef>
+      <a:effectRef idx="0">
+        <a:scrgbClr r="0" g="0" b="0"/>
+      </a:effectRef>
+      <a:fontRef idx="minor"/>
+    </dgm:style>
+  </dgm:styleLbl>
+  <dgm:styleLbl name="bgAcc1">
+    <dgm:scene3d>
+      <a:camera prst="orthographicFront"/>
+      <a:lightRig rig="threePt" dir="t"/>
+    </dgm:scene3d>
+    <dgm:sp3d/>
+    <dgm:txPr/>
+    <dgm:style>
+      <a:lnRef idx="2">
+        <a:scrgbClr r="0" g="0" b="0"/>
+      </a:lnRef>
+      <a:fillRef idx="1">
+        <a:scrgbClr r="0" g="0" b="0"/>
+      </a:fillRef>
+      <a:effectRef idx="0">
+        <a:scrgbClr r="0" g="0" b="0"/>
+      </a:effectRef>
+      <a:fontRef idx="minor"/>
+    </dgm:style>
+  </dgm:styleLbl>
+  <dgm:styleLbl name="solidFgAcc1">
+    <dgm:scene3d>
+      <a:camera prst="orthographicFront"/>
+      <a:lightRig rig="threePt" dir="t"/>
+    </dgm:scene3d>
+    <dgm:sp3d/>
+    <dgm:txPr/>
+    <dgm:style>
+      <a:lnRef idx="2">
+        <a:scrgbClr r="0" g="0" b="0"/>
+      </a:lnRef>
+      <a:fillRef idx="1">
+        <a:scrgbClr r="0" g="0" b="0"/>
+      </a:fillRef>
+      <a:effectRef idx="0">
+        <a:scrgbClr r="0" g="0" b="0"/>
+      </a:effectRef>
+      <a:fontRef idx="minor"/>
+    </dgm:style>
+  </dgm:styleLbl>
+  <dgm:styleLbl name="solidAlignAcc1">
+    <dgm:scene3d>
+      <a:camera prst="orthographicFront"/>
+      <a:lightRig rig="threePt" dir="t"/>
+    </dgm:scene3d>
+    <dgm:sp3d/>
+    <dgm:txPr/>
+    <dgm:style>
+      <a:lnRef idx="2">
+        <a:scrgbClr r="0" g="0" b="0"/>
+      </a:lnRef>
+      <a:fillRef idx="1">
+        <a:scrgbClr r="0" g="0" b="0"/>
+      </a:fillRef>
+      <a:effectRef idx="0">
+        <a:scrgbClr r="0" g="0" b="0"/>
+      </a:effectRef>
+      <a:fontRef idx="minor"/>
+    </dgm:style>
+  </dgm:styleLbl>
+  <dgm:styleLbl name="solidBgAcc1">
+    <dgm:scene3d>
+      <a:camera prst="orthographicFront"/>
+      <a:lightRig rig="threePt" dir="t"/>
+    </dgm:scene3d>
+    <dgm:sp3d/>
+    <dgm:txPr/>
+    <dgm:style>
+      <a:lnRef idx="2">
+        <a:scrgbClr r="0" g="0" b="0"/>
+      </a:lnRef>
+      <a:fillRef idx="1">
+        <a:scrgbClr r="0" g="0" b="0"/>
+      </a:fillRef>
+      <a:effectRef idx="0">
+        <a:scrgbClr r="0" g="0" b="0"/>
+      </a:effectRef>
+      <a:fontRef idx="minor"/>
+    </dgm:style>
+  </dgm:styleLbl>
+  <dgm:styleLbl name="fgAccFollowNode1">
+    <dgm:scene3d>
+      <a:camera prst="orthographicFront"/>
+      <a:lightRig rig="threePt" dir="t"/>
+    </dgm:scene3d>
+    <dgm:sp3d/>
+    <dgm:txPr/>
+    <dgm:style>
+      <a:lnRef idx="2">
+        <a:scrgbClr r="0" g="0" b="0"/>
+      </a:lnRef>
+      <a:fillRef idx="1">
+        <a:scrgbClr r="0" g="0" b="0"/>
+      </a:fillRef>
+      <a:effectRef idx="0">
+        <a:scrgbClr r="0" g="0" b="0"/>
+      </a:effectRef>
+      <a:fontRef idx="minor"/>
+    </dgm:style>
+  </dgm:styleLbl>
+  <dgm:styleLbl name="alignAccFollowNode1">
+    <dgm:scene3d>
+      <a:camera prst="orthographicFront"/>
+      <a:lightRig rig="threePt" dir="t"/>
+    </dgm:scene3d>
+    <dgm:sp3d/>
+    <dgm:txPr/>
+    <dgm:style>
+      <a:lnRef idx="2">
+        <a:scrgbClr r="0" g="0" b="0"/>
+      </a:lnRef>
+      <a:fillRef idx="1">
+        <a:scrgbClr r="0" g="0" b="0"/>
+      </a:fillRef>
+      <a:effectRef idx="0">
+        <a:scrgbClr r="0" g="0" b="0"/>
+      </a:effectRef>
+      <a:fontRef idx="minor"/>
+    </dgm:style>
+  </dgm:styleLbl>
+  <dgm:styleLbl name="bgAccFollowNode1">
+    <dgm:scene3d>
+      <a:camera prst="orthographicFront"/>
+      <a:lightRig rig="threePt" dir="t"/>
+    </dgm:scene3d>
+    <dgm:sp3d/>
+    <dgm:txPr/>
+    <dgm:style>
+      <a:lnRef idx="2">
+        <a:scrgbClr r="0" g="0" b="0"/>
+      </a:lnRef>
+      <a:fillRef idx="1">
+        <a:scrgbClr r="0" g="0" b="0"/>
+      </a:fillRef>
+      <a:effectRef idx="0">
+        <a:scrgbClr r="0" g="0" b="0"/>
+      </a:effectRef>
+      <a:fontRef idx="minor"/>
+    </dgm:style>
+  </dgm:styleLbl>
+  <dgm:styleLbl name="fgAcc0">
+    <dgm:scene3d>
+      <a:camera prst="orthographicFront"/>
+      <a:lightRig rig="threePt" dir="t"/>
+    </dgm:scene3d>
+    <dgm:sp3d/>
+    <dgm:txPr/>
+    <dgm:style>
+      <a:lnRef idx="2">
+        <a:scrgbClr r="0" g="0" b="0"/>
+      </a:lnRef>
+      <a:fillRef idx="1">
+        <a:scrgbClr r="0" g="0" b="0"/>
+      </a:fillRef>
+      <a:effectRef idx="0">
+        <a:scrgbClr r="0" g="0" b="0"/>
+      </a:effectRef>
+      <a:fontRef idx="minor"/>
+    </dgm:style>
+  </dgm:styleLbl>
+  <dgm:styleLbl name="fgAcc2">
+    <dgm:scene3d>
+      <a:camera prst="orthographicFront"/>
+      <a:lightRig rig="threePt" dir="t"/>
+    </dgm:scene3d>
+    <dgm:sp3d/>
+    <dgm:txPr/>
+    <dgm:style>
+      <a:lnRef idx="2">
+        <a:scrgbClr r="0" g="0" b="0"/>
+      </a:lnRef>
+      <a:fillRef idx="1">
+        <a:scrgbClr r="0" g="0" b="0"/>
+      </a:fillRef>
+      <a:effectRef idx="0">
+        <a:scrgbClr r="0" g="0" b="0"/>
+      </a:effectRef>
+      <a:fontRef idx="minor"/>
+    </dgm:style>
+  </dgm:styleLbl>
+  <dgm:styleLbl name="fgAcc3">
+    <dgm:scene3d>
+      <a:camera prst="orthographicFront"/>
+      <a:lightRig rig="threePt" dir="t"/>
+    </dgm:scene3d>
+    <dgm:sp3d/>
+    <dgm:txPr/>
+    <dgm:style>
+      <a:lnRef idx="2">
+        <a:scrgbClr r="0" g="0" b="0"/>
+      </a:lnRef>
+      <a:fillRef idx="1">
+        <a:scrgbClr r="0" g="0" b="0"/>
+      </a:fillRef>
+      <a:effectRef idx="0">
+        <a:scrgbClr r="0" g="0" b="0"/>
+      </a:effectRef>
+      <a:fontRef idx="minor"/>
+    </dgm:style>
+  </dgm:styleLbl>
+  <dgm:styleLbl name="fgAcc4">
+    <dgm:scene3d>
+      <a:camera prst="orthographicFront"/>
+      <a:lightRig rig="threePt" dir="t"/>
+    </dgm:scene3d>
+    <dgm:sp3d/>
+    <dgm:txPr/>
+    <dgm:style>
+      <a:lnRef idx="2">
+        <a:scrgbClr r="0" g="0" b="0"/>
+      </a:lnRef>
+      <a:fillRef idx="1">
+        <a:scrgbClr r="0" g="0" b="0"/>
+      </a:fillRef>
+      <a:effectRef idx="0">
+        <a:scrgbClr r="0" g="0" b="0"/>
+      </a:effectRef>
+      <a:fontRef idx="minor"/>
+    </dgm:style>
+  </dgm:styleLbl>
+  <dgm:styleLbl name="bgShp">
+    <dgm:scene3d>
+      <a:camera prst="orthographicFront"/>
+      <a:lightRig rig="threePt" dir="t"/>
+    </dgm:scene3d>
+    <dgm:sp3d/>
+    <dgm:txPr/>
+    <dgm:style>
+      <a:lnRef idx="0">
+        <a:scrgbClr r="0" g="0" b="0"/>
+      </a:lnRef>
+      <a:fillRef idx="1">
+        <a:scrgbClr r="0" g="0" b="0"/>
+      </a:fillRef>
+      <a:effectRef idx="0">
+        <a:scrgbClr r="0" g="0" b="0"/>
+      </a:effectRef>
+      <a:fontRef idx="minor"/>
+    </dgm:style>
+  </dgm:styleLbl>
+  <dgm:styleLbl name="dkBgShp">
+    <dgm:scene3d>
+      <a:camera prst="orthographicFront"/>
+      <a:lightRig rig="threePt" dir="t"/>
+    </dgm:scene3d>
+    <dgm:sp3d/>
+    <dgm:txPr/>
+    <dgm:style>
+      <a:lnRef idx="0">
+        <a:scrgbClr r="0" g="0" b="0"/>
+      </a:lnRef>
+      <a:fillRef idx="1">
+        <a:scrgbClr r="0" g="0" b="0"/>
+      </a:fillRef>
+      <a:effectRef idx="0">
+        <a:scrgbClr r="0" g="0" b="0"/>
+      </a:effectRef>
+      <a:fontRef idx="minor"/>
+    </dgm:style>
+  </dgm:styleLbl>
+  <dgm:styleLbl name="trBgShp">
+    <dgm:scene3d>
+      <a:camera prst="orthographicFront"/>
+      <a:lightRig rig="threePt" dir="t"/>
+    </dgm:scene3d>
+    <dgm:sp3d/>
+    <dgm:txPr/>
+    <dgm:style>
+      <a:lnRef idx="0">
+        <a:scrgbClr r="0" g="0" b="0"/>
+      </a:lnRef>
+      <a:fillRef idx="1">
+        <a:scrgbClr r="0" g="0" b="0"/>
+      </a:fillRef>
+      <a:effectRef idx="0">
+        <a:scrgbClr r="0" g="0" b="0"/>
+      </a:effectRef>
+      <a:fontRef idx="minor"/>
+    </dgm:style>
+  </dgm:styleLbl>
+  <dgm:styleLbl name="fgShp">
+    <dgm:scene3d>
+      <a:camera prst="orthographicFront"/>
+      <a:lightRig rig="threePt" dir="t"/>
+    </dgm:scene3d>
+    <dgm:sp3d/>
+    <dgm:txPr/>
+    <dgm:style>
+      <a:lnRef idx="2">
+        <a:scrgbClr r="0" g="0" b="0"/>
+      </a:lnRef>
+      <a:fillRef idx="1">
+        <a:scrgbClr r="0" g="0" b="0"/>
+      </a:fillRef>
+      <a:effectRef idx="0">
+        <a:scrgbClr r="0" g="0" b="0"/>
+      </a:effectRef>
+      <a:fontRef idx="minor"/>
+    </dgm:style>
+  </dgm:styleLbl>
+  <dgm:styleLbl name="revTx">
+    <dgm:scene3d>
+      <a:camera prst="orthographicFront"/>
+      <a:lightRig rig="threePt" dir="t"/>
+    </dgm:scene3d>
+    <dgm:sp3d/>
+    <dgm:txPr/>
+    <dgm:style>
+      <a:lnRef idx="0">
+        <a:scrgbClr r="0" g="0" b="0"/>
+      </a:lnRef>
+      <a:fillRef idx="0">
+        <a:scrgbClr r="0" g="0" b="0"/>
+      </a:fillRef>
+      <a:effectRef idx="0">
+        <a:scrgbClr r="0" g="0" b="0"/>
+      </a:effectRef>
+      <a:fontRef idx="minor"/>
+    </dgm:style>
+  </dgm:styleLbl>
+</dgm:styleDef>
 </file>
 
 <file path=ppt/notesMasters/notesMaster1.xml><?xml version="1.0" encoding="utf-8"?>
@@ -192,7 +6608,7 @@
           <a:p>
             <a:fld id="{9495605A-10D2-6844-AC6E-6DA8169C4476}" type="datetimeFigureOut">
               <a:rPr lang="en-US" smtClean="0"/>
-              <a:t>5/24/18</a:t>
+              <a:t>6/2/18</a:t>
             </a:fld>
             <a:endParaRPr lang="en-US"/>
           </a:p>
@@ -690,7 +7106,7 @@
           <a:p>
             <a:fld id="{E7EE0D41-FF7B-BB4D-B29E-B53AFEE5CC1D}" type="datetimeFigureOut">
               <a:rPr lang="en-US" smtClean="0"/>
-              <a:t>5/24/18</a:t>
+              <a:t>6/2/18</a:t>
             </a:fld>
             <a:endParaRPr lang="en-US"/>
           </a:p>
@@ -888,7 +7304,7 @@
           <a:p>
             <a:fld id="{E7EE0D41-FF7B-BB4D-B29E-B53AFEE5CC1D}" type="datetimeFigureOut">
               <a:rPr lang="en-US" smtClean="0"/>
-              <a:t>5/24/18</a:t>
+              <a:t>6/2/18</a:t>
             </a:fld>
             <a:endParaRPr lang="en-US"/>
           </a:p>
@@ -1096,7 +7512,7 @@
           <a:p>
             <a:fld id="{E7EE0D41-FF7B-BB4D-B29E-B53AFEE5CC1D}" type="datetimeFigureOut">
               <a:rPr lang="en-US" smtClean="0"/>
-              <a:t>5/24/18</a:t>
+              <a:t>6/2/18</a:t>
             </a:fld>
             <a:endParaRPr lang="en-US"/>
           </a:p>
@@ -1294,7 +7710,7 @@
           <a:p>
             <a:fld id="{E7EE0D41-FF7B-BB4D-B29E-B53AFEE5CC1D}" type="datetimeFigureOut">
               <a:rPr lang="en-US" smtClean="0"/>
-              <a:t>5/24/18</a:t>
+              <a:t>6/2/18</a:t>
             </a:fld>
             <a:endParaRPr lang="en-US"/>
           </a:p>
@@ -1569,7 +7985,7 @@
           <a:p>
             <a:fld id="{E7EE0D41-FF7B-BB4D-B29E-B53AFEE5CC1D}" type="datetimeFigureOut">
               <a:rPr lang="en-US" smtClean="0"/>
-              <a:t>5/24/18</a:t>
+              <a:t>6/2/18</a:t>
             </a:fld>
             <a:endParaRPr lang="en-US"/>
           </a:p>
@@ -1834,7 +8250,7 @@
           <a:p>
             <a:fld id="{E7EE0D41-FF7B-BB4D-B29E-B53AFEE5CC1D}" type="datetimeFigureOut">
               <a:rPr lang="en-US" smtClean="0"/>
-              <a:t>5/24/18</a:t>
+              <a:t>6/2/18</a:t>
             </a:fld>
             <a:endParaRPr lang="en-US"/>
           </a:p>
@@ -2246,7 +8662,7 @@
           <a:p>
             <a:fld id="{E7EE0D41-FF7B-BB4D-B29E-B53AFEE5CC1D}" type="datetimeFigureOut">
               <a:rPr lang="en-US" smtClean="0"/>
-              <a:t>5/24/18</a:t>
+              <a:t>6/2/18</a:t>
             </a:fld>
             <a:endParaRPr lang="en-US"/>
           </a:p>
@@ -2387,7 +8803,7 @@
           <a:p>
             <a:fld id="{E7EE0D41-FF7B-BB4D-B29E-B53AFEE5CC1D}" type="datetimeFigureOut">
               <a:rPr lang="en-US" smtClean="0"/>
-              <a:t>5/24/18</a:t>
+              <a:t>6/2/18</a:t>
             </a:fld>
             <a:endParaRPr lang="en-US"/>
           </a:p>
@@ -2500,7 +8916,7 @@
           <a:p>
             <a:fld id="{E7EE0D41-FF7B-BB4D-B29E-B53AFEE5CC1D}" type="datetimeFigureOut">
               <a:rPr lang="en-US" smtClean="0"/>
-              <a:t>5/24/18</a:t>
+              <a:t>6/2/18</a:t>
             </a:fld>
             <a:endParaRPr lang="en-US"/>
           </a:p>
@@ -2811,7 +9227,7 @@
           <a:p>
             <a:fld id="{E7EE0D41-FF7B-BB4D-B29E-B53AFEE5CC1D}" type="datetimeFigureOut">
               <a:rPr lang="en-US" smtClean="0"/>
-              <a:t>5/24/18</a:t>
+              <a:t>6/2/18</a:t>
             </a:fld>
             <a:endParaRPr lang="en-US"/>
           </a:p>
@@ -3099,7 +9515,7 @@
           <a:p>
             <a:fld id="{E7EE0D41-FF7B-BB4D-B29E-B53AFEE5CC1D}" type="datetimeFigureOut">
               <a:rPr lang="en-US" smtClean="0"/>
-              <a:t>5/24/18</a:t>
+              <a:t>6/2/18</a:t>
             </a:fld>
             <a:endParaRPr lang="en-US"/>
           </a:p>
@@ -3340,7 +9756,7 @@
           <a:p>
             <a:fld id="{E7EE0D41-FF7B-BB4D-B29E-B53AFEE5CC1D}" type="datetimeFigureOut">
               <a:rPr lang="en-US" smtClean="0"/>
-              <a:t>5/24/18</a:t>
+              <a:t>6/2/18</a:t>
             </a:fld>
             <a:endParaRPr lang="en-US"/>
           </a:p>
@@ -3759,10 +10175,10 @@
       </p:grpSpPr>
       <p:grpSp>
         <p:nvGrpSpPr>
-          <p:cNvPr id="35" name="Group 34">
+          <p:cNvPr id="5" name="Group 4">
             <a:extLst>
               <a:ext uri="{FF2B5EF4-FFF2-40B4-BE49-F238E27FC236}">
-                <a16:creationId xmlns:a16="http://schemas.microsoft.com/office/drawing/2014/main" id="{6D4C37B0-7521-1B47-B74A-4CFFA31B3AC5}"/>
+                <a16:creationId xmlns:a16="http://schemas.microsoft.com/office/drawing/2014/main" id="{DF1A5BBD-6C30-BA48-BEAE-42CF3486270A}"/>
               </a:ext>
             </a:extLst>
           </p:cNvPr>
@@ -3771,10 +10187,10 @@
         </p:nvGrpSpPr>
         <p:grpSpPr>
           <a:xfrm>
-            <a:off x="2743200" y="1440229"/>
-            <a:ext cx="4784651" cy="4270287"/>
-            <a:chOff x="2743200" y="1440229"/>
-            <a:chExt cx="4784651" cy="4270287"/>
+            <a:off x="1035659" y="1440229"/>
+            <a:ext cx="8265261" cy="4270287"/>
+            <a:chOff x="1010945" y="1440229"/>
+            <a:chExt cx="8265261" cy="4270287"/>
           </a:xfrm>
         </p:grpSpPr>
         <p:sp>
@@ -4741,11 +11157,377 @@
             </a:fontRef>
           </p:style>
         </p:cxnSp>
+        <p:sp>
+          <p:nvSpPr>
+            <p:cNvPr id="24" name="Rounded Rectangle 23">
+              <a:extLst>
+                <a:ext uri="{FF2B5EF4-FFF2-40B4-BE49-F238E27FC236}">
+                  <a16:creationId xmlns:a16="http://schemas.microsoft.com/office/drawing/2014/main" id="{B32027D0-5CDA-0F45-BCCE-4BE9B4C8407E}"/>
+                </a:ext>
+              </a:extLst>
+            </p:cNvPr>
+            <p:cNvSpPr/>
+            <p:nvPr/>
+          </p:nvSpPr>
+          <p:spPr>
+            <a:xfrm>
+              <a:off x="1019560" y="2562448"/>
+              <a:ext cx="1434383" cy="1042990"/>
+            </a:xfrm>
+            <a:prstGeom prst="roundRect">
+              <a:avLst/>
+            </a:prstGeom>
+          </p:spPr>
+          <p:style>
+            <a:lnRef idx="2">
+              <a:schemeClr val="accent5">
+                <a:shade val="50000"/>
+              </a:schemeClr>
+            </a:lnRef>
+            <a:fillRef idx="1">
+              <a:schemeClr val="accent5"/>
+            </a:fillRef>
+            <a:effectRef idx="0">
+              <a:schemeClr val="accent5"/>
+            </a:effectRef>
+            <a:fontRef idx="minor">
+              <a:schemeClr val="lt1"/>
+            </a:fontRef>
+          </p:style>
+          <p:txBody>
+            <a:bodyPr rtlCol="0" anchor="ctr"/>
+            <a:lstStyle/>
+            <a:p>
+              <a:pPr algn="ctr"/>
+              <a:r>
+                <a:rPr lang="en-US" dirty="0"/>
+                <a:t>Sta</a:t>
+              </a:r>
+              <a:r>
+                <a:rPr lang="en-US" altLang="zh-CN" dirty="0"/>
+                <a:t>rt</a:t>
+              </a:r>
+              <a:r>
+                <a:rPr lang="zh-CN" altLang="en-US" dirty="0"/>
+                <a:t> </a:t>
+              </a:r>
+              <a:r>
+                <a:rPr lang="en-US" altLang="zh-CN" dirty="0"/>
+                <a:t>Panel</a:t>
+              </a:r>
+              <a:endParaRPr lang="en-US" dirty="0"/>
+            </a:p>
+          </p:txBody>
+        </p:sp>
+        <p:sp>
+          <p:nvSpPr>
+            <p:cNvPr id="32" name="Rounded Rectangle 31">
+              <a:extLst>
+                <a:ext uri="{FF2B5EF4-FFF2-40B4-BE49-F238E27FC236}">
+                  <a16:creationId xmlns:a16="http://schemas.microsoft.com/office/drawing/2014/main" id="{6CA9AD9E-9B40-4142-BBDB-C463E1D28976}"/>
+                </a:ext>
+              </a:extLst>
+            </p:cNvPr>
+            <p:cNvSpPr/>
+            <p:nvPr/>
+          </p:nvSpPr>
+          <p:spPr>
+            <a:xfrm>
+              <a:off x="7791902" y="2554428"/>
+              <a:ext cx="1484304" cy="2224706"/>
+            </a:xfrm>
+            <a:prstGeom prst="roundRect">
+              <a:avLst/>
+            </a:prstGeom>
+          </p:spPr>
+          <p:style>
+            <a:lnRef idx="2">
+              <a:schemeClr val="accent5">
+                <a:shade val="50000"/>
+              </a:schemeClr>
+            </a:lnRef>
+            <a:fillRef idx="1">
+              <a:schemeClr val="accent5"/>
+            </a:fillRef>
+            <a:effectRef idx="0">
+              <a:schemeClr val="accent5"/>
+            </a:effectRef>
+            <a:fontRef idx="minor">
+              <a:schemeClr val="lt1"/>
+            </a:fontRef>
+          </p:style>
+          <p:txBody>
+            <a:bodyPr rtlCol="0" anchor="ctr"/>
+            <a:lstStyle/>
+            <a:p>
+              <a:pPr algn="ctr"/>
+              <a:r>
+                <a:rPr lang="en-US" altLang="zh-CN" dirty="0"/>
+                <a:t>Game</a:t>
+              </a:r>
+              <a:r>
+                <a:rPr lang="zh-CN" altLang="en-US" dirty="0"/>
+                <a:t> </a:t>
+              </a:r>
+              <a:r>
+                <a:rPr lang="en-US" altLang="zh-CN" dirty="0"/>
+                <a:t>Over</a:t>
+              </a:r>
+              <a:r>
+                <a:rPr lang="zh-CN" altLang="en-US" dirty="0"/>
+                <a:t> </a:t>
+              </a:r>
+              <a:r>
+                <a:rPr lang="en-US" altLang="zh-CN" dirty="0"/>
+                <a:t>Panel</a:t>
+              </a:r>
+              <a:endParaRPr lang="en-US" dirty="0"/>
+            </a:p>
+          </p:txBody>
+        </p:sp>
+        <p:sp>
+          <p:nvSpPr>
+            <p:cNvPr id="33" name="Rounded Rectangle 32">
+              <a:extLst>
+                <a:ext uri="{FF2B5EF4-FFF2-40B4-BE49-F238E27FC236}">
+                  <a16:creationId xmlns:a16="http://schemas.microsoft.com/office/drawing/2014/main" id="{562C346D-2C2A-6647-B6D6-5C3D8B22C566}"/>
+                </a:ext>
+              </a:extLst>
+            </p:cNvPr>
+            <p:cNvSpPr/>
+            <p:nvPr/>
+          </p:nvSpPr>
+          <p:spPr>
+            <a:xfrm>
+              <a:off x="1010945" y="3744164"/>
+              <a:ext cx="1434383" cy="1042990"/>
+            </a:xfrm>
+            <a:prstGeom prst="roundRect">
+              <a:avLst/>
+            </a:prstGeom>
+          </p:spPr>
+          <p:style>
+            <a:lnRef idx="2">
+              <a:schemeClr val="accent5">
+                <a:shade val="50000"/>
+              </a:schemeClr>
+            </a:lnRef>
+            <a:fillRef idx="1">
+              <a:schemeClr val="accent5"/>
+            </a:fillRef>
+            <a:effectRef idx="0">
+              <a:schemeClr val="accent5"/>
+            </a:effectRef>
+            <a:fontRef idx="minor">
+              <a:schemeClr val="lt1"/>
+            </a:fontRef>
+          </p:style>
+          <p:txBody>
+            <a:bodyPr rtlCol="0" anchor="ctr"/>
+            <a:lstStyle/>
+            <a:p>
+              <a:pPr algn="ctr"/>
+              <a:r>
+                <a:rPr lang="en-US" altLang="zh-CN" dirty="0"/>
+                <a:t>Pause</a:t>
+              </a:r>
+              <a:r>
+                <a:rPr lang="zh-CN" altLang="en-US" dirty="0"/>
+                <a:t> </a:t>
+              </a:r>
+              <a:r>
+                <a:rPr lang="en-US" altLang="zh-CN" dirty="0"/>
+                <a:t>Panel</a:t>
+              </a:r>
+              <a:endParaRPr lang="en-US" dirty="0"/>
+            </a:p>
+          </p:txBody>
+        </p:sp>
+        <p:cxnSp>
+          <p:nvCxnSpPr>
+            <p:cNvPr id="3" name="Straight Arrow Connector 2">
+              <a:extLst>
+                <a:ext uri="{FF2B5EF4-FFF2-40B4-BE49-F238E27FC236}">
+                  <a16:creationId xmlns:a16="http://schemas.microsoft.com/office/drawing/2014/main" id="{D710BFE8-77FB-F54F-B946-DCDD5CCC8186}"/>
+                </a:ext>
+              </a:extLst>
+            </p:cNvPr>
+            <p:cNvCxnSpPr>
+              <a:stCxn id="33" idx="3"/>
+            </p:cNvCxnSpPr>
+            <p:nvPr/>
+          </p:nvCxnSpPr>
+          <p:spPr>
+            <a:xfrm>
+              <a:off x="2445328" y="4265659"/>
+              <a:ext cx="297872" cy="0"/>
+            </a:xfrm>
+            <a:prstGeom prst="straightConnector1">
+              <a:avLst/>
+            </a:prstGeom>
+            <a:ln>
+              <a:headEnd type="triangle"/>
+              <a:tailEnd type="triangle"/>
+            </a:ln>
+          </p:spPr>
+          <p:style>
+            <a:lnRef idx="1">
+              <a:schemeClr val="accent1"/>
+            </a:lnRef>
+            <a:fillRef idx="0">
+              <a:schemeClr val="accent1"/>
+            </a:fillRef>
+            <a:effectRef idx="0">
+              <a:schemeClr val="accent1"/>
+            </a:effectRef>
+            <a:fontRef idx="minor">
+              <a:schemeClr val="tx1"/>
+            </a:fontRef>
+          </p:style>
+        </p:cxnSp>
+        <p:cxnSp>
+          <p:nvCxnSpPr>
+            <p:cNvPr id="34" name="Straight Arrow Connector 33">
+              <a:extLst>
+                <a:ext uri="{FF2B5EF4-FFF2-40B4-BE49-F238E27FC236}">
+                  <a16:creationId xmlns:a16="http://schemas.microsoft.com/office/drawing/2014/main" id="{0DBE27AE-68E2-594C-90A0-39C3CD080AA2}"/>
+                </a:ext>
+              </a:extLst>
+            </p:cNvPr>
+            <p:cNvCxnSpPr/>
+            <p:nvPr/>
+          </p:nvCxnSpPr>
+          <p:spPr>
+            <a:xfrm>
+              <a:off x="2445328" y="3156161"/>
+              <a:ext cx="297872" cy="0"/>
+            </a:xfrm>
+            <a:prstGeom prst="straightConnector1">
+              <a:avLst/>
+            </a:prstGeom>
+            <a:ln>
+              <a:headEnd type="triangle"/>
+              <a:tailEnd type="triangle"/>
+            </a:ln>
+          </p:spPr>
+          <p:style>
+            <a:lnRef idx="1">
+              <a:schemeClr val="accent1"/>
+            </a:lnRef>
+            <a:fillRef idx="0">
+              <a:schemeClr val="accent1"/>
+            </a:fillRef>
+            <a:effectRef idx="0">
+              <a:schemeClr val="accent1"/>
+            </a:effectRef>
+            <a:fontRef idx="minor">
+              <a:schemeClr val="tx1"/>
+            </a:fontRef>
+          </p:style>
+        </p:cxnSp>
+        <p:cxnSp>
+          <p:nvCxnSpPr>
+            <p:cNvPr id="36" name="Straight Arrow Connector 35">
+              <a:extLst>
+                <a:ext uri="{FF2B5EF4-FFF2-40B4-BE49-F238E27FC236}">
+                  <a16:creationId xmlns:a16="http://schemas.microsoft.com/office/drawing/2014/main" id="{FC1F7E8D-D109-0249-B53A-71381451FEF2}"/>
+                </a:ext>
+              </a:extLst>
+            </p:cNvPr>
+            <p:cNvCxnSpPr/>
+            <p:nvPr/>
+          </p:nvCxnSpPr>
+          <p:spPr>
+            <a:xfrm>
+              <a:off x="7518744" y="3726806"/>
+              <a:ext cx="297872" cy="0"/>
+            </a:xfrm>
+            <a:prstGeom prst="straightConnector1">
+              <a:avLst/>
+            </a:prstGeom>
+            <a:ln>
+              <a:headEnd type="triangle"/>
+              <a:tailEnd type="triangle"/>
+            </a:ln>
+          </p:spPr>
+          <p:style>
+            <a:lnRef idx="1">
+              <a:schemeClr val="accent1"/>
+            </a:lnRef>
+            <a:fillRef idx="0">
+              <a:schemeClr val="accent1"/>
+            </a:fillRef>
+            <a:effectRef idx="0">
+              <a:schemeClr val="accent1"/>
+            </a:effectRef>
+            <a:fontRef idx="minor">
+              <a:schemeClr val="tx1"/>
+            </a:fontRef>
+          </p:style>
+        </p:cxnSp>
       </p:grpSp>
     </p:spTree>
     <p:extLst>
       <p:ext uri="{BB962C8B-B14F-4D97-AF65-F5344CB8AC3E}">
         <p14:creationId xmlns:p14="http://schemas.microsoft.com/office/powerpoint/2010/main" val="411719440"/>
+      </p:ext>
+    </p:extLst>
+  </p:cSld>
+  <p:clrMapOvr>
+    <a:masterClrMapping/>
+  </p:clrMapOvr>
+</p:sld>
+</file>
+
+<file path=ppt/slides/slide2.xml><?xml version="1.0" encoding="utf-8"?>
+<p:sld xmlns:a="http://schemas.openxmlformats.org/drawingml/2006/main" xmlns:r="http://schemas.openxmlformats.org/officeDocument/2006/relationships" xmlns:p="http://schemas.openxmlformats.org/presentationml/2006/main">
+  <p:cSld>
+    <p:spTree>
+      <p:nvGrpSpPr>
+        <p:cNvPr id="1" name=""/>
+        <p:cNvGrpSpPr/>
+        <p:nvPr/>
+      </p:nvGrpSpPr>
+      <p:grpSpPr>
+        <a:xfrm>
+          <a:off x="0" y="0"/>
+          <a:ext cx="0" cy="0"/>
+          <a:chOff x="0" y="0"/>
+          <a:chExt cx="0" cy="0"/>
+        </a:xfrm>
+      </p:grpSpPr>
+      <p:graphicFrame>
+        <p:nvGraphicFramePr>
+          <p:cNvPr id="4" name="Diagram 3">
+            <a:extLst>
+              <a:ext uri="{FF2B5EF4-FFF2-40B4-BE49-F238E27FC236}">
+                <a16:creationId xmlns:a16="http://schemas.microsoft.com/office/drawing/2014/main" id="{DA53A4A9-8F1A-E242-9CE7-48998B254E29}"/>
+              </a:ext>
+            </a:extLst>
+          </p:cNvPr>
+          <p:cNvGraphicFramePr/>
+          <p:nvPr>
+            <p:extLst>
+              <p:ext uri="{D42A27DB-BD31-4B8C-83A1-F6EECF244321}">
+                <p14:modId xmlns:p14="http://schemas.microsoft.com/office/powerpoint/2010/main" val="3514891613"/>
+              </p:ext>
+            </p:extLst>
+          </p:nvPr>
+        </p:nvGraphicFramePr>
+        <p:xfrm>
+          <a:off x="1084349" y="133004"/>
+          <a:ext cx="9788698" cy="6603846"/>
+        </p:xfrm>
+        <a:graphic>
+          <a:graphicData uri="http://schemas.openxmlformats.org/drawingml/2006/diagram">
+            <dgm:relIds xmlns:dgm="http://schemas.openxmlformats.org/drawingml/2006/diagram" xmlns:r="http://schemas.openxmlformats.org/officeDocument/2006/relationships" r:dm="rId2" r:lo="rId3" r:qs="rId4" r:cs="rId5"/>
+          </a:graphicData>
+        </a:graphic>
+      </p:graphicFrame>
+    </p:spTree>
+    <p:extLst>
+      <p:ext uri="{BB962C8B-B14F-4D97-AF65-F5344CB8AC3E}">
+        <p14:creationId xmlns:p14="http://schemas.microsoft.com/office/powerpoint/2010/main" val="3476897192"/>
       </p:ext>
     </p:extLst>
   </p:cSld>

--- a/Presentation1.pptx
+++ b/Presentation1.pptx
@@ -13027,7 +13027,7 @@
           <a:p>
             <a:fld id="{9495605A-10D2-6844-AC6E-6DA8169C4476}" type="datetimeFigureOut">
               <a:rPr lang="en-US" smtClean="0"/>
-              <a:t>6/5/18</a:t>
+              <a:t>6/9/18</a:t>
             </a:fld>
             <a:endParaRPr lang="en-US"/>
           </a:p>
@@ -13441,7 +13441,7 @@
           <a:p>
             <a:fld id="{E7EE0D41-FF7B-BB4D-B29E-B53AFEE5CC1D}" type="datetimeFigureOut">
               <a:rPr lang="en-US" smtClean="0"/>
-              <a:t>6/5/18</a:t>
+              <a:t>6/9/18</a:t>
             </a:fld>
             <a:endParaRPr lang="en-US"/>
           </a:p>
@@ -13639,7 +13639,7 @@
           <a:p>
             <a:fld id="{E7EE0D41-FF7B-BB4D-B29E-B53AFEE5CC1D}" type="datetimeFigureOut">
               <a:rPr lang="en-US" smtClean="0"/>
-              <a:t>6/5/18</a:t>
+              <a:t>6/9/18</a:t>
             </a:fld>
             <a:endParaRPr lang="en-US"/>
           </a:p>
@@ -13847,7 +13847,7 @@
           <a:p>
             <a:fld id="{E7EE0D41-FF7B-BB4D-B29E-B53AFEE5CC1D}" type="datetimeFigureOut">
               <a:rPr lang="en-US" smtClean="0"/>
-              <a:t>6/5/18</a:t>
+              <a:t>6/9/18</a:t>
             </a:fld>
             <a:endParaRPr lang="en-US"/>
           </a:p>
@@ -14045,7 +14045,7 @@
           <a:p>
             <a:fld id="{E7EE0D41-FF7B-BB4D-B29E-B53AFEE5CC1D}" type="datetimeFigureOut">
               <a:rPr lang="en-US" smtClean="0"/>
-              <a:t>6/5/18</a:t>
+              <a:t>6/9/18</a:t>
             </a:fld>
             <a:endParaRPr lang="en-US"/>
           </a:p>
@@ -14320,7 +14320,7 @@
           <a:p>
             <a:fld id="{E7EE0D41-FF7B-BB4D-B29E-B53AFEE5CC1D}" type="datetimeFigureOut">
               <a:rPr lang="en-US" smtClean="0"/>
-              <a:t>6/5/18</a:t>
+              <a:t>6/9/18</a:t>
             </a:fld>
             <a:endParaRPr lang="en-US"/>
           </a:p>
@@ -14585,7 +14585,7 @@
           <a:p>
             <a:fld id="{E7EE0D41-FF7B-BB4D-B29E-B53AFEE5CC1D}" type="datetimeFigureOut">
               <a:rPr lang="en-US" smtClean="0"/>
-              <a:t>6/5/18</a:t>
+              <a:t>6/9/18</a:t>
             </a:fld>
             <a:endParaRPr lang="en-US"/>
           </a:p>
@@ -14997,7 +14997,7 @@
           <a:p>
             <a:fld id="{E7EE0D41-FF7B-BB4D-B29E-B53AFEE5CC1D}" type="datetimeFigureOut">
               <a:rPr lang="en-US" smtClean="0"/>
-              <a:t>6/5/18</a:t>
+              <a:t>6/9/18</a:t>
             </a:fld>
             <a:endParaRPr lang="en-US"/>
           </a:p>
@@ -15138,7 +15138,7 @@
           <a:p>
             <a:fld id="{E7EE0D41-FF7B-BB4D-B29E-B53AFEE5CC1D}" type="datetimeFigureOut">
               <a:rPr lang="en-US" smtClean="0"/>
-              <a:t>6/5/18</a:t>
+              <a:t>6/9/18</a:t>
             </a:fld>
             <a:endParaRPr lang="en-US"/>
           </a:p>
@@ -15251,7 +15251,7 @@
           <a:p>
             <a:fld id="{E7EE0D41-FF7B-BB4D-B29E-B53AFEE5CC1D}" type="datetimeFigureOut">
               <a:rPr lang="en-US" smtClean="0"/>
-              <a:t>6/5/18</a:t>
+              <a:t>6/9/18</a:t>
             </a:fld>
             <a:endParaRPr lang="en-US"/>
           </a:p>
@@ -15562,7 +15562,7 @@
           <a:p>
             <a:fld id="{E7EE0D41-FF7B-BB4D-B29E-B53AFEE5CC1D}" type="datetimeFigureOut">
               <a:rPr lang="en-US" smtClean="0"/>
-              <a:t>6/5/18</a:t>
+              <a:t>6/9/18</a:t>
             </a:fld>
             <a:endParaRPr lang="en-US"/>
           </a:p>
@@ -15850,7 +15850,7 @@
           <a:p>
             <a:fld id="{E7EE0D41-FF7B-BB4D-B29E-B53AFEE5CC1D}" type="datetimeFigureOut">
               <a:rPr lang="en-US" smtClean="0"/>
-              <a:t>6/5/18</a:t>
+              <a:t>6/9/18</a:t>
             </a:fld>
             <a:endParaRPr lang="en-US"/>
           </a:p>
@@ -16091,7 +16091,7 @@
           <a:p>
             <a:fld id="{E7EE0D41-FF7B-BB4D-B29E-B53AFEE5CC1D}" type="datetimeFigureOut">
               <a:rPr lang="en-US" smtClean="0"/>
-              <a:t>6/5/18</a:t>
+              <a:t>6/9/18</a:t>
             </a:fld>
             <a:endParaRPr lang="en-US"/>
           </a:p>
@@ -17288,7 +17288,7 @@
                 <a:latin typeface="Microsoft YaHei Light" panose="020B0502040204020203" pitchFamily="34" charset="-122"/>
                 <a:ea typeface="Microsoft YaHei Light" panose="020B0502040204020203" pitchFamily="34" charset="-122"/>
               </a:rPr>
-              <a:t>有酷炫的爆炸动画效果</a:t>
+              <a:t>有酷炫的特效</a:t>
             </a:r>
             <a:endParaRPr lang="en-US" altLang="ja-JP" dirty="0">
               <a:latin typeface="Microsoft YaHei Light" panose="020B0502040204020203" pitchFamily="34" charset="-122"/>

--- a/Presentation1.pptx
+++ b/Presentation1.pptx
@@ -13027,7 +13027,7 @@
           <a:p>
             <a:fld id="{9495605A-10D2-6844-AC6E-6DA8169C4476}" type="datetimeFigureOut">
               <a:rPr lang="en-US" smtClean="0"/>
-              <a:t>6/9/18</a:t>
+              <a:t>6/11/18</a:t>
             </a:fld>
             <a:endParaRPr lang="en-US"/>
           </a:p>
@@ -13441,7 +13441,7 @@
           <a:p>
             <a:fld id="{E7EE0D41-FF7B-BB4D-B29E-B53AFEE5CC1D}" type="datetimeFigureOut">
               <a:rPr lang="en-US" smtClean="0"/>
-              <a:t>6/9/18</a:t>
+              <a:t>6/11/18</a:t>
             </a:fld>
             <a:endParaRPr lang="en-US"/>
           </a:p>
@@ -13639,7 +13639,7 @@
           <a:p>
             <a:fld id="{E7EE0D41-FF7B-BB4D-B29E-B53AFEE5CC1D}" type="datetimeFigureOut">
               <a:rPr lang="en-US" smtClean="0"/>
-              <a:t>6/9/18</a:t>
+              <a:t>6/11/18</a:t>
             </a:fld>
             <a:endParaRPr lang="en-US"/>
           </a:p>
@@ -13847,7 +13847,7 @@
           <a:p>
             <a:fld id="{E7EE0D41-FF7B-BB4D-B29E-B53AFEE5CC1D}" type="datetimeFigureOut">
               <a:rPr lang="en-US" smtClean="0"/>
-              <a:t>6/9/18</a:t>
+              <a:t>6/11/18</a:t>
             </a:fld>
             <a:endParaRPr lang="en-US"/>
           </a:p>
@@ -14045,7 +14045,7 @@
           <a:p>
             <a:fld id="{E7EE0D41-FF7B-BB4D-B29E-B53AFEE5CC1D}" type="datetimeFigureOut">
               <a:rPr lang="en-US" smtClean="0"/>
-              <a:t>6/9/18</a:t>
+              <a:t>6/11/18</a:t>
             </a:fld>
             <a:endParaRPr lang="en-US"/>
           </a:p>
@@ -14320,7 +14320,7 @@
           <a:p>
             <a:fld id="{E7EE0D41-FF7B-BB4D-B29E-B53AFEE5CC1D}" type="datetimeFigureOut">
               <a:rPr lang="en-US" smtClean="0"/>
-              <a:t>6/9/18</a:t>
+              <a:t>6/11/18</a:t>
             </a:fld>
             <a:endParaRPr lang="en-US"/>
           </a:p>
@@ -14585,7 +14585,7 @@
           <a:p>
             <a:fld id="{E7EE0D41-FF7B-BB4D-B29E-B53AFEE5CC1D}" type="datetimeFigureOut">
               <a:rPr lang="en-US" smtClean="0"/>
-              <a:t>6/9/18</a:t>
+              <a:t>6/11/18</a:t>
             </a:fld>
             <a:endParaRPr lang="en-US"/>
           </a:p>
@@ -14997,7 +14997,7 @@
           <a:p>
             <a:fld id="{E7EE0D41-FF7B-BB4D-B29E-B53AFEE5CC1D}" type="datetimeFigureOut">
               <a:rPr lang="en-US" smtClean="0"/>
-              <a:t>6/9/18</a:t>
+              <a:t>6/11/18</a:t>
             </a:fld>
             <a:endParaRPr lang="en-US"/>
           </a:p>
@@ -15138,7 +15138,7 @@
           <a:p>
             <a:fld id="{E7EE0D41-FF7B-BB4D-B29E-B53AFEE5CC1D}" type="datetimeFigureOut">
               <a:rPr lang="en-US" smtClean="0"/>
-              <a:t>6/9/18</a:t>
+              <a:t>6/11/18</a:t>
             </a:fld>
             <a:endParaRPr lang="en-US"/>
           </a:p>
@@ -15251,7 +15251,7 @@
           <a:p>
             <a:fld id="{E7EE0D41-FF7B-BB4D-B29E-B53AFEE5CC1D}" type="datetimeFigureOut">
               <a:rPr lang="en-US" smtClean="0"/>
-              <a:t>6/9/18</a:t>
+              <a:t>6/11/18</a:t>
             </a:fld>
             <a:endParaRPr lang="en-US"/>
           </a:p>
@@ -15562,7 +15562,7 @@
           <a:p>
             <a:fld id="{E7EE0D41-FF7B-BB4D-B29E-B53AFEE5CC1D}" type="datetimeFigureOut">
               <a:rPr lang="en-US" smtClean="0"/>
-              <a:t>6/9/18</a:t>
+              <a:t>6/11/18</a:t>
             </a:fld>
             <a:endParaRPr lang="en-US"/>
           </a:p>
@@ -15850,7 +15850,7 @@
           <a:p>
             <a:fld id="{E7EE0D41-FF7B-BB4D-B29E-B53AFEE5CC1D}" type="datetimeFigureOut">
               <a:rPr lang="en-US" smtClean="0"/>
-              <a:t>6/9/18</a:t>
+              <a:t>6/11/18</a:t>
             </a:fld>
             <a:endParaRPr lang="en-US"/>
           </a:p>
@@ -16091,7 +16091,7 @@
           <a:p>
             <a:fld id="{E7EE0D41-FF7B-BB4D-B29E-B53AFEE5CC1D}" type="datetimeFigureOut">
               <a:rPr lang="en-US" smtClean="0"/>
-              <a:t>6/9/18</a:t>
+              <a:t>6/11/18</a:t>
             </a:fld>
             <a:endParaRPr lang="en-US"/>
           </a:p>
@@ -16573,7 +16573,12 @@
             <p:ph type="subTitle" idx="1"/>
           </p:nvPr>
         </p:nvSpPr>
-        <p:spPr/>
+        <p:spPr>
+          <a:xfrm>
+            <a:off x="1524000" y="4169949"/>
+            <a:ext cx="9144000" cy="1655762"/>
+          </a:xfrm>
+        </p:spPr>
         <p:txBody>
           <a:bodyPr/>
           <a:lstStyle/>
@@ -16594,6 +16599,168 @@
             <a:endParaRPr lang="en-US" dirty="0">
               <a:latin typeface="Microsoft YaHei Light" panose="020B0502040204020203" pitchFamily="34" charset="-122"/>
               <a:ea typeface="Microsoft YaHei Light" panose="020B0502040204020203" pitchFamily="34" charset="-122"/>
+            </a:endParaRPr>
+          </a:p>
+        </p:txBody>
+      </p:sp>
+      <p:sp>
+        <p:nvSpPr>
+          <p:cNvPr id="4" name="Rectangle 3">
+            <a:extLst>
+              <a:ext uri="{FF2B5EF4-FFF2-40B4-BE49-F238E27FC236}">
+                <a16:creationId xmlns:a16="http://schemas.microsoft.com/office/drawing/2014/main" id="{BAF9B948-8A85-464C-BDE6-632034EDB76C}"/>
+              </a:ext>
+            </a:extLst>
+          </p:cNvPr>
+          <p:cNvSpPr/>
+          <p:nvPr/>
+        </p:nvSpPr>
+        <p:spPr>
+          <a:xfrm>
+            <a:off x="3914153" y="3438111"/>
+            <a:ext cx="4363695" cy="1015663"/>
+          </a:xfrm>
+          <a:prstGeom prst="rect">
+            <a:avLst/>
+          </a:prstGeom>
+          <a:noFill/>
+        </p:spPr>
+        <p:txBody>
+          <a:bodyPr wrap="none" lIns="91440" tIns="45720" rIns="91440" bIns="45720">
+            <a:spAutoFit/>
+            <a:scene3d>
+              <a:camera prst="orthographicFront"/>
+              <a:lightRig rig="soft" dir="t">
+                <a:rot lat="0" lon="0" rev="15600000"/>
+              </a:lightRig>
+            </a:scene3d>
+            <a:sp3d extrusionH="57150" prstMaterial="softEdge">
+              <a:bevelT w="25400" h="38100"/>
+            </a:sp3d>
+          </a:bodyPr>
+          <a:lstStyle/>
+          <a:p>
+            <a:pPr algn="ctr"/>
+            <a:r>
+              <a:rPr lang="en-US" altLang="zh-CN" sz="6000" b="1" dirty="0">
+                <a:ln w="12700">
+                  <a:solidFill>
+                    <a:schemeClr val="tx2">
+                      <a:lumMod val="75000"/>
+                    </a:schemeClr>
+                  </a:solidFill>
+                  <a:prstDash val="solid"/>
+                </a:ln>
+                <a:pattFill prst="dkUpDiag">
+                  <a:fgClr>
+                    <a:schemeClr val="tx2"/>
+                  </a:fgClr>
+                  <a:bgClr>
+                    <a:schemeClr val="tx2">
+                      <a:lumMod val="20000"/>
+                      <a:lumOff val="80000"/>
+                    </a:schemeClr>
+                  </a:bgClr>
+                </a:pattFill>
+                <a:effectLst>
+                  <a:outerShdw dist="38100" dir="2640000" algn="bl" rotWithShape="0">
+                    <a:schemeClr val="tx2">
+                      <a:lumMod val="75000"/>
+                    </a:schemeClr>
+                  </a:outerShdw>
+                </a:effectLst>
+              </a:rPr>
+              <a:t>Shoot!</a:t>
+            </a:r>
+            <a:r>
+              <a:rPr lang="zh-CN" altLang="en-US" sz="6000" b="1" dirty="0">
+                <a:ln w="12700">
+                  <a:solidFill>
+                    <a:schemeClr val="tx2">
+                      <a:lumMod val="75000"/>
+                    </a:schemeClr>
+                  </a:solidFill>
+                  <a:prstDash val="solid"/>
+                </a:ln>
+                <a:pattFill prst="dkUpDiag">
+                  <a:fgClr>
+                    <a:schemeClr val="tx2"/>
+                  </a:fgClr>
+                  <a:bgClr>
+                    <a:schemeClr val="tx2">
+                      <a:lumMod val="20000"/>
+                      <a:lumOff val="80000"/>
+                    </a:schemeClr>
+                  </a:bgClr>
+                </a:pattFill>
+                <a:effectLst>
+                  <a:outerShdw dist="38100" dir="2640000" algn="bl" rotWithShape="0">
+                    <a:schemeClr val="tx2">
+                      <a:lumMod val="75000"/>
+                    </a:schemeClr>
+                  </a:outerShdw>
+                </a:effectLst>
+              </a:rPr>
+              <a:t> </a:t>
+            </a:r>
+            <a:r>
+              <a:rPr lang="en-US" altLang="zh-CN" sz="6000" b="1" dirty="0">
+                <a:ln w="12700">
+                  <a:solidFill>
+                    <a:schemeClr val="tx2">
+                      <a:lumMod val="75000"/>
+                    </a:schemeClr>
+                  </a:solidFill>
+                  <a:prstDash val="solid"/>
+                </a:ln>
+                <a:pattFill prst="dkUpDiag">
+                  <a:fgClr>
+                    <a:schemeClr val="tx2"/>
+                  </a:fgClr>
+                  <a:bgClr>
+                    <a:schemeClr val="tx2">
+                      <a:lumMod val="20000"/>
+                      <a:lumOff val="80000"/>
+                    </a:schemeClr>
+                  </a:bgClr>
+                </a:pattFill>
+                <a:effectLst>
+                  <a:outerShdw dist="38100" dir="2640000" algn="bl" rotWithShape="0">
+                    <a:schemeClr val="tx2">
+                      <a:lumMod val="75000"/>
+                    </a:schemeClr>
+                  </a:outerShdw>
+                </a:effectLst>
+              </a:rPr>
+              <a:t>Game</a:t>
+            </a:r>
+            <a:endParaRPr lang="en-US" sz="6000" b="1" dirty="0">
+              <a:ln w="12700">
+                <a:solidFill>
+                  <a:schemeClr val="tx2">
+                    <a:lumMod val="75000"/>
+                  </a:schemeClr>
+                </a:solidFill>
+                <a:prstDash val="solid"/>
+              </a:ln>
+              <a:pattFill prst="dkUpDiag">
+                <a:fgClr>
+                  <a:schemeClr val="tx2"/>
+                </a:fgClr>
+                <a:bgClr>
+                  <a:schemeClr val="tx2">
+                    <a:lumMod val="20000"/>
+                    <a:lumOff val="80000"/>
+                  </a:schemeClr>
+                </a:bgClr>
+              </a:pattFill>
+              <a:effectLst>
+                <a:outerShdw dist="38100" dir="2640000" algn="bl" rotWithShape="0">
+                  <a:schemeClr val="tx2">
+                    <a:lumMod val="75000"/>
+                  </a:schemeClr>
+                </a:outerShdw>
+              </a:effectLst>
             </a:endParaRPr>
           </a:p>
         </p:txBody>
